--- a/design/CAMM_infrastructure.pptx
+++ b/design/CAMM_infrastructure.pptx
@@ -5,9 +5,11 @@
     <p:sldMasterId id="2147483648" r:id="rId1"/>
   </p:sldMasterIdLst>
   <p:sldIdLst>
-    <p:sldId id="256" r:id="rId2"/>
-    <p:sldId id="257" r:id="rId3"/>
-    <p:sldId id="258" r:id="rId4"/>
+    <p:sldId id="260" r:id="rId2"/>
+    <p:sldId id="256" r:id="rId3"/>
+    <p:sldId id="257" r:id="rId4"/>
+    <p:sldId id="258" r:id="rId5"/>
+    <p:sldId id="259" r:id="rId6"/>
   </p:sldIdLst>
   <p:sldSz cx="9144000" cy="6858000" type="screen4x3"/>
   <p:notesSz cx="6858000" cy="9144000"/>
@@ -290,7 +292,7 @@
           <a:p>
             <a:fld id="{13C0A88E-1702-3345-B06E-54BC7282559F}" type="datetimeFigureOut">
               <a:rPr lang="en-US" smtClean="0"/>
-              <a:t>2/27/13</a:t>
+              <a:t>7/3/13</a:t>
             </a:fld>
             <a:endParaRPr lang="en-US"/>
           </a:p>
@@ -460,7 +462,7 @@
           <a:p>
             <a:fld id="{13C0A88E-1702-3345-B06E-54BC7282559F}" type="datetimeFigureOut">
               <a:rPr lang="en-US" smtClean="0"/>
-              <a:t>2/27/13</a:t>
+              <a:t>7/3/13</a:t>
             </a:fld>
             <a:endParaRPr lang="en-US"/>
           </a:p>
@@ -640,7 +642,7 @@
           <a:p>
             <a:fld id="{13C0A88E-1702-3345-B06E-54BC7282559F}" type="datetimeFigureOut">
               <a:rPr lang="en-US" smtClean="0"/>
-              <a:t>2/27/13</a:t>
+              <a:t>7/3/13</a:t>
             </a:fld>
             <a:endParaRPr lang="en-US"/>
           </a:p>
@@ -810,7 +812,7 @@
           <a:p>
             <a:fld id="{13C0A88E-1702-3345-B06E-54BC7282559F}" type="datetimeFigureOut">
               <a:rPr lang="en-US" smtClean="0"/>
-              <a:t>2/27/13</a:t>
+              <a:t>7/3/13</a:t>
             </a:fld>
             <a:endParaRPr lang="en-US"/>
           </a:p>
@@ -1056,7 +1058,7 @@
           <a:p>
             <a:fld id="{13C0A88E-1702-3345-B06E-54BC7282559F}" type="datetimeFigureOut">
               <a:rPr lang="en-US" smtClean="0"/>
-              <a:t>2/27/13</a:t>
+              <a:t>7/3/13</a:t>
             </a:fld>
             <a:endParaRPr lang="en-US"/>
           </a:p>
@@ -1344,7 +1346,7 @@
           <a:p>
             <a:fld id="{13C0A88E-1702-3345-B06E-54BC7282559F}" type="datetimeFigureOut">
               <a:rPr lang="en-US" smtClean="0"/>
-              <a:t>2/27/13</a:t>
+              <a:t>7/3/13</a:t>
             </a:fld>
             <a:endParaRPr lang="en-US"/>
           </a:p>
@@ -1766,7 +1768,7 @@
           <a:p>
             <a:fld id="{13C0A88E-1702-3345-B06E-54BC7282559F}" type="datetimeFigureOut">
               <a:rPr lang="en-US" smtClean="0"/>
-              <a:t>2/27/13</a:t>
+              <a:t>7/3/13</a:t>
             </a:fld>
             <a:endParaRPr lang="en-US"/>
           </a:p>
@@ -1884,7 +1886,7 @@
           <a:p>
             <a:fld id="{13C0A88E-1702-3345-B06E-54BC7282559F}" type="datetimeFigureOut">
               <a:rPr lang="en-US" smtClean="0"/>
-              <a:t>2/27/13</a:t>
+              <a:t>7/3/13</a:t>
             </a:fld>
             <a:endParaRPr lang="en-US"/>
           </a:p>
@@ -1979,7 +1981,7 @@
           <a:p>
             <a:fld id="{13C0A88E-1702-3345-B06E-54BC7282559F}" type="datetimeFigureOut">
               <a:rPr lang="en-US" smtClean="0"/>
-              <a:t>2/27/13</a:t>
+              <a:t>7/3/13</a:t>
             </a:fld>
             <a:endParaRPr lang="en-US"/>
           </a:p>
@@ -2256,7 +2258,7 @@
           <a:p>
             <a:fld id="{13C0A88E-1702-3345-B06E-54BC7282559F}" type="datetimeFigureOut">
               <a:rPr lang="en-US" smtClean="0"/>
-              <a:t>2/27/13</a:t>
+              <a:t>7/3/13</a:t>
             </a:fld>
             <a:endParaRPr lang="en-US"/>
           </a:p>
@@ -2509,7 +2511,7 @@
           <a:p>
             <a:fld id="{13C0A88E-1702-3345-B06E-54BC7282559F}" type="datetimeFigureOut">
               <a:rPr lang="en-US" smtClean="0"/>
-              <a:t>2/27/13</a:t>
+              <a:t>7/3/13</a:t>
             </a:fld>
             <a:endParaRPr lang="en-US"/>
           </a:p>
@@ -2722,7 +2724,7 @@
           <a:p>
             <a:fld id="{13C0A88E-1702-3345-B06E-54BC7282559F}" type="datetimeFigureOut">
               <a:rPr lang="en-US" smtClean="0"/>
-              <a:t>2/27/13</a:t>
+              <a:t>7/3/13</a:t>
             </a:fld>
             <a:endParaRPr lang="en-US"/>
           </a:p>
@@ -3539,7 +3541,7 @@
         </p:nvCxnSpPr>
         <p:spPr>
           <a:xfrm flipV="1">
-            <a:off x="4419728" y="2669272"/>
+            <a:off x="4283640" y="2665443"/>
             <a:ext cx="2" cy="1146802"/>
           </a:xfrm>
           <a:prstGeom prst="straightConnector1">
@@ -3576,7 +3578,7 @@
         </p:nvCxnSpPr>
         <p:spPr>
           <a:xfrm flipH="1" flipV="1">
-            <a:off x="4419730" y="960393"/>
+            <a:off x="4283156" y="960393"/>
             <a:ext cx="1" cy="1295348"/>
           </a:xfrm>
           <a:prstGeom prst="straightConnector1">
@@ -3613,7 +3615,7 @@
         </p:nvSpPr>
         <p:spPr>
           <a:xfrm rot="16200000">
-            <a:off x="3794439" y="1481538"/>
+            <a:off x="3651418" y="1495640"/>
             <a:ext cx="1018227" cy="246221"/>
           </a:xfrm>
           <a:prstGeom prst="rect">
@@ -3657,7 +3659,7 @@
         </p:nvSpPr>
         <p:spPr>
           <a:xfrm rot="16200000">
-            <a:off x="3768485" y="3112095"/>
+            <a:off x="3652792" y="3112094"/>
             <a:ext cx="1018227" cy="246221"/>
           </a:xfrm>
           <a:prstGeom prst="rect">
@@ -3953,6 +3955,452 @@
           <a:xfrm>
             <a:off x="6021781" y="2256439"/>
             <a:ext cx="2518524" cy="409004"/>
+          </a:xfrm>
+          <a:prstGeom prst="roundRect">
+            <a:avLst/>
+          </a:prstGeom>
+          <a:solidFill>
+            <a:schemeClr val="bg1"/>
+          </a:solidFill>
+          <a:ln>
+            <a:solidFill>
+              <a:schemeClr val="accent6"/>
+            </a:solidFill>
+          </a:ln>
+          <a:effectLst/>
+        </p:spPr>
+        <p:style>
+          <a:lnRef idx="1">
+            <a:schemeClr val="accent1"/>
+          </a:lnRef>
+          <a:fillRef idx="3">
+            <a:schemeClr val="accent1"/>
+          </a:fillRef>
+          <a:effectRef idx="2">
+            <a:schemeClr val="accent1"/>
+          </a:effectRef>
+          <a:fontRef idx="minor">
+            <a:schemeClr val="lt1"/>
+          </a:fontRef>
+        </p:style>
+        <p:txBody>
+          <a:bodyPr rtlCol="0" anchor="ctr"/>
+          <a:lstStyle/>
+          <a:p>
+            <a:pPr algn="ctr"/>
+            <a:r>
+              <a:rPr lang="en-US" dirty="0" smtClean="0">
+                <a:solidFill>
+                  <a:schemeClr val="accent6"/>
+                </a:solidFill>
+              </a:rPr>
+              <a:t>Catalog Agent</a:t>
+            </a:r>
+            <a:endParaRPr lang="en-US" dirty="0">
+              <a:solidFill>
+                <a:schemeClr val="accent6"/>
+              </a:solidFill>
+            </a:endParaRPr>
+          </a:p>
+        </p:txBody>
+      </p:sp>
+      <p:sp>
+        <p:nvSpPr>
+          <p:cNvPr id="39" name="Rounded Rectangle 38"/>
+          <p:cNvSpPr/>
+          <p:nvPr/>
+        </p:nvSpPr>
+        <p:spPr>
+          <a:xfrm>
+            <a:off x="6021781" y="3983635"/>
+            <a:ext cx="2518524" cy="409004"/>
+          </a:xfrm>
+          <a:prstGeom prst="roundRect">
+            <a:avLst/>
+          </a:prstGeom>
+          <a:solidFill>
+            <a:schemeClr val="bg1"/>
+          </a:solidFill>
+          <a:ln>
+            <a:solidFill>
+              <a:srgbClr val="F79646"/>
+            </a:solidFill>
+          </a:ln>
+          <a:effectLst/>
+        </p:spPr>
+        <p:style>
+          <a:lnRef idx="1">
+            <a:schemeClr val="accent1"/>
+          </a:lnRef>
+          <a:fillRef idx="3">
+            <a:schemeClr val="accent1"/>
+          </a:fillRef>
+          <a:effectRef idx="2">
+            <a:schemeClr val="accent1"/>
+          </a:effectRef>
+          <a:fontRef idx="minor">
+            <a:schemeClr val="lt1"/>
+          </a:fontRef>
+        </p:style>
+        <p:txBody>
+          <a:bodyPr rtlCol="0" anchor="ctr"/>
+          <a:lstStyle/>
+          <a:p>
+            <a:pPr algn="ctr"/>
+            <a:r>
+              <a:rPr lang="en-US" dirty="0" smtClean="0">
+                <a:solidFill>
+                  <a:srgbClr val="F79646"/>
+                </a:solidFill>
+              </a:rPr>
+              <a:t>ICAT Server</a:t>
+            </a:r>
+            <a:endParaRPr lang="en-US" dirty="0">
+              <a:solidFill>
+                <a:srgbClr val="F79646"/>
+              </a:solidFill>
+            </a:endParaRPr>
+          </a:p>
+        </p:txBody>
+      </p:sp>
+      <p:cxnSp>
+        <p:nvCxnSpPr>
+          <p:cNvPr id="40" name="Straight Arrow Connector 39"/>
+          <p:cNvCxnSpPr>
+            <a:stCxn id="39" idx="1"/>
+            <a:endCxn id="6" idx="3"/>
+          </p:cNvCxnSpPr>
+          <p:nvPr/>
+        </p:nvCxnSpPr>
+        <p:spPr>
+          <a:xfrm flipH="1">
+            <a:off x="4656758" y="4188137"/>
+            <a:ext cx="1365023" cy="0"/>
+          </a:xfrm>
+          <a:prstGeom prst="straightConnector1">
+            <a:avLst/>
+          </a:prstGeom>
+          <a:ln>
+            <a:solidFill>
+              <a:srgbClr val="7F7F7F"/>
+            </a:solidFill>
+            <a:prstDash val="dash"/>
+            <a:tailEnd type="arrow"/>
+          </a:ln>
+          <a:effectLst/>
+        </p:spPr>
+        <p:style>
+          <a:lnRef idx="2">
+            <a:schemeClr val="accent1"/>
+          </a:lnRef>
+          <a:fillRef idx="0">
+            <a:schemeClr val="accent1"/>
+          </a:fillRef>
+          <a:effectRef idx="1">
+            <a:schemeClr val="accent1"/>
+          </a:effectRef>
+          <a:fontRef idx="minor">
+            <a:schemeClr val="tx1"/>
+          </a:fontRef>
+        </p:style>
+      </p:cxnSp>
+      <p:sp>
+        <p:nvSpPr>
+          <p:cNvPr id="46" name="TextBox 45"/>
+          <p:cNvSpPr txBox="1"/>
+          <p:nvPr/>
+        </p:nvSpPr>
+        <p:spPr>
+          <a:xfrm>
+            <a:off x="4943967" y="3907902"/>
+            <a:ext cx="884978" cy="553998"/>
+          </a:xfrm>
+          <a:prstGeom prst="rect">
+            <a:avLst/>
+          </a:prstGeom>
+          <a:noFill/>
+        </p:spPr>
+        <p:txBody>
+          <a:bodyPr wrap="none" rtlCol="0">
+            <a:spAutoFit/>
+          </a:bodyPr>
+          <a:lstStyle/>
+          <a:p>
+            <a:r>
+              <a:rPr lang="en-US" sz="1000" dirty="0" smtClean="0">
+                <a:solidFill>
+                  <a:schemeClr val="tx1">
+                    <a:lumMod val="65000"/>
+                    <a:lumOff val="35000"/>
+                  </a:schemeClr>
+                </a:solidFill>
+              </a:rPr>
+              <a:t>HTTP request</a:t>
+            </a:r>
+          </a:p>
+          <a:p>
+            <a:endParaRPr lang="en-US" sz="1000" dirty="0">
+              <a:solidFill>
+                <a:schemeClr val="tx1">
+                  <a:lumMod val="65000"/>
+                  <a:lumOff val="35000"/>
+                </a:schemeClr>
+              </a:solidFill>
+            </a:endParaRPr>
+          </a:p>
+          <a:p>
+            <a:r>
+              <a:rPr lang="en-US" sz="1000" dirty="0" err="1" smtClean="0">
+                <a:solidFill>
+                  <a:schemeClr val="tx1">
+                    <a:lumMod val="65000"/>
+                    <a:lumOff val="35000"/>
+                  </a:schemeClr>
+                </a:solidFill>
+              </a:rPr>
+              <a:t>data_exist</a:t>
+            </a:r>
+            <a:r>
+              <a:rPr lang="en-US" sz="1000" dirty="0" smtClean="0">
+                <a:solidFill>
+                  <a:schemeClr val="tx1">
+                    <a:lumMod val="65000"/>
+                    <a:lumOff val="35000"/>
+                  </a:schemeClr>
+                </a:solidFill>
+              </a:rPr>
+              <a:t>()</a:t>
+            </a:r>
+            <a:endParaRPr lang="en-US" sz="1000" dirty="0">
+              <a:solidFill>
+                <a:schemeClr val="tx1">
+                  <a:lumMod val="65000"/>
+                  <a:lumOff val="35000"/>
+                </a:schemeClr>
+              </a:solidFill>
+            </a:endParaRPr>
+          </a:p>
+        </p:txBody>
+      </p:sp>
+      <p:sp>
+        <p:nvSpPr>
+          <p:cNvPr id="47" name="TextBox 46"/>
+          <p:cNvSpPr txBox="1"/>
+          <p:nvPr/>
+        </p:nvSpPr>
+        <p:spPr>
+          <a:xfrm>
+            <a:off x="4810718" y="2218549"/>
+            <a:ext cx="1018227" cy="246221"/>
+          </a:xfrm>
+          <a:prstGeom prst="rect">
+            <a:avLst/>
+          </a:prstGeom>
+          <a:noFill/>
+        </p:spPr>
+        <p:txBody>
+          <a:bodyPr wrap="none" rtlCol="0">
+            <a:spAutoFit/>
+          </a:bodyPr>
+          <a:lstStyle/>
+          <a:p>
+            <a:r>
+              <a:rPr lang="en-US" sz="1000" dirty="0" smtClean="0">
+                <a:solidFill>
+                  <a:schemeClr val="tx1">
+                    <a:lumMod val="65000"/>
+                    <a:lumOff val="35000"/>
+                  </a:schemeClr>
+                </a:solidFill>
+              </a:rPr>
+              <a:t>RESULTS.READY</a:t>
+            </a:r>
+            <a:endParaRPr lang="en-US" sz="1000" dirty="0">
+              <a:solidFill>
+                <a:schemeClr val="tx1">
+                  <a:lumMod val="65000"/>
+                  <a:lumOff val="35000"/>
+                </a:schemeClr>
+              </a:solidFill>
+            </a:endParaRPr>
+          </a:p>
+        </p:txBody>
+      </p:sp>
+      <p:cxnSp>
+        <p:nvCxnSpPr>
+          <p:cNvPr id="48" name="Straight Arrow Connector 47"/>
+          <p:cNvCxnSpPr>
+            <a:stCxn id="4" idx="3"/>
+            <a:endCxn id="38" idx="1"/>
+          </p:cNvCxnSpPr>
+          <p:nvPr/>
+        </p:nvCxnSpPr>
+        <p:spPr>
+          <a:xfrm flipV="1">
+            <a:off x="4656759" y="2460941"/>
+            <a:ext cx="1365022" cy="3829"/>
+          </a:xfrm>
+          <a:prstGeom prst="straightConnector1">
+            <a:avLst/>
+          </a:prstGeom>
+          <a:ln>
+            <a:solidFill>
+              <a:srgbClr val="7F7F7F"/>
+            </a:solidFill>
+            <a:tailEnd type="arrow"/>
+          </a:ln>
+          <a:effectLst/>
+        </p:spPr>
+        <p:style>
+          <a:lnRef idx="2">
+            <a:schemeClr val="accent1"/>
+          </a:lnRef>
+          <a:fillRef idx="0">
+            <a:schemeClr val="accent1"/>
+          </a:fillRef>
+          <a:effectRef idx="1">
+            <a:schemeClr val="accent1"/>
+          </a:effectRef>
+          <a:fontRef idx="minor">
+            <a:schemeClr val="tx1"/>
+          </a:fontRef>
+        </p:style>
+      </p:cxnSp>
+      <p:cxnSp>
+        <p:nvCxnSpPr>
+          <p:cNvPr id="51" name="Straight Arrow Connector 50"/>
+          <p:cNvCxnSpPr>
+            <a:endCxn id="39" idx="0"/>
+          </p:cNvCxnSpPr>
+          <p:nvPr/>
+        </p:nvCxnSpPr>
+        <p:spPr>
+          <a:xfrm flipH="1">
+            <a:off x="7281043" y="2669271"/>
+            <a:ext cx="10763" cy="1314364"/>
+          </a:xfrm>
+          <a:prstGeom prst="straightConnector1">
+            <a:avLst/>
+          </a:prstGeom>
+          <a:ln>
+            <a:solidFill>
+              <a:srgbClr val="7F7F7F"/>
+            </a:solidFill>
+            <a:prstDash val="dash"/>
+            <a:tailEnd type="arrow"/>
+          </a:ln>
+          <a:effectLst/>
+        </p:spPr>
+        <p:style>
+          <a:lnRef idx="2">
+            <a:schemeClr val="accent1"/>
+          </a:lnRef>
+          <a:fillRef idx="0">
+            <a:schemeClr val="accent1"/>
+          </a:fillRef>
+          <a:effectRef idx="1">
+            <a:schemeClr val="accent1"/>
+          </a:effectRef>
+          <a:fontRef idx="minor">
+            <a:schemeClr val="tx1"/>
+          </a:fontRef>
+        </p:style>
+      </p:cxnSp>
+      <p:sp>
+        <p:nvSpPr>
+          <p:cNvPr id="52" name="TextBox 51"/>
+          <p:cNvSpPr txBox="1"/>
+          <p:nvPr/>
+        </p:nvSpPr>
+        <p:spPr>
+          <a:xfrm rot="16200000">
+            <a:off x="6744032" y="3112094"/>
+            <a:ext cx="841772" cy="246221"/>
+          </a:xfrm>
+          <a:prstGeom prst="rect">
+            <a:avLst/>
+          </a:prstGeom>
+          <a:noFill/>
+        </p:spPr>
+        <p:txBody>
+          <a:bodyPr wrap="none" rtlCol="0">
+            <a:spAutoFit/>
+          </a:bodyPr>
+          <a:lstStyle/>
+          <a:p>
+            <a:r>
+              <a:rPr lang="en-US" sz="1000" dirty="0" smtClean="0">
+                <a:solidFill>
+                  <a:schemeClr val="tx1">
+                    <a:lumMod val="65000"/>
+                    <a:lumOff val="35000"/>
+                  </a:schemeClr>
+                </a:solidFill>
+              </a:rPr>
+              <a:t>Push to ICAT</a:t>
+            </a:r>
+            <a:endParaRPr lang="en-US" sz="1000" dirty="0">
+              <a:solidFill>
+                <a:schemeClr val="tx1">
+                  <a:lumMod val="65000"/>
+                  <a:lumOff val="35000"/>
+                </a:schemeClr>
+              </a:solidFill>
+            </a:endParaRPr>
+          </a:p>
+        </p:txBody>
+      </p:sp>
+      <p:cxnSp>
+        <p:nvCxnSpPr>
+          <p:cNvPr id="56" name="Straight Arrow Connector 55"/>
+          <p:cNvCxnSpPr>
+            <a:stCxn id="57" idx="3"/>
+            <a:endCxn id="5" idx="1"/>
+          </p:cNvCxnSpPr>
+          <p:nvPr/>
+        </p:nvCxnSpPr>
+        <p:spPr>
+          <a:xfrm flipV="1">
+            <a:off x="1341777" y="760419"/>
+            <a:ext cx="796458" cy="1915"/>
+          </a:xfrm>
+          <a:prstGeom prst="straightConnector1">
+            <a:avLst/>
+          </a:prstGeom>
+          <a:ln>
+            <a:solidFill>
+              <a:srgbClr val="7F7F7F"/>
+            </a:solidFill>
+            <a:prstDash val="dash"/>
+            <a:tailEnd type="arrow"/>
+          </a:ln>
+          <a:effectLst/>
+        </p:spPr>
+        <p:style>
+          <a:lnRef idx="2">
+            <a:schemeClr val="accent1"/>
+          </a:lnRef>
+          <a:fillRef idx="0">
+            <a:schemeClr val="accent1"/>
+          </a:fillRef>
+          <a:effectRef idx="1">
+            <a:schemeClr val="accent1"/>
+          </a:effectRef>
+          <a:fontRef idx="minor">
+            <a:schemeClr val="tx1"/>
+          </a:fontRef>
+        </p:style>
+      </p:cxnSp>
+      <p:sp>
+        <p:nvSpPr>
+          <p:cNvPr id="57" name="Rounded Rectangle 56"/>
+          <p:cNvSpPr/>
+          <p:nvPr/>
+        </p:nvSpPr>
+        <p:spPr>
+          <a:xfrm>
+            <a:off x="159574" y="559747"/>
+            <a:ext cx="1182203" cy="405174"/>
           </a:xfrm>
           <a:prstGeom prst="roundRect">
             <a:avLst/>
@@ -3990,7 +4438,7 @@
           <a:p>
             <a:pPr algn="ctr"/>
             <a:r>
-              <a:rPr lang="en-US" dirty="0" smtClean="0">
+              <a:rPr lang="en-US" dirty="0" err="1" smtClean="0">
                 <a:solidFill>
                   <a:schemeClr val="tx1">
                     <a:lumMod val="65000"/>
@@ -3998,7 +4446,7 @@
                   </a:schemeClr>
                 </a:solidFill>
               </a:rPr>
-              <a:t>Catalog Agent</a:t>
+              <a:t>run.sh</a:t>
             </a:r>
             <a:endParaRPr lang="en-US" dirty="0">
               <a:solidFill>
@@ -4013,52 +4461,28 @@
       </p:sp>
       <p:sp>
         <p:nvSpPr>
-          <p:cNvPr id="39" name="Rounded Rectangle 38"/>
-          <p:cNvSpPr/>
-          <p:nvPr/>
-        </p:nvSpPr>
-        <p:spPr>
-          <a:xfrm>
-            <a:off x="6021781" y="3983635"/>
-            <a:ext cx="2518524" cy="409004"/>
-          </a:xfrm>
-          <a:prstGeom prst="roundRect">
-            <a:avLst/>
-          </a:prstGeom>
-          <a:solidFill>
-            <a:schemeClr val="bg1"/>
-          </a:solidFill>
-          <a:ln>
-            <a:solidFill>
-              <a:schemeClr val="tx1">
-                <a:lumMod val="50000"/>
-                <a:lumOff val="50000"/>
-              </a:schemeClr>
-            </a:solidFill>
-          </a:ln>
-          <a:effectLst/>
-        </p:spPr>
-        <p:style>
-          <a:lnRef idx="1">
-            <a:schemeClr val="accent1"/>
-          </a:lnRef>
-          <a:fillRef idx="3">
-            <a:schemeClr val="accent1"/>
-          </a:fillRef>
-          <a:effectRef idx="2">
-            <a:schemeClr val="accent1"/>
-          </a:effectRef>
-          <a:fontRef idx="minor">
-            <a:schemeClr val="lt1"/>
-          </a:fontRef>
-        </p:style>
-        <p:txBody>
-          <a:bodyPr rtlCol="0" anchor="ctr"/>
-          <a:lstStyle/>
-          <a:p>
-            <a:pPr algn="ctr"/>
-            <a:r>
-              <a:rPr lang="en-US" dirty="0" smtClean="0">
+          <p:cNvPr id="60" name="TextBox 59"/>
+          <p:cNvSpPr txBox="1"/>
+          <p:nvPr/>
+        </p:nvSpPr>
+        <p:spPr>
+          <a:xfrm>
+            <a:off x="159574" y="965048"/>
+            <a:ext cx="1786646" cy="553998"/>
+          </a:xfrm>
+          <a:prstGeom prst="rect">
+            <a:avLst/>
+          </a:prstGeom>
+          <a:noFill/>
+        </p:spPr>
+        <p:txBody>
+          <a:bodyPr wrap="square" rtlCol="0">
+            <a:spAutoFit/>
+          </a:bodyPr>
+          <a:lstStyle/>
+          <a:p>
+            <a:r>
+              <a:rPr lang="en-US" sz="1000" dirty="0" smtClean="0">
                 <a:solidFill>
                   <a:schemeClr val="tx1">
                     <a:lumMod val="65000"/>
@@ -4066,9 +4490,64 @@
                   </a:schemeClr>
                 </a:solidFill>
               </a:rPr>
-              <a:t>ICAT Server</a:t>
-            </a:r>
-            <a:endParaRPr lang="en-US" dirty="0">
+              <a:t>Start </a:t>
+            </a:r>
+            <a:r>
+              <a:rPr lang="en-US" sz="1000" dirty="0" smtClean="0">
+                <a:solidFill>
+                  <a:schemeClr val="tx1">
+                    <a:lumMod val="65000"/>
+                    <a:lumOff val="35000"/>
+                  </a:schemeClr>
+                </a:solidFill>
+              </a:rPr>
+              <a:t>job by starting Dakota and </a:t>
+            </a:r>
+            <a:r>
+              <a:rPr lang="en-US" sz="1000" dirty="0" err="1" smtClean="0">
+                <a:solidFill>
+                  <a:schemeClr val="tx1">
+                    <a:lumMod val="65000"/>
+                    <a:lumOff val="35000"/>
+                  </a:schemeClr>
+                </a:solidFill>
+              </a:rPr>
+              <a:t>Kepler</a:t>
+            </a:r>
+            <a:r>
+              <a:rPr lang="en-US" sz="1000" dirty="0" smtClean="0">
+                <a:solidFill>
+                  <a:schemeClr val="tx1">
+                    <a:lumMod val="65000"/>
+                    <a:lumOff val="35000"/>
+                  </a:schemeClr>
+                </a:solidFill>
+              </a:rPr>
+              <a:t>, and sending the initial parameters (</a:t>
+            </a:r>
+            <a:r>
+              <a:rPr lang="en-US" sz="1000" dirty="0" err="1" smtClean="0">
+                <a:solidFill>
+                  <a:schemeClr val="tx1">
+                    <a:lumMod val="65000"/>
+                    <a:lumOff val="35000"/>
+                  </a:schemeClr>
+                </a:solidFill>
+              </a:rPr>
+              <a:t>params.in</a:t>
+            </a:r>
+            <a:r>
+              <a:rPr lang="en-US" sz="1000" dirty="0" smtClean="0">
+                <a:solidFill>
+                  <a:schemeClr val="tx1">
+                    <a:lumMod val="65000"/>
+                    <a:lumOff val="35000"/>
+                  </a:schemeClr>
+                </a:solidFill>
+              </a:rPr>
+              <a:t>).</a:t>
+            </a:r>
+            <a:endParaRPr lang="en-US" sz="1000" dirty="0">
               <a:solidFill>
                 <a:schemeClr val="tx1">
                   <a:lumMod val="65000"/>
@@ -4079,19 +4558,159 @@
           </a:p>
         </p:txBody>
       </p:sp>
+      <p:sp>
+        <p:nvSpPr>
+          <p:cNvPr id="63" name="Circular Arrow 62"/>
+          <p:cNvSpPr>
+            <a:spLocks noChangeAspect="1"/>
+          </p:cNvSpPr>
+          <p:nvPr/>
+        </p:nvSpPr>
+        <p:spPr>
+          <a:xfrm>
+            <a:off x="6021781" y="2328682"/>
+            <a:ext cx="272175" cy="272175"/>
+          </a:xfrm>
+          <a:prstGeom prst="circularArrow">
+            <a:avLst>
+              <a:gd name="adj1" fmla="val 10013"/>
+              <a:gd name="adj2" fmla="val 1142319"/>
+              <a:gd name="adj3" fmla="val 8396100"/>
+              <a:gd name="adj4" fmla="val 10800000"/>
+              <a:gd name="adj5" fmla="val 13727"/>
+            </a:avLst>
+          </a:prstGeom>
+          <a:solidFill>
+            <a:schemeClr val="accent6"/>
+          </a:solidFill>
+          <a:ln>
+            <a:solidFill>
+              <a:srgbClr val="7F7F7F"/>
+            </a:solidFill>
+          </a:ln>
+          <a:effectLst/>
+        </p:spPr>
+        <p:style>
+          <a:lnRef idx="1">
+            <a:schemeClr val="accent1"/>
+          </a:lnRef>
+          <a:fillRef idx="3">
+            <a:schemeClr val="accent1"/>
+          </a:fillRef>
+          <a:effectRef idx="2">
+            <a:schemeClr val="accent1"/>
+          </a:effectRef>
+          <a:fontRef idx="minor">
+            <a:schemeClr val="lt1"/>
+          </a:fontRef>
+        </p:style>
+        <p:txBody>
+          <a:bodyPr rtlCol="0" anchor="ctr"/>
+          <a:lstStyle/>
+          <a:p>
+            <a:pPr algn="ctr"/>
+            <a:endParaRPr lang="en-US">
+              <a:solidFill>
+                <a:schemeClr val="tx1">
+                  <a:lumMod val="65000"/>
+                  <a:lumOff val="35000"/>
+                </a:schemeClr>
+              </a:solidFill>
+            </a:endParaRPr>
+          </a:p>
+        </p:txBody>
+      </p:sp>
       <p:cxnSp>
         <p:nvCxnSpPr>
-          <p:cNvPr id="40" name="Straight Arrow Connector 39"/>
-          <p:cNvCxnSpPr>
-            <a:stCxn id="39" idx="1"/>
-            <a:endCxn id="6" idx="3"/>
-          </p:cNvCxnSpPr>
+          <p:cNvPr id="64" name="Straight Arrow Connector 63"/>
+          <p:cNvCxnSpPr/>
           <p:nvPr/>
         </p:nvCxnSpPr>
         <p:spPr>
-          <a:xfrm flipH="1">
-            <a:off x="4656758" y="4188137"/>
-            <a:ext cx="1365023" cy="0"/>
+          <a:xfrm>
+            <a:off x="7216839" y="5988309"/>
+            <a:ext cx="407272" cy="1914"/>
+          </a:xfrm>
+          <a:prstGeom prst="straightConnector1">
+            <a:avLst/>
+          </a:prstGeom>
+          <a:ln>
+            <a:solidFill>
+              <a:srgbClr val="7F7F7F"/>
+            </a:solidFill>
+            <a:tailEnd type="arrow"/>
+          </a:ln>
+          <a:effectLst/>
+        </p:spPr>
+        <p:style>
+          <a:lnRef idx="2">
+            <a:schemeClr val="accent1"/>
+          </a:lnRef>
+          <a:fillRef idx="0">
+            <a:schemeClr val="accent1"/>
+          </a:fillRef>
+          <a:effectRef idx="1">
+            <a:schemeClr val="accent1"/>
+          </a:effectRef>
+          <a:fontRef idx="minor">
+            <a:schemeClr val="tx1"/>
+          </a:fontRef>
+        </p:style>
+      </p:cxnSp>
+      <p:sp>
+        <p:nvSpPr>
+          <p:cNvPr id="65" name="TextBox 64"/>
+          <p:cNvSpPr txBox="1"/>
+          <p:nvPr/>
+        </p:nvSpPr>
+        <p:spPr>
+          <a:xfrm>
+            <a:off x="7120347" y="5541415"/>
+            <a:ext cx="719155" cy="307777"/>
+          </a:xfrm>
+          <a:prstGeom prst="rect">
+            <a:avLst/>
+          </a:prstGeom>
+          <a:noFill/>
+        </p:spPr>
+        <p:txBody>
+          <a:bodyPr wrap="none" rtlCol="0">
+            <a:spAutoFit/>
+          </a:bodyPr>
+          <a:lstStyle/>
+          <a:p>
+            <a:r>
+              <a:rPr lang="en-US" sz="1400" dirty="0" smtClean="0">
+                <a:solidFill>
+                  <a:schemeClr val="tx1">
+                    <a:lumMod val="65000"/>
+                    <a:lumOff val="35000"/>
+                  </a:schemeClr>
+                </a:solidFill>
+              </a:rPr>
+              <a:t>Legend</a:t>
+            </a:r>
+            <a:endParaRPr lang="en-US" sz="1400" dirty="0">
+              <a:solidFill>
+                <a:schemeClr val="tx1">
+                  <a:lumMod val="65000"/>
+                  <a:lumOff val="35000"/>
+                </a:schemeClr>
+              </a:solidFill>
+            </a:endParaRPr>
+          </a:p>
+        </p:txBody>
+      </p:sp>
+      <p:cxnSp>
+        <p:nvCxnSpPr>
+          <p:cNvPr id="67" name="Straight Arrow Connector 66"/>
+          <p:cNvCxnSpPr/>
+          <p:nvPr/>
+        </p:nvCxnSpPr>
+        <p:spPr>
+          <a:xfrm>
+            <a:off x="7216839" y="6205289"/>
+            <a:ext cx="407272" cy="1914"/>
           </a:xfrm>
           <a:prstGeom prst="straightConnector1">
             <a:avLst/>
@@ -4122,14 +4741,14 @@
       </p:cxnSp>
       <p:sp>
         <p:nvSpPr>
-          <p:cNvPr id="46" name="TextBox 45"/>
+          <p:cNvPr id="69" name="TextBox 68"/>
           <p:cNvSpPr txBox="1"/>
           <p:nvPr/>
         </p:nvSpPr>
         <p:spPr>
           <a:xfrm>
-            <a:off x="4943967" y="3907902"/>
-            <a:ext cx="884978" cy="553998"/>
+            <a:off x="7588236" y="5843670"/>
+            <a:ext cx="1183349" cy="682238"/>
           </a:xfrm>
           <a:prstGeom prst="rect">
             <a:avLst/>
@@ -4142,8 +4761,13 @@
           </a:bodyPr>
           <a:lstStyle/>
           <a:p>
-            <a:r>
-              <a:rPr lang="en-US" sz="1000" dirty="0" smtClean="0">
+            <a:pPr>
+              <a:spcAft>
+                <a:spcPts val="500"/>
+              </a:spcAft>
+            </a:pPr>
+            <a:r>
+              <a:rPr lang="en-US" sz="1000" dirty="0" err="1" smtClean="0">
                 <a:solidFill>
                   <a:schemeClr val="tx1">
                     <a:lumMod val="65000"/>
@@ -4151,10 +4775,66 @@
                   </a:schemeClr>
                 </a:solidFill>
               </a:rPr>
-              <a:t>HTTP request</a:t>
-            </a:r>
-          </a:p>
-          <a:p>
+              <a:t>ActiveMQ</a:t>
+            </a:r>
+            <a:r>
+              <a:rPr lang="en-US" sz="1000" dirty="0" smtClean="0">
+                <a:solidFill>
+                  <a:schemeClr val="tx1">
+                    <a:lumMod val="65000"/>
+                    <a:lumOff val="35000"/>
+                  </a:schemeClr>
+                </a:solidFill>
+              </a:rPr>
+              <a:t> message</a:t>
+            </a:r>
+          </a:p>
+          <a:p>
+            <a:pPr>
+              <a:spcAft>
+                <a:spcPts val="500"/>
+              </a:spcAft>
+            </a:pPr>
+            <a:r>
+              <a:rPr lang="en-US" sz="1000" dirty="0" smtClean="0">
+                <a:solidFill>
+                  <a:schemeClr val="tx1">
+                    <a:lumMod val="65000"/>
+                    <a:lumOff val="35000"/>
+                  </a:schemeClr>
+                </a:solidFill>
+              </a:rPr>
+              <a:t>Other </a:t>
+            </a:r>
+            <a:r>
+              <a:rPr lang="en-US" sz="1000" dirty="0" smtClean="0">
+                <a:solidFill>
+                  <a:schemeClr val="tx1">
+                    <a:lumMod val="65000"/>
+                    <a:lumOff val="35000"/>
+                  </a:schemeClr>
+                </a:solidFill>
+              </a:rPr>
+              <a:t>protocol</a:t>
+            </a:r>
+          </a:p>
+          <a:p>
+            <a:pPr>
+              <a:spcAft>
+                <a:spcPts val="500"/>
+              </a:spcAft>
+            </a:pPr>
+            <a:r>
+              <a:rPr lang="en-US" sz="1000" dirty="0" smtClean="0">
+                <a:solidFill>
+                  <a:schemeClr val="tx1">
+                    <a:lumMod val="65000"/>
+                    <a:lumOff val="35000"/>
+                  </a:schemeClr>
+                </a:solidFill>
+              </a:rPr>
+              <a:t>Coming soon</a:t>
+            </a:r>
             <a:endParaRPr lang="en-US" sz="1000" dirty="0">
               <a:solidFill>
                 <a:schemeClr val="tx1">
@@ -4164,419 +4844,11 @@
               </a:solidFill>
             </a:endParaRPr>
           </a:p>
-          <a:p>
-            <a:r>
-              <a:rPr lang="en-US" sz="1000" dirty="0" err="1" smtClean="0">
-                <a:solidFill>
-                  <a:schemeClr val="tx1">
-                    <a:lumMod val="65000"/>
-                    <a:lumOff val="35000"/>
-                  </a:schemeClr>
-                </a:solidFill>
-              </a:rPr>
-              <a:t>data_exist</a:t>
-            </a:r>
-            <a:r>
-              <a:rPr lang="en-US" sz="1000" dirty="0" smtClean="0">
-                <a:solidFill>
-                  <a:schemeClr val="tx1">
-                    <a:lumMod val="65000"/>
-                    <a:lumOff val="35000"/>
-                  </a:schemeClr>
-                </a:solidFill>
-              </a:rPr>
-              <a:t>()</a:t>
-            </a:r>
-            <a:endParaRPr lang="en-US" sz="1000" dirty="0">
-              <a:solidFill>
-                <a:schemeClr val="tx1">
-                  <a:lumMod val="65000"/>
-                  <a:lumOff val="35000"/>
-                </a:schemeClr>
-              </a:solidFill>
-            </a:endParaRPr>
-          </a:p>
-        </p:txBody>
-      </p:sp>
-      <p:sp>
-        <p:nvSpPr>
-          <p:cNvPr id="47" name="TextBox 46"/>
-          <p:cNvSpPr txBox="1"/>
-          <p:nvPr/>
-        </p:nvSpPr>
-        <p:spPr>
-          <a:xfrm>
-            <a:off x="4810718" y="2218549"/>
-            <a:ext cx="1018227" cy="246221"/>
-          </a:xfrm>
-          <a:prstGeom prst="rect">
-            <a:avLst/>
-          </a:prstGeom>
-          <a:noFill/>
-        </p:spPr>
-        <p:txBody>
-          <a:bodyPr wrap="none" rtlCol="0">
-            <a:spAutoFit/>
-          </a:bodyPr>
-          <a:lstStyle/>
-          <a:p>
-            <a:r>
-              <a:rPr lang="en-US" sz="1000" dirty="0" smtClean="0">
-                <a:solidFill>
-                  <a:schemeClr val="tx1">
-                    <a:lumMod val="65000"/>
-                    <a:lumOff val="35000"/>
-                  </a:schemeClr>
-                </a:solidFill>
-              </a:rPr>
-              <a:t>RESULTS.READY</a:t>
-            </a:r>
-            <a:endParaRPr lang="en-US" sz="1000" dirty="0">
-              <a:solidFill>
-                <a:schemeClr val="tx1">
-                  <a:lumMod val="65000"/>
-                  <a:lumOff val="35000"/>
-                </a:schemeClr>
-              </a:solidFill>
-            </a:endParaRPr>
-          </a:p>
-        </p:txBody>
-      </p:sp>
-      <p:cxnSp>
-        <p:nvCxnSpPr>
-          <p:cNvPr id="48" name="Straight Arrow Connector 47"/>
-          <p:cNvCxnSpPr>
-            <a:stCxn id="4" idx="3"/>
-            <a:endCxn id="38" idx="1"/>
-          </p:cNvCxnSpPr>
-          <p:nvPr/>
-        </p:nvCxnSpPr>
-        <p:spPr>
-          <a:xfrm flipV="1">
-            <a:off x="4656759" y="2460941"/>
-            <a:ext cx="1365022" cy="3829"/>
-          </a:xfrm>
-          <a:prstGeom prst="straightConnector1">
-            <a:avLst/>
-          </a:prstGeom>
-          <a:ln>
-            <a:solidFill>
-              <a:srgbClr val="7F7F7F"/>
-            </a:solidFill>
-            <a:tailEnd type="arrow"/>
-          </a:ln>
-          <a:effectLst/>
-        </p:spPr>
-        <p:style>
-          <a:lnRef idx="2">
-            <a:schemeClr val="accent1"/>
-          </a:lnRef>
-          <a:fillRef idx="0">
-            <a:schemeClr val="accent1"/>
-          </a:fillRef>
-          <a:effectRef idx="1">
-            <a:schemeClr val="accent1"/>
-          </a:effectRef>
-          <a:fontRef idx="minor">
-            <a:schemeClr val="tx1"/>
-          </a:fontRef>
-        </p:style>
-      </p:cxnSp>
-      <p:cxnSp>
-        <p:nvCxnSpPr>
-          <p:cNvPr id="51" name="Straight Arrow Connector 50"/>
-          <p:cNvCxnSpPr>
-            <a:endCxn id="39" idx="0"/>
-          </p:cNvCxnSpPr>
-          <p:nvPr/>
-        </p:nvCxnSpPr>
-        <p:spPr>
-          <a:xfrm flipH="1">
-            <a:off x="7281043" y="2669271"/>
-            <a:ext cx="10763" cy="1314364"/>
-          </a:xfrm>
-          <a:prstGeom prst="straightConnector1">
-            <a:avLst/>
-          </a:prstGeom>
-          <a:ln>
-            <a:solidFill>
-              <a:srgbClr val="7F7F7F"/>
-            </a:solidFill>
-            <a:prstDash val="dash"/>
-            <a:tailEnd type="arrow"/>
-          </a:ln>
-          <a:effectLst/>
-        </p:spPr>
-        <p:style>
-          <a:lnRef idx="2">
-            <a:schemeClr val="accent1"/>
-          </a:lnRef>
-          <a:fillRef idx="0">
-            <a:schemeClr val="accent1"/>
-          </a:fillRef>
-          <a:effectRef idx="1">
-            <a:schemeClr val="accent1"/>
-          </a:effectRef>
-          <a:fontRef idx="minor">
-            <a:schemeClr val="tx1"/>
-          </a:fontRef>
-        </p:style>
-      </p:cxnSp>
-      <p:sp>
-        <p:nvSpPr>
-          <p:cNvPr id="52" name="TextBox 51"/>
-          <p:cNvSpPr txBox="1"/>
-          <p:nvPr/>
-        </p:nvSpPr>
-        <p:spPr>
-          <a:xfrm rot="16200000">
-            <a:off x="6744032" y="3112094"/>
-            <a:ext cx="841772" cy="246221"/>
-          </a:xfrm>
-          <a:prstGeom prst="rect">
-            <a:avLst/>
-          </a:prstGeom>
-          <a:noFill/>
-        </p:spPr>
-        <p:txBody>
-          <a:bodyPr wrap="none" rtlCol="0">
-            <a:spAutoFit/>
-          </a:bodyPr>
-          <a:lstStyle/>
-          <a:p>
-            <a:r>
-              <a:rPr lang="en-US" sz="1000" dirty="0" smtClean="0">
-                <a:solidFill>
-                  <a:schemeClr val="tx1">
-                    <a:lumMod val="65000"/>
-                    <a:lumOff val="35000"/>
-                  </a:schemeClr>
-                </a:solidFill>
-              </a:rPr>
-              <a:t>Push to ICAT</a:t>
-            </a:r>
-            <a:endParaRPr lang="en-US" sz="1000" dirty="0">
-              <a:solidFill>
-                <a:schemeClr val="tx1">
-                  <a:lumMod val="65000"/>
-                  <a:lumOff val="35000"/>
-                </a:schemeClr>
-              </a:solidFill>
-            </a:endParaRPr>
-          </a:p>
-        </p:txBody>
-      </p:sp>
-      <p:sp>
-        <p:nvSpPr>
-          <p:cNvPr id="54" name="TextBox 53"/>
-          <p:cNvSpPr txBox="1"/>
-          <p:nvPr/>
-        </p:nvSpPr>
-        <p:spPr>
-          <a:xfrm rot="16200000">
-            <a:off x="3544146" y="3061373"/>
-            <a:ext cx="740332" cy="246221"/>
-          </a:xfrm>
-          <a:prstGeom prst="rect">
-            <a:avLst/>
-          </a:prstGeom>
-          <a:noFill/>
-        </p:spPr>
-        <p:txBody>
-          <a:bodyPr wrap="none" rtlCol="0">
-            <a:spAutoFit/>
-          </a:bodyPr>
-          <a:lstStyle/>
-          <a:p>
-            <a:r>
-              <a:rPr lang="en-US" sz="1000" dirty="0" smtClean="0">
-                <a:solidFill>
-                  <a:schemeClr val="tx1">
-                    <a:lumMod val="65000"/>
-                    <a:lumOff val="35000"/>
-                  </a:schemeClr>
-                </a:solidFill>
-              </a:rPr>
-              <a:t>JOB.START</a:t>
-            </a:r>
-            <a:endParaRPr lang="en-US" sz="1000" dirty="0">
-              <a:solidFill>
-                <a:schemeClr val="tx1">
-                  <a:lumMod val="65000"/>
-                  <a:lumOff val="35000"/>
-                </a:schemeClr>
-              </a:solidFill>
-            </a:endParaRPr>
-          </a:p>
-        </p:txBody>
-      </p:sp>
-      <p:cxnSp>
-        <p:nvCxnSpPr>
-          <p:cNvPr id="56" name="Straight Arrow Connector 55"/>
-          <p:cNvCxnSpPr>
-            <a:stCxn id="57" idx="3"/>
-            <a:endCxn id="6" idx="1"/>
-          </p:cNvCxnSpPr>
-          <p:nvPr/>
-        </p:nvCxnSpPr>
-        <p:spPr>
-          <a:xfrm>
-            <a:off x="1341777" y="4186222"/>
-            <a:ext cx="796457" cy="1915"/>
-          </a:xfrm>
-          <a:prstGeom prst="straightConnector1">
-            <a:avLst/>
-          </a:prstGeom>
-          <a:ln>
-            <a:solidFill>
-              <a:srgbClr val="7F7F7F"/>
-            </a:solidFill>
-            <a:prstDash val="dash"/>
-            <a:tailEnd type="arrow"/>
-          </a:ln>
-          <a:effectLst/>
-        </p:spPr>
-        <p:style>
-          <a:lnRef idx="2">
-            <a:schemeClr val="accent1"/>
-          </a:lnRef>
-          <a:fillRef idx="0">
-            <a:schemeClr val="accent1"/>
-          </a:fillRef>
-          <a:effectRef idx="1">
-            <a:schemeClr val="accent1"/>
-          </a:effectRef>
-          <a:fontRef idx="minor">
-            <a:schemeClr val="tx1"/>
-          </a:fontRef>
-        </p:style>
-      </p:cxnSp>
-      <p:sp>
-        <p:nvSpPr>
-          <p:cNvPr id="57" name="Rounded Rectangle 56"/>
-          <p:cNvSpPr/>
-          <p:nvPr/>
-        </p:nvSpPr>
-        <p:spPr>
-          <a:xfrm>
-            <a:off x="159574" y="3983635"/>
-            <a:ext cx="1182203" cy="405174"/>
-          </a:xfrm>
-          <a:prstGeom prst="roundRect">
-            <a:avLst/>
-          </a:prstGeom>
-          <a:solidFill>
-            <a:schemeClr val="bg1"/>
-          </a:solidFill>
-          <a:ln>
-            <a:solidFill>
-              <a:schemeClr val="tx1">
-                <a:lumMod val="50000"/>
-                <a:lumOff val="50000"/>
-              </a:schemeClr>
-            </a:solidFill>
-          </a:ln>
-          <a:effectLst/>
-        </p:spPr>
-        <p:style>
-          <a:lnRef idx="1">
-            <a:schemeClr val="accent1"/>
-          </a:lnRef>
-          <a:fillRef idx="3">
-            <a:schemeClr val="accent1"/>
-          </a:fillRef>
-          <a:effectRef idx="2">
-            <a:schemeClr val="accent1"/>
-          </a:effectRef>
-          <a:fontRef idx="minor">
-            <a:schemeClr val="lt1"/>
-          </a:fontRef>
-        </p:style>
-        <p:txBody>
-          <a:bodyPr rtlCol="0" anchor="ctr"/>
-          <a:lstStyle/>
-          <a:p>
-            <a:pPr algn="ctr"/>
-            <a:r>
-              <a:rPr lang="en-US" dirty="0" err="1" smtClean="0">
-                <a:solidFill>
-                  <a:schemeClr val="tx1">
-                    <a:lumMod val="65000"/>
-                    <a:lumOff val="35000"/>
-                  </a:schemeClr>
-                </a:solidFill>
-              </a:rPr>
-              <a:t>Kepler</a:t>
-            </a:r>
-            <a:r>
-              <a:rPr lang="en-US" dirty="0" smtClean="0">
-                <a:solidFill>
-                  <a:schemeClr val="tx1">
-                    <a:lumMod val="65000"/>
-                    <a:lumOff val="35000"/>
-                  </a:schemeClr>
-                </a:solidFill>
-              </a:rPr>
-              <a:t> UI</a:t>
-            </a:r>
-            <a:endParaRPr lang="en-US" dirty="0">
-              <a:solidFill>
-                <a:schemeClr val="tx1">
-                  <a:lumMod val="65000"/>
-                  <a:lumOff val="35000"/>
-                </a:schemeClr>
-              </a:solidFill>
-            </a:endParaRPr>
-          </a:p>
-        </p:txBody>
-      </p:sp>
-      <p:sp>
-        <p:nvSpPr>
-          <p:cNvPr id="60" name="TextBox 59"/>
-          <p:cNvSpPr txBox="1"/>
-          <p:nvPr/>
-        </p:nvSpPr>
-        <p:spPr>
-          <a:xfrm>
-            <a:off x="1341777" y="3940001"/>
-            <a:ext cx="630313" cy="246221"/>
-          </a:xfrm>
-          <a:prstGeom prst="rect">
-            <a:avLst/>
-          </a:prstGeom>
-          <a:noFill/>
-        </p:spPr>
-        <p:txBody>
-          <a:bodyPr wrap="none" rtlCol="0">
-            <a:spAutoFit/>
-          </a:bodyPr>
-          <a:lstStyle/>
-          <a:p>
-            <a:r>
-              <a:rPr lang="en-US" sz="1000" dirty="0" smtClean="0">
-                <a:solidFill>
-                  <a:schemeClr val="tx1">
-                    <a:lumMod val="65000"/>
-                    <a:lumOff val="35000"/>
-                  </a:schemeClr>
-                </a:solidFill>
-              </a:rPr>
-              <a:t>Start job</a:t>
-            </a:r>
-            <a:endParaRPr lang="en-US" sz="1000" dirty="0">
-              <a:solidFill>
-                <a:schemeClr val="tx1">
-                  <a:lumMod val="65000"/>
-                  <a:lumOff val="35000"/>
-                </a:schemeClr>
-              </a:solidFill>
-            </a:endParaRPr>
-          </a:p>
-        </p:txBody>
-      </p:sp>
-      <p:sp>
-        <p:nvSpPr>
-          <p:cNvPr id="63" name="Circular Arrow 62"/>
+        </p:txBody>
+      </p:sp>
+      <p:sp>
+        <p:nvSpPr>
+          <p:cNvPr id="44" name="Circular Arrow 43"/>
           <p:cNvSpPr>
             <a:spLocks noChangeAspect="1"/>
           </p:cNvSpPr>
@@ -4584,7 +4856,7 @@
         </p:nvSpPr>
         <p:spPr>
           <a:xfrm>
-            <a:off x="6021781" y="2328682"/>
+            <a:off x="2325034" y="3812245"/>
             <a:ext cx="272175" cy="272175"/>
           </a:xfrm>
           <a:prstGeom prst="circularArrow">
@@ -4638,53 +4910,16 @@
           </a:p>
         </p:txBody>
       </p:sp>
-      <p:cxnSp>
-        <p:nvCxnSpPr>
-          <p:cNvPr id="64" name="Straight Arrow Connector 63"/>
-          <p:cNvCxnSpPr/>
-          <p:nvPr/>
-        </p:nvCxnSpPr>
-        <p:spPr>
-          <a:xfrm>
-            <a:off x="7216839" y="6225117"/>
-            <a:ext cx="407272" cy="1914"/>
-          </a:xfrm>
-          <a:prstGeom prst="straightConnector1">
-            <a:avLst/>
-          </a:prstGeom>
-          <a:ln>
-            <a:solidFill>
-              <a:srgbClr val="7F7F7F"/>
-            </a:solidFill>
-            <a:tailEnd type="arrow"/>
-          </a:ln>
-          <a:effectLst/>
-        </p:spPr>
-        <p:style>
-          <a:lnRef idx="2">
-            <a:schemeClr val="accent1"/>
-          </a:lnRef>
-          <a:fillRef idx="0">
-            <a:schemeClr val="accent1"/>
-          </a:fillRef>
-          <a:effectRef idx="1">
-            <a:schemeClr val="accent1"/>
-          </a:effectRef>
-          <a:fontRef idx="minor">
-            <a:schemeClr val="tx1"/>
-          </a:fontRef>
-        </p:style>
-      </p:cxnSp>
-      <p:sp>
-        <p:nvSpPr>
-          <p:cNvPr id="65" name="TextBox 64"/>
+      <p:sp>
+        <p:nvSpPr>
+          <p:cNvPr id="2" name="TextBox 1"/>
           <p:cNvSpPr txBox="1"/>
           <p:nvPr/>
         </p:nvSpPr>
         <p:spPr>
           <a:xfrm>
-            <a:off x="7120347" y="5778223"/>
-            <a:ext cx="719155" cy="307777"/>
+            <a:off x="159574" y="107633"/>
+            <a:ext cx="4426112" cy="400110"/>
           </a:xfrm>
           <a:prstGeom prst="rect">
             <a:avLst/>
@@ -4698,7 +4933,7 @@
           <a:lstStyle/>
           <a:p>
             <a:r>
-              <a:rPr lang="en-US" sz="1400" dirty="0" smtClean="0">
+              <a:rPr lang="en-US" sz="2000" dirty="0" smtClean="0">
                 <a:solidFill>
                   <a:schemeClr val="tx1">
                     <a:lumMod val="65000"/>
@@ -4706,9 +4941,20 @@
                   </a:schemeClr>
                 </a:solidFill>
               </a:rPr>
-              <a:t>Legend</a:t>
-            </a:r>
-            <a:endParaRPr lang="en-US" sz="1400" dirty="0">
+              <a:t>CAMM </a:t>
+            </a:r>
+            <a:r>
+              <a:rPr lang="en-US" sz="2000" dirty="0" smtClean="0">
+                <a:solidFill>
+                  <a:schemeClr val="tx1">
+                    <a:lumMod val="65000"/>
+                    <a:lumOff val="35000"/>
+                  </a:schemeClr>
+                </a:solidFill>
+              </a:rPr>
+              <a:t>Overview – Status as of July 2013</a:t>
+            </a:r>
+            <a:endParaRPr lang="en-US" sz="2000" dirty="0">
               <a:solidFill>
                 <a:schemeClr val="tx1">
                   <a:lumMod val="65000"/>
@@ -4719,243 +4965,9 @@
           </a:p>
         </p:txBody>
       </p:sp>
-      <p:cxnSp>
-        <p:nvCxnSpPr>
-          <p:cNvPr id="67" name="Straight Arrow Connector 66"/>
-          <p:cNvCxnSpPr/>
-          <p:nvPr/>
-        </p:nvCxnSpPr>
-        <p:spPr>
-          <a:xfrm>
-            <a:off x="7216839" y="6442097"/>
-            <a:ext cx="407272" cy="1914"/>
-          </a:xfrm>
-          <a:prstGeom prst="straightConnector1">
-            <a:avLst/>
-          </a:prstGeom>
-          <a:ln>
-            <a:solidFill>
-              <a:srgbClr val="7F7F7F"/>
-            </a:solidFill>
-            <a:prstDash val="dash"/>
-            <a:tailEnd type="arrow"/>
-          </a:ln>
-          <a:effectLst/>
-        </p:spPr>
-        <p:style>
-          <a:lnRef idx="2">
-            <a:schemeClr val="accent1"/>
-          </a:lnRef>
-          <a:fillRef idx="0">
-            <a:schemeClr val="accent1"/>
-          </a:fillRef>
-          <a:effectRef idx="1">
-            <a:schemeClr val="accent1"/>
-          </a:effectRef>
-          <a:fontRef idx="minor">
-            <a:schemeClr val="tx1"/>
-          </a:fontRef>
-        </p:style>
-      </p:cxnSp>
-      <p:sp>
-        <p:nvSpPr>
-          <p:cNvPr id="69" name="TextBox 68"/>
-          <p:cNvSpPr txBox="1"/>
-          <p:nvPr/>
-        </p:nvSpPr>
-        <p:spPr>
-          <a:xfrm>
-            <a:off x="7588236" y="6080478"/>
-            <a:ext cx="1183349" cy="464230"/>
-          </a:xfrm>
-          <a:prstGeom prst="rect">
-            <a:avLst/>
-          </a:prstGeom>
-          <a:noFill/>
-        </p:spPr>
-        <p:txBody>
-          <a:bodyPr wrap="none" rtlCol="0">
-            <a:spAutoFit/>
-          </a:bodyPr>
-          <a:lstStyle/>
-          <a:p>
-            <a:pPr>
-              <a:spcAft>
-                <a:spcPts val="500"/>
-              </a:spcAft>
-            </a:pPr>
-            <a:r>
-              <a:rPr lang="en-US" sz="1000" dirty="0" err="1" smtClean="0">
-                <a:solidFill>
-                  <a:schemeClr val="tx1">
-                    <a:lumMod val="65000"/>
-                    <a:lumOff val="35000"/>
-                  </a:schemeClr>
-                </a:solidFill>
-              </a:rPr>
-              <a:t>ActiveMQ</a:t>
-            </a:r>
-            <a:r>
-              <a:rPr lang="en-US" sz="1000" dirty="0" smtClean="0">
-                <a:solidFill>
-                  <a:schemeClr val="tx1">
-                    <a:lumMod val="65000"/>
-                    <a:lumOff val="35000"/>
-                  </a:schemeClr>
-                </a:solidFill>
-              </a:rPr>
-              <a:t> message</a:t>
-            </a:r>
-          </a:p>
-          <a:p>
-            <a:pPr>
-              <a:spcAft>
-                <a:spcPts val="500"/>
-              </a:spcAft>
-            </a:pPr>
-            <a:r>
-              <a:rPr lang="en-US" sz="1000" dirty="0" smtClean="0">
-                <a:solidFill>
-                  <a:schemeClr val="tx1">
-                    <a:lumMod val="65000"/>
-                    <a:lumOff val="35000"/>
-                  </a:schemeClr>
-                </a:solidFill>
-              </a:rPr>
-              <a:t>Other protocol</a:t>
-            </a:r>
-            <a:endParaRPr lang="en-US" sz="1000" dirty="0">
-              <a:solidFill>
-                <a:schemeClr val="tx1">
-                  <a:lumMod val="65000"/>
-                  <a:lumOff val="35000"/>
-                </a:schemeClr>
-              </a:solidFill>
-            </a:endParaRPr>
-          </a:p>
-        </p:txBody>
-      </p:sp>
-      <p:cxnSp>
-        <p:nvCxnSpPr>
-          <p:cNvPr id="41" name="Straight Arrow Connector 40"/>
-          <p:cNvCxnSpPr/>
-          <p:nvPr/>
-        </p:nvCxnSpPr>
-        <p:spPr>
-          <a:xfrm flipV="1">
-            <a:off x="4044050" y="2665443"/>
-            <a:ext cx="2" cy="1146802"/>
-          </a:xfrm>
-          <a:prstGeom prst="straightConnector1">
-            <a:avLst/>
-          </a:prstGeom>
-          <a:ln>
-            <a:solidFill>
-              <a:srgbClr val="7F7F7F"/>
-            </a:solidFill>
-            <a:tailEnd type="arrow"/>
-          </a:ln>
-          <a:effectLst/>
-        </p:spPr>
-        <p:style>
-          <a:lnRef idx="2">
-            <a:schemeClr val="accent1"/>
-          </a:lnRef>
-          <a:fillRef idx="0">
-            <a:schemeClr val="accent1"/>
-          </a:fillRef>
-          <a:effectRef idx="1">
-            <a:schemeClr val="accent1"/>
-          </a:effectRef>
-          <a:fontRef idx="minor">
-            <a:schemeClr val="tx1"/>
-          </a:fontRef>
-        </p:style>
-      </p:cxnSp>
-      <p:cxnSp>
-        <p:nvCxnSpPr>
-          <p:cNvPr id="42" name="Straight Arrow Connector 41"/>
-          <p:cNvCxnSpPr/>
-          <p:nvPr/>
-        </p:nvCxnSpPr>
-        <p:spPr>
-          <a:xfrm flipV="1">
-            <a:off x="4044052" y="960393"/>
-            <a:ext cx="0" cy="1293309"/>
-          </a:xfrm>
-          <a:prstGeom prst="straightConnector1">
-            <a:avLst/>
-          </a:prstGeom>
-          <a:ln>
-            <a:solidFill>
-              <a:srgbClr val="7F7F7F"/>
-            </a:solidFill>
-            <a:tailEnd type="arrow"/>
-          </a:ln>
-          <a:effectLst/>
-        </p:spPr>
-        <p:style>
-          <a:lnRef idx="2">
-            <a:schemeClr val="accent1"/>
-          </a:lnRef>
-          <a:fillRef idx="0">
-            <a:schemeClr val="accent1"/>
-          </a:fillRef>
-          <a:effectRef idx="1">
-            <a:schemeClr val="accent1"/>
-          </a:effectRef>
-          <a:fontRef idx="minor">
-            <a:schemeClr val="tx1"/>
-          </a:fontRef>
-        </p:style>
-      </p:cxnSp>
-      <p:sp>
-        <p:nvSpPr>
-          <p:cNvPr id="43" name="TextBox 42"/>
-          <p:cNvSpPr txBox="1"/>
-          <p:nvPr/>
-        </p:nvSpPr>
-        <p:spPr>
-          <a:xfrm rot="16200000">
-            <a:off x="3556575" y="1501565"/>
-            <a:ext cx="740332" cy="246221"/>
-          </a:xfrm>
-          <a:prstGeom prst="rect">
-            <a:avLst/>
-          </a:prstGeom>
-          <a:noFill/>
-        </p:spPr>
-        <p:txBody>
-          <a:bodyPr wrap="none" rtlCol="0">
-            <a:spAutoFit/>
-          </a:bodyPr>
-          <a:lstStyle/>
-          <a:p>
-            <a:r>
-              <a:rPr lang="en-US" sz="1000" dirty="0" smtClean="0">
-                <a:solidFill>
-                  <a:schemeClr val="tx1">
-                    <a:lumMod val="65000"/>
-                    <a:lumOff val="35000"/>
-                  </a:schemeClr>
-                </a:solidFill>
-              </a:rPr>
-              <a:t>JOB.START</a:t>
-            </a:r>
-            <a:endParaRPr lang="en-US" sz="1000" dirty="0">
-              <a:solidFill>
-                <a:schemeClr val="tx1">
-                  <a:lumMod val="65000"/>
-                  <a:lumOff val="35000"/>
-                </a:schemeClr>
-              </a:solidFill>
-            </a:endParaRPr>
-          </a:p>
-        </p:txBody>
-      </p:sp>
-      <p:sp>
-        <p:nvSpPr>
-          <p:cNvPr id="45" name="Circular Arrow 44"/>
+      <p:sp>
+        <p:nvSpPr>
+          <p:cNvPr id="49" name="Circular Arrow 48"/>
           <p:cNvSpPr>
             <a:spLocks noChangeAspect="1"/>
           </p:cNvSpPr>
@@ -4963,8 +4975,8 @@
         </p:nvSpPr>
         <p:spPr>
           <a:xfrm>
-            <a:off x="3938689" y="699922"/>
-            <a:ext cx="584736" cy="272175"/>
+            <a:off x="4128534" y="688218"/>
+            <a:ext cx="272175" cy="272175"/>
           </a:xfrm>
           <a:prstGeom prst="circularArrow">
             <a:avLst>
@@ -4972,7 +4984,7 @@
               <a:gd name="adj2" fmla="val 1142319"/>
               <a:gd name="adj3" fmla="val 8396100"/>
               <a:gd name="adj4" fmla="val 10800000"/>
-              <a:gd name="adj5" fmla="val 24641"/>
+              <a:gd name="adj5" fmla="val 13727"/>
             </a:avLst>
           </a:prstGeom>
           <a:solidFill>
@@ -5019,58 +5031,60 @@
       </p:sp>
       <p:sp>
         <p:nvSpPr>
-          <p:cNvPr id="44" name="Circular Arrow 43"/>
-          <p:cNvSpPr>
-            <a:spLocks noChangeAspect="1"/>
-          </p:cNvSpPr>
-          <p:nvPr/>
-        </p:nvSpPr>
-        <p:spPr>
-          <a:xfrm>
-            <a:off x="2325034" y="3812245"/>
-            <a:ext cx="272175" cy="272175"/>
-          </a:xfrm>
-          <a:prstGeom prst="circularArrow">
-            <a:avLst>
-              <a:gd name="adj1" fmla="val 10013"/>
-              <a:gd name="adj2" fmla="val 1142319"/>
-              <a:gd name="adj3" fmla="val 8396100"/>
-              <a:gd name="adj4" fmla="val 10800000"/>
-              <a:gd name="adj5" fmla="val 13727"/>
-            </a:avLst>
-          </a:prstGeom>
-          <a:solidFill>
-            <a:schemeClr val="bg1">
-              <a:lumMod val="75000"/>
-            </a:schemeClr>
-          </a:solidFill>
-          <a:ln>
-            <a:solidFill>
-              <a:srgbClr val="7F7F7F"/>
-            </a:solidFill>
-          </a:ln>
-          <a:effectLst/>
-        </p:spPr>
-        <p:style>
-          <a:lnRef idx="1">
-            <a:schemeClr val="accent1"/>
-          </a:lnRef>
-          <a:fillRef idx="3">
-            <a:schemeClr val="accent1"/>
-          </a:fillRef>
-          <a:effectRef idx="2">
-            <a:schemeClr val="accent1"/>
-          </a:effectRef>
-          <a:fontRef idx="minor">
-            <a:schemeClr val="lt1"/>
-          </a:fontRef>
-        </p:style>
-        <p:txBody>
-          <a:bodyPr rtlCol="0" anchor="ctr"/>
-          <a:lstStyle/>
-          <a:p>
-            <a:pPr algn="ctr"/>
-            <a:endParaRPr lang="en-US">
+          <p:cNvPr id="50" name="TextBox 49"/>
+          <p:cNvSpPr txBox="1"/>
+          <p:nvPr/>
+        </p:nvSpPr>
+        <p:spPr>
+          <a:xfrm>
+            <a:off x="159574" y="2033883"/>
+            <a:ext cx="1786646" cy="861774"/>
+          </a:xfrm>
+          <a:prstGeom prst="rect">
+            <a:avLst/>
+          </a:prstGeom>
+          <a:noFill/>
+        </p:spPr>
+        <p:txBody>
+          <a:bodyPr wrap="square" rtlCol="0">
+            <a:spAutoFit/>
+          </a:bodyPr>
+          <a:lstStyle/>
+          <a:p>
+            <a:r>
+              <a:rPr lang="en-US" sz="1000" dirty="0" err="1" smtClean="0">
+                <a:solidFill>
+                  <a:schemeClr val="tx1">
+                    <a:lumMod val="65000"/>
+                    <a:lumOff val="35000"/>
+                  </a:schemeClr>
+                </a:solidFill>
+              </a:rPr>
+              <a:t>ActiveMQ</a:t>
+            </a:r>
+            <a:r>
+              <a:rPr lang="en-US" sz="1000" dirty="0" smtClean="0">
+                <a:solidFill>
+                  <a:schemeClr val="tx1">
+                    <a:lumMod val="65000"/>
+                    <a:lumOff val="35000"/>
+                  </a:schemeClr>
+                </a:solidFill>
+              </a:rPr>
+              <a:t> is a messaging service running on the CAMM node. </a:t>
+            </a:r>
+            <a:r>
+              <a:rPr lang="en-US" sz="1000" dirty="0" smtClean="0">
+                <a:solidFill>
+                  <a:schemeClr val="tx1">
+                    <a:lumMod val="65000"/>
+                    <a:lumOff val="35000"/>
+                  </a:schemeClr>
+                </a:solidFill>
+              </a:rPr>
+              <a:t>Clients of this service can connect to it and register to message queues.</a:t>
+            </a:r>
+            <a:endParaRPr lang="en-US" sz="1000" dirty="0">
               <a:solidFill>
                 <a:schemeClr val="tx1">
                   <a:lumMod val="65000"/>
@@ -5083,14 +5097,14 @@
       </p:sp>
       <p:sp>
         <p:nvSpPr>
-          <p:cNvPr id="2" name="TextBox 1"/>
+          <p:cNvPr id="53" name="TextBox 52"/>
           <p:cNvSpPr txBox="1"/>
           <p:nvPr/>
         </p:nvSpPr>
         <p:spPr>
           <a:xfrm>
-            <a:off x="159574" y="107633"/>
-            <a:ext cx="1954732" cy="400110"/>
+            <a:off x="159574" y="3834194"/>
+            <a:ext cx="1786646" cy="707886"/>
           </a:xfrm>
           <a:prstGeom prst="rect">
             <a:avLst/>
@@ -5098,13 +5112,13 @@
           <a:noFill/>
         </p:spPr>
         <p:txBody>
-          <a:bodyPr wrap="none" rtlCol="0">
+          <a:bodyPr wrap="square" rtlCol="0">
             <a:spAutoFit/>
           </a:bodyPr>
           <a:lstStyle/>
           <a:p>
             <a:r>
-              <a:rPr lang="en-US" sz="2000" dirty="0" smtClean="0">
+              <a:rPr lang="en-US" sz="1000" dirty="0" smtClean="0">
                 <a:solidFill>
                   <a:schemeClr val="tx1">
                     <a:lumMod val="65000"/>
@@ -5112,9 +5126,53 @@
                   </a:schemeClr>
                 </a:solidFill>
               </a:rPr>
-              <a:t>CAMM Overview</a:t>
-            </a:r>
-            <a:endParaRPr lang="en-US" sz="2000" dirty="0">
+              <a:t>Part of the </a:t>
+            </a:r>
+            <a:r>
+              <a:rPr lang="en-US" sz="1000" dirty="0" err="1" smtClean="0">
+                <a:solidFill>
+                  <a:schemeClr val="tx1">
+                    <a:lumMod val="65000"/>
+                    <a:lumOff val="35000"/>
+                  </a:schemeClr>
+                </a:solidFill>
+              </a:rPr>
+              <a:t>Kepler</a:t>
+            </a:r>
+            <a:r>
+              <a:rPr lang="en-US" sz="1000" dirty="0" smtClean="0">
+                <a:solidFill>
+                  <a:schemeClr val="tx1">
+                    <a:lumMod val="65000"/>
+                    <a:lumOff val="35000"/>
+                  </a:schemeClr>
+                </a:solidFill>
+              </a:rPr>
+              <a:t> workflow is to </a:t>
+            </a:r>
+            <a:r>
+              <a:rPr lang="en-US" sz="1000" dirty="0" smtClean="0">
+                <a:solidFill>
+                  <a:schemeClr val="tx1">
+                    <a:lumMod val="65000"/>
+                    <a:lumOff val="35000"/>
+                  </a:schemeClr>
+                </a:solidFill>
+              </a:rPr>
+              <a:t>wait for </a:t>
+            </a:r>
+            <a:r>
+              <a:rPr lang="en-US" sz="1000" dirty="0" smtClean="0">
+                <a:solidFill>
+                  <a:schemeClr val="tx1">
+                    <a:lumMod val="65000"/>
+                    <a:lumOff val="35000"/>
+                  </a:schemeClr>
+                </a:solidFill>
+              </a:rPr>
+              <a:t>PARAMS.READY messages and launch jobs when it receives them.</a:t>
+            </a:r>
+            <a:endParaRPr lang="en-US" sz="1000" dirty="0">
               <a:solidFill>
                 <a:schemeClr val="tx1">
                   <a:lumMod val="65000"/>
@@ -5125,10 +5183,47 @@
           </a:p>
         </p:txBody>
       </p:sp>
+      <p:cxnSp>
+        <p:nvCxnSpPr>
+          <p:cNvPr id="58" name="Straight Arrow Connector 57"/>
+          <p:cNvCxnSpPr/>
+          <p:nvPr/>
+        </p:nvCxnSpPr>
+        <p:spPr>
+          <a:xfrm>
+            <a:off x="7216839" y="6420554"/>
+            <a:ext cx="407272" cy="1914"/>
+          </a:xfrm>
+          <a:prstGeom prst="straightConnector1">
+            <a:avLst/>
+          </a:prstGeom>
+          <a:ln>
+            <a:solidFill>
+              <a:srgbClr val="F79646"/>
+            </a:solidFill>
+            <a:tailEnd type="none"/>
+          </a:ln>
+          <a:effectLst/>
+        </p:spPr>
+        <p:style>
+          <a:lnRef idx="2">
+            <a:schemeClr val="accent1"/>
+          </a:lnRef>
+          <a:fillRef idx="0">
+            <a:schemeClr val="accent1"/>
+          </a:fillRef>
+          <a:effectRef idx="1">
+            <a:schemeClr val="accent1"/>
+          </a:effectRef>
+          <a:fontRef idx="minor">
+            <a:schemeClr val="tx1"/>
+          </a:fontRef>
+        </p:style>
+      </p:cxnSp>
     </p:spTree>
     <p:extLst>
       <p:ext uri="{BB962C8B-B14F-4D97-AF65-F5344CB8AC3E}">
-        <p14:creationId xmlns:p14="http://schemas.microsoft.com/office/powerpoint/2010/main" val="1011226216"/>
+        <p14:creationId xmlns:p14="http://schemas.microsoft.com/office/powerpoint/2010/main" val="2557716561"/>
       </p:ext>
     </p:extLst>
   </p:cSld>
@@ -5157,14 +5252,323 @@
       </p:grpSpPr>
       <p:sp>
         <p:nvSpPr>
-          <p:cNvPr id="5" name="TextBox 4"/>
+          <p:cNvPr id="4" name="Rounded Rectangle 3"/>
+          <p:cNvSpPr/>
+          <p:nvPr/>
+        </p:nvSpPr>
+        <p:spPr>
+          <a:xfrm>
+            <a:off x="2138235" y="2260268"/>
+            <a:ext cx="2518524" cy="409004"/>
+          </a:xfrm>
+          <a:prstGeom prst="roundRect">
+            <a:avLst/>
+          </a:prstGeom>
+          <a:solidFill>
+            <a:schemeClr val="bg1"/>
+          </a:solidFill>
+          <a:ln>
+            <a:solidFill>
+              <a:schemeClr val="tx1">
+                <a:lumMod val="50000"/>
+                <a:lumOff val="50000"/>
+              </a:schemeClr>
+            </a:solidFill>
+          </a:ln>
+          <a:effectLst/>
+        </p:spPr>
+        <p:style>
+          <a:lnRef idx="1">
+            <a:schemeClr val="accent1"/>
+          </a:lnRef>
+          <a:fillRef idx="3">
+            <a:schemeClr val="accent1"/>
+          </a:fillRef>
+          <a:effectRef idx="2">
+            <a:schemeClr val="accent1"/>
+          </a:effectRef>
+          <a:fontRef idx="minor">
+            <a:schemeClr val="lt1"/>
+          </a:fontRef>
+        </p:style>
+        <p:txBody>
+          <a:bodyPr rtlCol="0" anchor="ctr"/>
+          <a:lstStyle/>
+          <a:p>
+            <a:pPr algn="ctr"/>
+            <a:r>
+              <a:rPr lang="en-US" dirty="0" err="1" smtClean="0">
+                <a:solidFill>
+                  <a:schemeClr val="tx1">
+                    <a:lumMod val="65000"/>
+                    <a:lumOff val="35000"/>
+                  </a:schemeClr>
+                </a:solidFill>
+              </a:rPr>
+              <a:t>ActiveMQ</a:t>
+            </a:r>
+            <a:endParaRPr lang="en-US" dirty="0">
+              <a:solidFill>
+                <a:schemeClr val="tx1">
+                  <a:lumMod val="65000"/>
+                  <a:lumOff val="35000"/>
+                </a:schemeClr>
+              </a:solidFill>
+            </a:endParaRPr>
+          </a:p>
+        </p:txBody>
+      </p:sp>
+      <p:sp>
+        <p:nvSpPr>
+          <p:cNvPr id="5" name="Rounded Rectangle 4"/>
+          <p:cNvSpPr/>
+          <p:nvPr/>
+        </p:nvSpPr>
+        <p:spPr>
+          <a:xfrm>
+            <a:off x="2138235" y="555917"/>
+            <a:ext cx="2518524" cy="409004"/>
+          </a:xfrm>
+          <a:prstGeom prst="roundRect">
+            <a:avLst/>
+          </a:prstGeom>
+          <a:solidFill>
+            <a:schemeClr val="bg1"/>
+          </a:solidFill>
+          <a:ln>
+            <a:solidFill>
+              <a:schemeClr val="tx1">
+                <a:lumMod val="50000"/>
+                <a:lumOff val="50000"/>
+              </a:schemeClr>
+            </a:solidFill>
+          </a:ln>
+          <a:effectLst/>
+        </p:spPr>
+        <p:style>
+          <a:lnRef idx="1">
+            <a:schemeClr val="accent1"/>
+          </a:lnRef>
+          <a:fillRef idx="3">
+            <a:schemeClr val="accent1"/>
+          </a:fillRef>
+          <a:effectRef idx="2">
+            <a:schemeClr val="accent1"/>
+          </a:effectRef>
+          <a:fontRef idx="minor">
+            <a:schemeClr val="lt1"/>
+          </a:fontRef>
+        </p:style>
+        <p:txBody>
+          <a:bodyPr rtlCol="0" anchor="ctr"/>
+          <a:lstStyle/>
+          <a:p>
+            <a:pPr algn="ctr"/>
+            <a:r>
+              <a:rPr lang="en-US" dirty="0" smtClean="0">
+                <a:solidFill>
+                  <a:schemeClr val="tx1">
+                    <a:lumMod val="65000"/>
+                    <a:lumOff val="35000"/>
+                  </a:schemeClr>
+                </a:solidFill>
+              </a:rPr>
+              <a:t>Dakota</a:t>
+            </a:r>
+            <a:endParaRPr lang="en-US" dirty="0">
+              <a:solidFill>
+                <a:schemeClr val="tx1">
+                  <a:lumMod val="65000"/>
+                  <a:lumOff val="35000"/>
+                </a:schemeClr>
+              </a:solidFill>
+            </a:endParaRPr>
+          </a:p>
+        </p:txBody>
+      </p:sp>
+      <p:sp>
+        <p:nvSpPr>
+          <p:cNvPr id="6" name="Rounded Rectangle 5"/>
+          <p:cNvSpPr/>
+          <p:nvPr/>
+        </p:nvSpPr>
+        <p:spPr>
+          <a:xfrm>
+            <a:off x="2138234" y="3816074"/>
+            <a:ext cx="2518524" cy="744125"/>
+          </a:xfrm>
+          <a:prstGeom prst="roundRect">
+            <a:avLst/>
+          </a:prstGeom>
+          <a:solidFill>
+            <a:schemeClr val="bg1"/>
+          </a:solidFill>
+          <a:ln>
+            <a:solidFill>
+              <a:schemeClr val="tx1">
+                <a:lumMod val="50000"/>
+                <a:lumOff val="50000"/>
+              </a:schemeClr>
+            </a:solidFill>
+          </a:ln>
+          <a:effectLst/>
+        </p:spPr>
+        <p:style>
+          <a:lnRef idx="1">
+            <a:schemeClr val="accent1"/>
+          </a:lnRef>
+          <a:fillRef idx="3">
+            <a:schemeClr val="accent1"/>
+          </a:fillRef>
+          <a:effectRef idx="2">
+            <a:schemeClr val="accent1"/>
+          </a:effectRef>
+          <a:fontRef idx="minor">
+            <a:schemeClr val="lt1"/>
+          </a:fontRef>
+        </p:style>
+        <p:txBody>
+          <a:bodyPr rtlCol="0" anchor="ctr"/>
+          <a:lstStyle/>
+          <a:p>
+            <a:pPr algn="ctr"/>
+            <a:r>
+              <a:rPr lang="en-US" dirty="0" err="1" smtClean="0">
+                <a:solidFill>
+                  <a:schemeClr val="tx1">
+                    <a:lumMod val="65000"/>
+                    <a:lumOff val="35000"/>
+                  </a:schemeClr>
+                </a:solidFill>
+              </a:rPr>
+              <a:t>Kepler</a:t>
+            </a:r>
+            <a:endParaRPr lang="en-US" dirty="0">
+              <a:solidFill>
+                <a:schemeClr val="tx1">
+                  <a:lumMod val="65000"/>
+                  <a:lumOff val="35000"/>
+                </a:schemeClr>
+              </a:solidFill>
+            </a:endParaRPr>
+          </a:p>
+        </p:txBody>
+      </p:sp>
+      <p:sp>
+        <p:nvSpPr>
+          <p:cNvPr id="7" name="Rounded Rectangle 6"/>
+          <p:cNvSpPr/>
+          <p:nvPr/>
+        </p:nvSpPr>
+        <p:spPr>
+          <a:xfrm>
+            <a:off x="2138234" y="5903589"/>
+            <a:ext cx="2518524" cy="409004"/>
+          </a:xfrm>
+          <a:prstGeom prst="roundRect">
+            <a:avLst/>
+          </a:prstGeom>
+          <a:solidFill>
+            <a:schemeClr val="bg1"/>
+          </a:solidFill>
+          <a:ln>
+            <a:solidFill>
+              <a:schemeClr val="tx1">
+                <a:lumMod val="50000"/>
+                <a:lumOff val="50000"/>
+              </a:schemeClr>
+            </a:solidFill>
+          </a:ln>
+          <a:effectLst/>
+        </p:spPr>
+        <p:style>
+          <a:lnRef idx="1">
+            <a:schemeClr val="accent1"/>
+          </a:lnRef>
+          <a:fillRef idx="3">
+            <a:schemeClr val="accent1"/>
+          </a:fillRef>
+          <a:effectRef idx="2">
+            <a:schemeClr val="accent1"/>
+          </a:effectRef>
+          <a:fontRef idx="minor">
+            <a:schemeClr val="lt1"/>
+          </a:fontRef>
+        </p:style>
+        <p:txBody>
+          <a:bodyPr rtlCol="0" anchor="ctr"/>
+          <a:lstStyle/>
+          <a:p>
+            <a:pPr algn="ctr"/>
+            <a:r>
+              <a:rPr lang="en-US" dirty="0" smtClean="0">
+                <a:solidFill>
+                  <a:schemeClr val="tx1">
+                    <a:lumMod val="65000"/>
+                    <a:lumOff val="35000"/>
+                  </a:schemeClr>
+                </a:solidFill>
+              </a:rPr>
+              <a:t>Cluster</a:t>
+            </a:r>
+            <a:endParaRPr lang="en-US" dirty="0">
+              <a:solidFill>
+                <a:schemeClr val="tx1">
+                  <a:lumMod val="65000"/>
+                  <a:lumOff val="35000"/>
+                </a:schemeClr>
+              </a:solidFill>
+            </a:endParaRPr>
+          </a:p>
+        </p:txBody>
+      </p:sp>
+      <p:cxnSp>
+        <p:nvCxnSpPr>
+          <p:cNvPr id="9" name="Straight Arrow Connector 8"/>
+          <p:cNvCxnSpPr/>
+          <p:nvPr/>
+        </p:nvCxnSpPr>
+        <p:spPr>
+          <a:xfrm>
+            <a:off x="2461122" y="964921"/>
+            <a:ext cx="0" cy="1295347"/>
+          </a:xfrm>
+          <a:prstGeom prst="straightConnector1">
+            <a:avLst/>
+          </a:prstGeom>
+          <a:ln>
+            <a:solidFill>
+              <a:srgbClr val="7F7F7F"/>
+            </a:solidFill>
+            <a:tailEnd type="arrow"/>
+          </a:ln>
+          <a:effectLst/>
+        </p:spPr>
+        <p:style>
+          <a:lnRef idx="2">
+            <a:schemeClr val="accent1"/>
+          </a:lnRef>
+          <a:fillRef idx="0">
+            <a:schemeClr val="accent1"/>
+          </a:fillRef>
+          <a:effectRef idx="1">
+            <a:schemeClr val="accent1"/>
+          </a:effectRef>
+          <a:fontRef idx="minor">
+            <a:schemeClr val="tx1"/>
+          </a:fontRef>
+        </p:style>
+      </p:cxnSp>
+      <p:sp>
+        <p:nvSpPr>
+          <p:cNvPr id="10" name="TextBox 9"/>
           <p:cNvSpPr txBox="1"/>
           <p:nvPr/>
         </p:nvSpPr>
         <p:spPr>
-          <a:xfrm>
-            <a:off x="598016" y="346357"/>
-            <a:ext cx="2178764" cy="307777"/>
+          <a:xfrm rot="16200000">
+            <a:off x="1825117" y="1481538"/>
+            <a:ext cx="1018227" cy="246221"/>
           </a:xfrm>
           <a:prstGeom prst="rect">
             <a:avLst/>
@@ -5178,213 +5582,74 @@
           <a:lstStyle/>
           <a:p>
             <a:r>
-              <a:rPr lang="en-US" sz="1400" dirty="0" smtClean="0">
-                <a:solidFill>
-                  <a:srgbClr val="595959"/>
-                </a:solidFill>
-              </a:rPr>
-              <a:t>List of </a:t>
-            </a:r>
-            <a:r>
-              <a:rPr lang="en-US" sz="1400" dirty="0" err="1" smtClean="0">
-                <a:solidFill>
-                  <a:srgbClr val="595959"/>
-                </a:solidFill>
-              </a:rPr>
-              <a:t>ActiveMQ</a:t>
-            </a:r>
-            <a:r>
-              <a:rPr lang="en-US" sz="1400" dirty="0" smtClean="0">
-                <a:solidFill>
-                  <a:srgbClr val="595959"/>
-                </a:solidFill>
-              </a:rPr>
-              <a:t> messages:</a:t>
-            </a:r>
-            <a:endParaRPr lang="en-US" sz="1400" dirty="0">
+              <a:rPr lang="en-US" sz="1000" dirty="0" smtClean="0">
+                <a:solidFill>
+                  <a:schemeClr val="tx1">
+                    <a:lumMod val="65000"/>
+                    <a:lumOff val="35000"/>
+                  </a:schemeClr>
+                </a:solidFill>
+              </a:rPr>
+              <a:t>PARAMS.READY</a:t>
+            </a:r>
+            <a:endParaRPr lang="en-US" sz="1000" dirty="0">
               <a:solidFill>
-                <a:srgbClr val="595959"/>
+                <a:schemeClr val="tx1">
+                  <a:lumMod val="65000"/>
+                  <a:lumOff val="35000"/>
+                </a:schemeClr>
               </a:solidFill>
             </a:endParaRPr>
           </a:p>
         </p:txBody>
       </p:sp>
-      <p:sp>
-        <p:nvSpPr>
-          <p:cNvPr id="7" name="TextBox 6"/>
+      <p:cxnSp>
+        <p:nvCxnSpPr>
+          <p:cNvPr id="13" name="Straight Arrow Connector 12"/>
+          <p:cNvCxnSpPr/>
+          <p:nvPr/>
+        </p:nvCxnSpPr>
+        <p:spPr>
+          <a:xfrm>
+            <a:off x="2461122" y="2669272"/>
+            <a:ext cx="0" cy="1146802"/>
+          </a:xfrm>
+          <a:prstGeom prst="straightConnector1">
+            <a:avLst/>
+          </a:prstGeom>
+          <a:ln>
+            <a:solidFill>
+              <a:srgbClr val="7F7F7F"/>
+            </a:solidFill>
+            <a:tailEnd type="arrow"/>
+          </a:ln>
+          <a:effectLst/>
+        </p:spPr>
+        <p:style>
+          <a:lnRef idx="2">
+            <a:schemeClr val="accent1"/>
+          </a:lnRef>
+          <a:fillRef idx="0">
+            <a:schemeClr val="accent1"/>
+          </a:fillRef>
+          <a:effectRef idx="1">
+            <a:schemeClr val="accent1"/>
+          </a:effectRef>
+          <a:fontRef idx="minor">
+            <a:schemeClr val="tx1"/>
+          </a:fontRef>
+        </p:style>
+      </p:cxnSp>
+      <p:sp>
+        <p:nvSpPr>
+          <p:cNvPr id="14" name="TextBox 13"/>
           <p:cNvSpPr txBox="1"/>
           <p:nvPr/>
         </p:nvSpPr>
         <p:spPr>
-          <a:xfrm>
-            <a:off x="943374" y="800800"/>
-            <a:ext cx="7246247" cy="1426031"/>
-          </a:xfrm>
-          <a:prstGeom prst="rect">
-            <a:avLst/>
-          </a:prstGeom>
-          <a:noFill/>
-        </p:spPr>
-        <p:txBody>
-          <a:bodyPr wrap="square" rtlCol="0">
-            <a:spAutoFit/>
-          </a:bodyPr>
-          <a:lstStyle/>
-          <a:p>
-            <a:pPr marL="171450" indent="-171450">
-              <a:spcAft>
-                <a:spcPts val="500"/>
-              </a:spcAft>
-              <a:buFont typeface="Lucida Grande"/>
-              <a:buChar char="➞"/>
-            </a:pPr>
-            <a:r>
-              <a:rPr lang="en-US" sz="1000" dirty="0">
-                <a:solidFill>
-                  <a:srgbClr val="595959"/>
-                </a:solidFill>
-              </a:rPr>
-              <a:t>JOB.START: </a:t>
-            </a:r>
-            <a:r>
-              <a:rPr lang="en-US" sz="1000" dirty="0" err="1">
-                <a:solidFill>
-                  <a:srgbClr val="595959"/>
-                </a:solidFill>
-              </a:rPr>
-              <a:t>Kepler</a:t>
-            </a:r>
-            <a:r>
-              <a:rPr lang="en-US" sz="1000" dirty="0">
-                <a:solidFill>
-                  <a:srgbClr val="595959"/>
-                </a:solidFill>
-              </a:rPr>
-              <a:t> sends this message to tell Dakota to start a new minimization process.</a:t>
-            </a:r>
-          </a:p>
-          <a:p>
-            <a:pPr marL="171450" indent="-171450">
-              <a:spcAft>
-                <a:spcPts val="500"/>
-              </a:spcAft>
-              <a:buFont typeface="Lucida Grande"/>
-              <a:buChar char="➞"/>
-            </a:pPr>
-            <a:endParaRPr lang="en-US" sz="1000" dirty="0" smtClean="0">
-              <a:solidFill>
-                <a:srgbClr val="595959"/>
-              </a:solidFill>
-            </a:endParaRPr>
-          </a:p>
-          <a:p>
-            <a:pPr marL="171450" indent="-171450">
-              <a:spcAft>
-                <a:spcPts val="500"/>
-              </a:spcAft>
-              <a:buFont typeface="Lucida Grande"/>
-              <a:buChar char="➞"/>
-            </a:pPr>
-            <a:r>
-              <a:rPr lang="en-US" sz="1000" dirty="0" smtClean="0">
-                <a:solidFill>
-                  <a:srgbClr val="595959"/>
-                </a:solidFill>
-              </a:rPr>
-              <a:t>PARAMS.READY: Dakota sends this message to tell </a:t>
-            </a:r>
-            <a:r>
-              <a:rPr lang="en-US" sz="1000" dirty="0" err="1" smtClean="0">
-                <a:solidFill>
-                  <a:srgbClr val="595959"/>
-                </a:solidFill>
-              </a:rPr>
-              <a:t>Kepler</a:t>
-            </a:r>
-            <a:r>
-              <a:rPr lang="en-US" sz="1000" dirty="0" smtClean="0">
-                <a:solidFill>
-                  <a:srgbClr val="595959"/>
-                </a:solidFill>
-              </a:rPr>
-              <a:t> that new simulation parameters are ready. </a:t>
-            </a:r>
-            <a:r>
-              <a:rPr lang="en-US" sz="1000" dirty="0" err="1" smtClean="0">
-                <a:solidFill>
-                  <a:srgbClr val="595959"/>
-                </a:solidFill>
-              </a:rPr>
-              <a:t>Kepler</a:t>
-            </a:r>
-            <a:r>
-              <a:rPr lang="en-US" sz="1000" dirty="0" smtClean="0">
-                <a:solidFill>
-                  <a:srgbClr val="595959"/>
-                </a:solidFill>
-              </a:rPr>
-              <a:t> will use those parameters to submit a new simulation job to the cluster.</a:t>
-            </a:r>
-          </a:p>
-          <a:p>
-            <a:pPr marL="171450" indent="-171450">
-              <a:spcAft>
-                <a:spcPts val="500"/>
-              </a:spcAft>
-              <a:buFont typeface="Lucida Grande"/>
-              <a:buChar char="➞"/>
-            </a:pPr>
-            <a:endParaRPr lang="en-US" sz="1000" dirty="0" smtClean="0">
-              <a:solidFill>
-                <a:srgbClr val="595959"/>
-              </a:solidFill>
-            </a:endParaRPr>
-          </a:p>
-          <a:p>
-            <a:pPr marL="171450" indent="-171450">
-              <a:spcAft>
-                <a:spcPts val="500"/>
-              </a:spcAft>
-              <a:buFont typeface="Lucida Grande"/>
-              <a:buChar char="➞"/>
-            </a:pPr>
-            <a:r>
-              <a:rPr lang="en-US" sz="1000" dirty="0" smtClean="0">
-                <a:solidFill>
-                  <a:srgbClr val="595959"/>
-                </a:solidFill>
-              </a:rPr>
-              <a:t>RESULTS.READY: </a:t>
-            </a:r>
-            <a:r>
-              <a:rPr lang="en-US" sz="1000" dirty="0" err="1" smtClean="0">
-                <a:solidFill>
-                  <a:srgbClr val="595959"/>
-                </a:solidFill>
-              </a:rPr>
-              <a:t>Kepler</a:t>
-            </a:r>
-            <a:r>
-              <a:rPr lang="en-US" sz="1000" dirty="0" smtClean="0">
-                <a:solidFill>
-                  <a:srgbClr val="595959"/>
-                </a:solidFill>
-              </a:rPr>
-              <a:t> sends this message when a simulation job has completed and simulation data is available. This message is consumed by Dakota (which will then start a new iteration of its minimization process) and the cataloging agent.</a:t>
-            </a:r>
-          </a:p>
-        </p:txBody>
-      </p:sp>
-      <p:sp>
-        <p:nvSpPr>
-          <p:cNvPr id="8" name="TextBox 7"/>
-          <p:cNvSpPr txBox="1"/>
-          <p:nvPr/>
-        </p:nvSpPr>
-        <p:spPr>
-          <a:xfrm>
-            <a:off x="753828" y="2723167"/>
-            <a:ext cx="1978890" cy="307777"/>
+          <a:xfrm rot="16200000">
+            <a:off x="1825117" y="3112095"/>
+            <a:ext cx="1018227" cy="246221"/>
           </a:xfrm>
           <a:prstGeom prst="rect">
             <a:avLst/>
@@ -5398,31 +5663,1263 @@
           <a:lstStyle/>
           <a:p>
             <a:r>
+              <a:rPr lang="en-US" sz="1000" dirty="0" smtClean="0">
+                <a:solidFill>
+                  <a:schemeClr val="tx1">
+                    <a:lumMod val="65000"/>
+                    <a:lumOff val="35000"/>
+                  </a:schemeClr>
+                </a:solidFill>
+              </a:rPr>
+              <a:t>PARAMS.READY</a:t>
+            </a:r>
+            <a:endParaRPr lang="en-US" sz="1000" dirty="0">
+              <a:solidFill>
+                <a:schemeClr val="tx1">
+                  <a:lumMod val="65000"/>
+                  <a:lumOff val="35000"/>
+                </a:schemeClr>
+              </a:solidFill>
+            </a:endParaRPr>
+          </a:p>
+        </p:txBody>
+      </p:sp>
+      <p:cxnSp>
+        <p:nvCxnSpPr>
+          <p:cNvPr id="15" name="Straight Arrow Connector 14"/>
+          <p:cNvCxnSpPr/>
+          <p:nvPr/>
+        </p:nvCxnSpPr>
+        <p:spPr>
+          <a:xfrm flipV="1">
+            <a:off x="4419728" y="2669272"/>
+            <a:ext cx="2" cy="1146802"/>
+          </a:xfrm>
+          <a:prstGeom prst="straightConnector1">
+            <a:avLst/>
+          </a:prstGeom>
+          <a:ln>
+            <a:solidFill>
+              <a:srgbClr val="7F7F7F"/>
+            </a:solidFill>
+            <a:tailEnd type="arrow"/>
+          </a:ln>
+          <a:effectLst/>
+        </p:spPr>
+        <p:style>
+          <a:lnRef idx="2">
+            <a:schemeClr val="accent1"/>
+          </a:lnRef>
+          <a:fillRef idx="0">
+            <a:schemeClr val="accent1"/>
+          </a:fillRef>
+          <a:effectRef idx="1">
+            <a:schemeClr val="accent1"/>
+          </a:effectRef>
+          <a:fontRef idx="minor">
+            <a:schemeClr val="tx1"/>
+          </a:fontRef>
+        </p:style>
+      </p:cxnSp>
+      <p:cxnSp>
+        <p:nvCxnSpPr>
+          <p:cNvPr id="18" name="Straight Arrow Connector 17"/>
+          <p:cNvCxnSpPr/>
+          <p:nvPr/>
+        </p:nvCxnSpPr>
+        <p:spPr>
+          <a:xfrm flipH="1" flipV="1">
+            <a:off x="4419730" y="960393"/>
+            <a:ext cx="1" cy="1295348"/>
+          </a:xfrm>
+          <a:prstGeom prst="straightConnector1">
+            <a:avLst/>
+          </a:prstGeom>
+          <a:ln>
+            <a:solidFill>
+              <a:srgbClr val="7F7F7F"/>
+            </a:solidFill>
+            <a:tailEnd type="arrow"/>
+          </a:ln>
+          <a:effectLst/>
+        </p:spPr>
+        <p:style>
+          <a:lnRef idx="2">
+            <a:schemeClr val="accent1"/>
+          </a:lnRef>
+          <a:fillRef idx="0">
+            <a:schemeClr val="accent1"/>
+          </a:fillRef>
+          <a:effectRef idx="1">
+            <a:schemeClr val="accent1"/>
+          </a:effectRef>
+          <a:fontRef idx="minor">
+            <a:schemeClr val="tx1"/>
+          </a:fontRef>
+        </p:style>
+      </p:cxnSp>
+      <p:sp>
+        <p:nvSpPr>
+          <p:cNvPr id="19" name="TextBox 18"/>
+          <p:cNvSpPr txBox="1"/>
+          <p:nvPr/>
+        </p:nvSpPr>
+        <p:spPr>
+          <a:xfrm rot="16200000">
+            <a:off x="3794439" y="1481538"/>
+            <a:ext cx="1018227" cy="246221"/>
+          </a:xfrm>
+          <a:prstGeom prst="rect">
+            <a:avLst/>
+          </a:prstGeom>
+          <a:noFill/>
+        </p:spPr>
+        <p:txBody>
+          <a:bodyPr wrap="none" rtlCol="0">
+            <a:spAutoFit/>
+          </a:bodyPr>
+          <a:lstStyle/>
+          <a:p>
+            <a:r>
+              <a:rPr lang="en-US" sz="1000" dirty="0" smtClean="0">
+                <a:solidFill>
+                  <a:schemeClr val="tx1">
+                    <a:lumMod val="65000"/>
+                    <a:lumOff val="35000"/>
+                  </a:schemeClr>
+                </a:solidFill>
+              </a:rPr>
+              <a:t>RESULTS.READY</a:t>
+            </a:r>
+            <a:endParaRPr lang="en-US" sz="1000" dirty="0">
+              <a:solidFill>
+                <a:schemeClr val="tx1">
+                  <a:lumMod val="65000"/>
+                  <a:lumOff val="35000"/>
+                </a:schemeClr>
+              </a:solidFill>
+            </a:endParaRPr>
+          </a:p>
+        </p:txBody>
+      </p:sp>
+      <p:sp>
+        <p:nvSpPr>
+          <p:cNvPr id="20" name="TextBox 19"/>
+          <p:cNvSpPr txBox="1"/>
+          <p:nvPr/>
+        </p:nvSpPr>
+        <p:spPr>
+          <a:xfrm rot="16200000">
+            <a:off x="3768485" y="3112095"/>
+            <a:ext cx="1018227" cy="246221"/>
+          </a:xfrm>
+          <a:prstGeom prst="rect">
+            <a:avLst/>
+          </a:prstGeom>
+          <a:noFill/>
+        </p:spPr>
+        <p:txBody>
+          <a:bodyPr wrap="none" rtlCol="0">
+            <a:spAutoFit/>
+          </a:bodyPr>
+          <a:lstStyle/>
+          <a:p>
+            <a:r>
+              <a:rPr lang="en-US" sz="1000" dirty="0" smtClean="0">
+                <a:solidFill>
+                  <a:schemeClr val="tx1">
+                    <a:lumMod val="65000"/>
+                    <a:lumOff val="35000"/>
+                  </a:schemeClr>
+                </a:solidFill>
+              </a:rPr>
+              <a:t>RESULTS.READY</a:t>
+            </a:r>
+            <a:endParaRPr lang="en-US" sz="1000" dirty="0">
+              <a:solidFill>
+                <a:schemeClr val="tx1">
+                  <a:lumMod val="65000"/>
+                  <a:lumOff val="35000"/>
+                </a:schemeClr>
+              </a:solidFill>
+            </a:endParaRPr>
+          </a:p>
+        </p:txBody>
+      </p:sp>
+      <p:cxnSp>
+        <p:nvCxnSpPr>
+          <p:cNvPr id="21" name="Straight Arrow Connector 20"/>
+          <p:cNvCxnSpPr/>
+          <p:nvPr/>
+        </p:nvCxnSpPr>
+        <p:spPr>
+          <a:xfrm>
+            <a:off x="2457341" y="4560199"/>
+            <a:ext cx="0" cy="1343390"/>
+          </a:xfrm>
+          <a:prstGeom prst="straightConnector1">
+            <a:avLst/>
+          </a:prstGeom>
+          <a:ln>
+            <a:solidFill>
+              <a:srgbClr val="7F7F7F"/>
+            </a:solidFill>
+            <a:prstDash val="dash"/>
+            <a:tailEnd type="arrow"/>
+          </a:ln>
+          <a:effectLst/>
+        </p:spPr>
+        <p:style>
+          <a:lnRef idx="2">
+            <a:schemeClr val="accent1"/>
+          </a:lnRef>
+          <a:fillRef idx="0">
+            <a:schemeClr val="accent1"/>
+          </a:fillRef>
+          <a:effectRef idx="1">
+            <a:schemeClr val="accent1"/>
+          </a:effectRef>
+          <a:fontRef idx="minor">
+            <a:schemeClr val="tx1"/>
+          </a:fontRef>
+        </p:style>
+      </p:cxnSp>
+      <p:sp>
+        <p:nvSpPr>
+          <p:cNvPr id="24" name="TextBox 23"/>
+          <p:cNvSpPr txBox="1"/>
+          <p:nvPr/>
+        </p:nvSpPr>
+        <p:spPr>
+          <a:xfrm rot="16200000">
+            <a:off x="1852794" y="5094539"/>
+            <a:ext cx="962874" cy="246221"/>
+          </a:xfrm>
+          <a:prstGeom prst="rect">
+            <a:avLst/>
+          </a:prstGeom>
+          <a:noFill/>
+        </p:spPr>
+        <p:txBody>
+          <a:bodyPr wrap="none" rtlCol="0">
+            <a:spAutoFit/>
+          </a:bodyPr>
+          <a:lstStyle/>
+          <a:p>
+            <a:r>
+              <a:rPr lang="en-US" sz="1000" dirty="0" err="1">
+                <a:solidFill>
+                  <a:schemeClr val="tx1">
+                    <a:lumMod val="65000"/>
+                    <a:lumOff val="35000"/>
+                  </a:schemeClr>
+                </a:solidFill>
+              </a:rPr>
+              <a:t>s</a:t>
+            </a:r>
+            <a:r>
+              <a:rPr lang="en-US" sz="1000" dirty="0" err="1" smtClean="0">
+                <a:solidFill>
+                  <a:schemeClr val="tx1">
+                    <a:lumMod val="65000"/>
+                    <a:lumOff val="35000"/>
+                  </a:schemeClr>
+                </a:solidFill>
+              </a:rPr>
+              <a:t>sh</a:t>
+            </a:r>
+            <a:r>
+              <a:rPr lang="en-US" sz="1000" dirty="0" smtClean="0">
+                <a:solidFill>
+                  <a:schemeClr val="tx1">
+                    <a:lumMod val="65000"/>
+                    <a:lumOff val="35000"/>
+                  </a:schemeClr>
+                </a:solidFill>
+              </a:rPr>
+              <a:t> submission</a:t>
+            </a:r>
+            <a:endParaRPr lang="en-US" sz="1000" dirty="0">
+              <a:solidFill>
+                <a:schemeClr val="tx1">
+                  <a:lumMod val="65000"/>
+                  <a:lumOff val="35000"/>
+                </a:schemeClr>
+              </a:solidFill>
+            </a:endParaRPr>
+          </a:p>
+        </p:txBody>
+      </p:sp>
+      <p:sp>
+        <p:nvSpPr>
+          <p:cNvPr id="25" name="Circular Arrow 24"/>
+          <p:cNvSpPr>
+            <a:spLocks noChangeAspect="1"/>
+          </p:cNvSpPr>
+          <p:nvPr/>
+        </p:nvSpPr>
+        <p:spPr>
+          <a:xfrm>
+            <a:off x="4154488" y="4288023"/>
+            <a:ext cx="272175" cy="272175"/>
+          </a:xfrm>
+          <a:prstGeom prst="circularArrow">
+            <a:avLst>
+              <a:gd name="adj1" fmla="val 10013"/>
+              <a:gd name="adj2" fmla="val 1142319"/>
+              <a:gd name="adj3" fmla="val 8396100"/>
+              <a:gd name="adj4" fmla="val 10800000"/>
+              <a:gd name="adj5" fmla="val 13727"/>
+            </a:avLst>
+          </a:prstGeom>
+          <a:solidFill>
+            <a:schemeClr val="bg1">
+              <a:lumMod val="75000"/>
+            </a:schemeClr>
+          </a:solidFill>
+          <a:ln>
+            <a:solidFill>
+              <a:srgbClr val="7F7F7F"/>
+            </a:solidFill>
+          </a:ln>
+          <a:effectLst/>
+        </p:spPr>
+        <p:style>
+          <a:lnRef idx="1">
+            <a:schemeClr val="accent1"/>
+          </a:lnRef>
+          <a:fillRef idx="3">
+            <a:schemeClr val="accent1"/>
+          </a:fillRef>
+          <a:effectRef idx="2">
+            <a:schemeClr val="accent1"/>
+          </a:effectRef>
+          <a:fontRef idx="minor">
+            <a:schemeClr val="lt1"/>
+          </a:fontRef>
+        </p:style>
+        <p:txBody>
+          <a:bodyPr rtlCol="0" anchor="ctr"/>
+          <a:lstStyle/>
+          <a:p>
+            <a:pPr algn="ctr"/>
+            <a:endParaRPr lang="en-US">
+              <a:solidFill>
+                <a:schemeClr val="tx1">
+                  <a:lumMod val="65000"/>
+                  <a:lumOff val="35000"/>
+                </a:schemeClr>
+              </a:solidFill>
+            </a:endParaRPr>
+          </a:p>
+        </p:txBody>
+      </p:sp>
+      <p:cxnSp>
+        <p:nvCxnSpPr>
+          <p:cNvPr id="26" name="Straight Arrow Connector 25"/>
+          <p:cNvCxnSpPr/>
+          <p:nvPr/>
+        </p:nvCxnSpPr>
+        <p:spPr>
+          <a:xfrm flipV="1">
+            <a:off x="4290576" y="4560199"/>
+            <a:ext cx="0" cy="1343390"/>
+          </a:xfrm>
+          <a:prstGeom prst="straightConnector1">
+            <a:avLst/>
+          </a:prstGeom>
+          <a:ln>
+            <a:solidFill>
+              <a:srgbClr val="7F7F7F"/>
+            </a:solidFill>
+            <a:prstDash val="dash"/>
+            <a:tailEnd type="arrow"/>
+          </a:ln>
+          <a:effectLst/>
+        </p:spPr>
+        <p:style>
+          <a:lnRef idx="2">
+            <a:schemeClr val="accent1"/>
+          </a:lnRef>
+          <a:fillRef idx="0">
+            <a:schemeClr val="accent1"/>
+          </a:fillRef>
+          <a:effectRef idx="1">
+            <a:schemeClr val="accent1"/>
+          </a:effectRef>
+          <a:fontRef idx="minor">
+            <a:schemeClr val="tx1"/>
+          </a:fontRef>
+        </p:style>
+      </p:cxnSp>
+      <p:sp>
+        <p:nvSpPr>
+          <p:cNvPr id="31" name="TextBox 30"/>
+          <p:cNvSpPr txBox="1"/>
+          <p:nvPr/>
+        </p:nvSpPr>
+        <p:spPr>
+          <a:xfrm rot="16200000">
+            <a:off x="3492840" y="5104780"/>
+            <a:ext cx="1335384" cy="246221"/>
+          </a:xfrm>
+          <a:prstGeom prst="rect">
+            <a:avLst/>
+          </a:prstGeom>
+          <a:noFill/>
+        </p:spPr>
+        <p:txBody>
+          <a:bodyPr wrap="none" rtlCol="0">
+            <a:spAutoFit/>
+          </a:bodyPr>
+          <a:lstStyle/>
+          <a:p>
+            <a:r>
+              <a:rPr lang="en-US" sz="1000" dirty="0" smtClean="0">
+                <a:solidFill>
+                  <a:schemeClr val="tx1">
+                    <a:lumMod val="65000"/>
+                    <a:lumOff val="35000"/>
+                  </a:schemeClr>
+                </a:solidFill>
+              </a:rPr>
+              <a:t>Polling for completion</a:t>
+            </a:r>
+            <a:endParaRPr lang="en-US" sz="1000" dirty="0">
+              <a:solidFill>
+                <a:schemeClr val="tx1">
+                  <a:lumMod val="65000"/>
+                  <a:lumOff val="35000"/>
+                </a:schemeClr>
+              </a:solidFill>
+            </a:endParaRPr>
+          </a:p>
+        </p:txBody>
+      </p:sp>
+      <p:sp>
+        <p:nvSpPr>
+          <p:cNvPr id="38" name="Rounded Rectangle 37"/>
+          <p:cNvSpPr/>
+          <p:nvPr/>
+        </p:nvSpPr>
+        <p:spPr>
+          <a:xfrm>
+            <a:off x="6021781" y="2256439"/>
+            <a:ext cx="2518524" cy="409004"/>
+          </a:xfrm>
+          <a:prstGeom prst="roundRect">
+            <a:avLst/>
+          </a:prstGeom>
+          <a:solidFill>
+            <a:schemeClr val="bg1"/>
+          </a:solidFill>
+          <a:ln>
+            <a:solidFill>
+              <a:schemeClr val="tx1">
+                <a:lumMod val="50000"/>
+                <a:lumOff val="50000"/>
+              </a:schemeClr>
+            </a:solidFill>
+          </a:ln>
+          <a:effectLst/>
+        </p:spPr>
+        <p:style>
+          <a:lnRef idx="1">
+            <a:schemeClr val="accent1"/>
+          </a:lnRef>
+          <a:fillRef idx="3">
+            <a:schemeClr val="accent1"/>
+          </a:fillRef>
+          <a:effectRef idx="2">
+            <a:schemeClr val="accent1"/>
+          </a:effectRef>
+          <a:fontRef idx="minor">
+            <a:schemeClr val="lt1"/>
+          </a:fontRef>
+        </p:style>
+        <p:txBody>
+          <a:bodyPr rtlCol="0" anchor="ctr"/>
+          <a:lstStyle/>
+          <a:p>
+            <a:pPr algn="ctr"/>
+            <a:r>
+              <a:rPr lang="en-US" dirty="0" smtClean="0">
+                <a:solidFill>
+                  <a:schemeClr val="tx1">
+                    <a:lumMod val="65000"/>
+                    <a:lumOff val="35000"/>
+                  </a:schemeClr>
+                </a:solidFill>
+              </a:rPr>
+              <a:t>Catalog Agent</a:t>
+            </a:r>
+            <a:endParaRPr lang="en-US" dirty="0">
+              <a:solidFill>
+                <a:schemeClr val="tx1">
+                  <a:lumMod val="65000"/>
+                  <a:lumOff val="35000"/>
+                </a:schemeClr>
+              </a:solidFill>
+            </a:endParaRPr>
+          </a:p>
+        </p:txBody>
+      </p:sp>
+      <p:sp>
+        <p:nvSpPr>
+          <p:cNvPr id="39" name="Rounded Rectangle 38"/>
+          <p:cNvSpPr/>
+          <p:nvPr/>
+        </p:nvSpPr>
+        <p:spPr>
+          <a:xfrm>
+            <a:off x="6021781" y="3983635"/>
+            <a:ext cx="2518524" cy="409004"/>
+          </a:xfrm>
+          <a:prstGeom prst="roundRect">
+            <a:avLst/>
+          </a:prstGeom>
+          <a:solidFill>
+            <a:schemeClr val="bg1"/>
+          </a:solidFill>
+          <a:ln>
+            <a:solidFill>
+              <a:schemeClr val="tx1">
+                <a:lumMod val="50000"/>
+                <a:lumOff val="50000"/>
+              </a:schemeClr>
+            </a:solidFill>
+          </a:ln>
+          <a:effectLst/>
+        </p:spPr>
+        <p:style>
+          <a:lnRef idx="1">
+            <a:schemeClr val="accent1"/>
+          </a:lnRef>
+          <a:fillRef idx="3">
+            <a:schemeClr val="accent1"/>
+          </a:fillRef>
+          <a:effectRef idx="2">
+            <a:schemeClr val="accent1"/>
+          </a:effectRef>
+          <a:fontRef idx="minor">
+            <a:schemeClr val="lt1"/>
+          </a:fontRef>
+        </p:style>
+        <p:txBody>
+          <a:bodyPr rtlCol="0" anchor="ctr"/>
+          <a:lstStyle/>
+          <a:p>
+            <a:pPr algn="ctr"/>
+            <a:r>
+              <a:rPr lang="en-US" dirty="0" smtClean="0">
+                <a:solidFill>
+                  <a:schemeClr val="tx1">
+                    <a:lumMod val="65000"/>
+                    <a:lumOff val="35000"/>
+                  </a:schemeClr>
+                </a:solidFill>
+              </a:rPr>
+              <a:t>ICAT Server</a:t>
+            </a:r>
+            <a:endParaRPr lang="en-US" dirty="0">
+              <a:solidFill>
+                <a:schemeClr val="tx1">
+                  <a:lumMod val="65000"/>
+                  <a:lumOff val="35000"/>
+                </a:schemeClr>
+              </a:solidFill>
+            </a:endParaRPr>
+          </a:p>
+        </p:txBody>
+      </p:sp>
+      <p:cxnSp>
+        <p:nvCxnSpPr>
+          <p:cNvPr id="40" name="Straight Arrow Connector 39"/>
+          <p:cNvCxnSpPr>
+            <a:stCxn id="39" idx="1"/>
+            <a:endCxn id="6" idx="3"/>
+          </p:cNvCxnSpPr>
+          <p:nvPr/>
+        </p:nvCxnSpPr>
+        <p:spPr>
+          <a:xfrm flipH="1">
+            <a:off x="4656758" y="4188137"/>
+            <a:ext cx="1365023" cy="0"/>
+          </a:xfrm>
+          <a:prstGeom prst="straightConnector1">
+            <a:avLst/>
+          </a:prstGeom>
+          <a:ln>
+            <a:solidFill>
+              <a:srgbClr val="7F7F7F"/>
+            </a:solidFill>
+            <a:prstDash val="dash"/>
+            <a:tailEnd type="arrow"/>
+          </a:ln>
+          <a:effectLst/>
+        </p:spPr>
+        <p:style>
+          <a:lnRef idx="2">
+            <a:schemeClr val="accent1"/>
+          </a:lnRef>
+          <a:fillRef idx="0">
+            <a:schemeClr val="accent1"/>
+          </a:fillRef>
+          <a:effectRef idx="1">
+            <a:schemeClr val="accent1"/>
+          </a:effectRef>
+          <a:fontRef idx="minor">
+            <a:schemeClr val="tx1"/>
+          </a:fontRef>
+        </p:style>
+      </p:cxnSp>
+      <p:sp>
+        <p:nvSpPr>
+          <p:cNvPr id="46" name="TextBox 45"/>
+          <p:cNvSpPr txBox="1"/>
+          <p:nvPr/>
+        </p:nvSpPr>
+        <p:spPr>
+          <a:xfrm>
+            <a:off x="4943967" y="3907902"/>
+            <a:ext cx="884978" cy="553998"/>
+          </a:xfrm>
+          <a:prstGeom prst="rect">
+            <a:avLst/>
+          </a:prstGeom>
+          <a:noFill/>
+        </p:spPr>
+        <p:txBody>
+          <a:bodyPr wrap="none" rtlCol="0">
+            <a:spAutoFit/>
+          </a:bodyPr>
+          <a:lstStyle/>
+          <a:p>
+            <a:r>
+              <a:rPr lang="en-US" sz="1000" dirty="0" smtClean="0">
+                <a:solidFill>
+                  <a:schemeClr val="tx1">
+                    <a:lumMod val="65000"/>
+                    <a:lumOff val="35000"/>
+                  </a:schemeClr>
+                </a:solidFill>
+              </a:rPr>
+              <a:t>HTTP request</a:t>
+            </a:r>
+          </a:p>
+          <a:p>
+            <a:endParaRPr lang="en-US" sz="1000" dirty="0">
+              <a:solidFill>
+                <a:schemeClr val="tx1">
+                  <a:lumMod val="65000"/>
+                  <a:lumOff val="35000"/>
+                </a:schemeClr>
+              </a:solidFill>
+            </a:endParaRPr>
+          </a:p>
+          <a:p>
+            <a:r>
+              <a:rPr lang="en-US" sz="1000" dirty="0" err="1" smtClean="0">
+                <a:solidFill>
+                  <a:schemeClr val="tx1">
+                    <a:lumMod val="65000"/>
+                    <a:lumOff val="35000"/>
+                  </a:schemeClr>
+                </a:solidFill>
+              </a:rPr>
+              <a:t>data_exist</a:t>
+            </a:r>
+            <a:r>
+              <a:rPr lang="en-US" sz="1000" dirty="0" smtClean="0">
+                <a:solidFill>
+                  <a:schemeClr val="tx1">
+                    <a:lumMod val="65000"/>
+                    <a:lumOff val="35000"/>
+                  </a:schemeClr>
+                </a:solidFill>
+              </a:rPr>
+              <a:t>()</a:t>
+            </a:r>
+            <a:endParaRPr lang="en-US" sz="1000" dirty="0">
+              <a:solidFill>
+                <a:schemeClr val="tx1">
+                  <a:lumMod val="65000"/>
+                  <a:lumOff val="35000"/>
+                </a:schemeClr>
+              </a:solidFill>
+            </a:endParaRPr>
+          </a:p>
+        </p:txBody>
+      </p:sp>
+      <p:sp>
+        <p:nvSpPr>
+          <p:cNvPr id="47" name="TextBox 46"/>
+          <p:cNvSpPr txBox="1"/>
+          <p:nvPr/>
+        </p:nvSpPr>
+        <p:spPr>
+          <a:xfrm>
+            <a:off x="4810718" y="2218549"/>
+            <a:ext cx="1018227" cy="246221"/>
+          </a:xfrm>
+          <a:prstGeom prst="rect">
+            <a:avLst/>
+          </a:prstGeom>
+          <a:noFill/>
+        </p:spPr>
+        <p:txBody>
+          <a:bodyPr wrap="none" rtlCol="0">
+            <a:spAutoFit/>
+          </a:bodyPr>
+          <a:lstStyle/>
+          <a:p>
+            <a:r>
+              <a:rPr lang="en-US" sz="1000" dirty="0" smtClean="0">
+                <a:solidFill>
+                  <a:schemeClr val="tx1">
+                    <a:lumMod val="65000"/>
+                    <a:lumOff val="35000"/>
+                  </a:schemeClr>
+                </a:solidFill>
+              </a:rPr>
+              <a:t>RESULTS.READY</a:t>
+            </a:r>
+            <a:endParaRPr lang="en-US" sz="1000" dirty="0">
+              <a:solidFill>
+                <a:schemeClr val="tx1">
+                  <a:lumMod val="65000"/>
+                  <a:lumOff val="35000"/>
+                </a:schemeClr>
+              </a:solidFill>
+            </a:endParaRPr>
+          </a:p>
+        </p:txBody>
+      </p:sp>
+      <p:cxnSp>
+        <p:nvCxnSpPr>
+          <p:cNvPr id="48" name="Straight Arrow Connector 47"/>
+          <p:cNvCxnSpPr>
+            <a:stCxn id="4" idx="3"/>
+            <a:endCxn id="38" idx="1"/>
+          </p:cNvCxnSpPr>
+          <p:nvPr/>
+        </p:nvCxnSpPr>
+        <p:spPr>
+          <a:xfrm flipV="1">
+            <a:off x="4656759" y="2460941"/>
+            <a:ext cx="1365022" cy="3829"/>
+          </a:xfrm>
+          <a:prstGeom prst="straightConnector1">
+            <a:avLst/>
+          </a:prstGeom>
+          <a:ln>
+            <a:solidFill>
+              <a:srgbClr val="7F7F7F"/>
+            </a:solidFill>
+            <a:tailEnd type="arrow"/>
+          </a:ln>
+          <a:effectLst/>
+        </p:spPr>
+        <p:style>
+          <a:lnRef idx="2">
+            <a:schemeClr val="accent1"/>
+          </a:lnRef>
+          <a:fillRef idx="0">
+            <a:schemeClr val="accent1"/>
+          </a:fillRef>
+          <a:effectRef idx="1">
+            <a:schemeClr val="accent1"/>
+          </a:effectRef>
+          <a:fontRef idx="minor">
+            <a:schemeClr val="tx1"/>
+          </a:fontRef>
+        </p:style>
+      </p:cxnSp>
+      <p:cxnSp>
+        <p:nvCxnSpPr>
+          <p:cNvPr id="51" name="Straight Arrow Connector 50"/>
+          <p:cNvCxnSpPr>
+            <a:endCxn id="39" idx="0"/>
+          </p:cNvCxnSpPr>
+          <p:nvPr/>
+        </p:nvCxnSpPr>
+        <p:spPr>
+          <a:xfrm flipH="1">
+            <a:off x="7281043" y="2669271"/>
+            <a:ext cx="10763" cy="1314364"/>
+          </a:xfrm>
+          <a:prstGeom prst="straightConnector1">
+            <a:avLst/>
+          </a:prstGeom>
+          <a:ln>
+            <a:solidFill>
+              <a:srgbClr val="7F7F7F"/>
+            </a:solidFill>
+            <a:prstDash val="dash"/>
+            <a:tailEnd type="arrow"/>
+          </a:ln>
+          <a:effectLst/>
+        </p:spPr>
+        <p:style>
+          <a:lnRef idx="2">
+            <a:schemeClr val="accent1"/>
+          </a:lnRef>
+          <a:fillRef idx="0">
+            <a:schemeClr val="accent1"/>
+          </a:fillRef>
+          <a:effectRef idx="1">
+            <a:schemeClr val="accent1"/>
+          </a:effectRef>
+          <a:fontRef idx="minor">
+            <a:schemeClr val="tx1"/>
+          </a:fontRef>
+        </p:style>
+      </p:cxnSp>
+      <p:sp>
+        <p:nvSpPr>
+          <p:cNvPr id="52" name="TextBox 51"/>
+          <p:cNvSpPr txBox="1"/>
+          <p:nvPr/>
+        </p:nvSpPr>
+        <p:spPr>
+          <a:xfrm rot="16200000">
+            <a:off x="6744032" y="3112094"/>
+            <a:ext cx="841772" cy="246221"/>
+          </a:xfrm>
+          <a:prstGeom prst="rect">
+            <a:avLst/>
+          </a:prstGeom>
+          <a:noFill/>
+        </p:spPr>
+        <p:txBody>
+          <a:bodyPr wrap="none" rtlCol="0">
+            <a:spAutoFit/>
+          </a:bodyPr>
+          <a:lstStyle/>
+          <a:p>
+            <a:r>
+              <a:rPr lang="en-US" sz="1000" dirty="0" smtClean="0">
+                <a:solidFill>
+                  <a:schemeClr val="tx1">
+                    <a:lumMod val="65000"/>
+                    <a:lumOff val="35000"/>
+                  </a:schemeClr>
+                </a:solidFill>
+              </a:rPr>
+              <a:t>Push to ICAT</a:t>
+            </a:r>
+            <a:endParaRPr lang="en-US" sz="1000" dirty="0">
+              <a:solidFill>
+                <a:schemeClr val="tx1">
+                  <a:lumMod val="65000"/>
+                  <a:lumOff val="35000"/>
+                </a:schemeClr>
+              </a:solidFill>
+            </a:endParaRPr>
+          </a:p>
+        </p:txBody>
+      </p:sp>
+      <p:sp>
+        <p:nvSpPr>
+          <p:cNvPr id="54" name="TextBox 53"/>
+          <p:cNvSpPr txBox="1"/>
+          <p:nvPr/>
+        </p:nvSpPr>
+        <p:spPr>
+          <a:xfrm rot="16200000">
+            <a:off x="3544146" y="3061373"/>
+            <a:ext cx="740332" cy="246221"/>
+          </a:xfrm>
+          <a:prstGeom prst="rect">
+            <a:avLst/>
+          </a:prstGeom>
+          <a:noFill/>
+        </p:spPr>
+        <p:txBody>
+          <a:bodyPr wrap="none" rtlCol="0">
+            <a:spAutoFit/>
+          </a:bodyPr>
+          <a:lstStyle/>
+          <a:p>
+            <a:r>
+              <a:rPr lang="en-US" sz="1000" dirty="0" smtClean="0">
+                <a:solidFill>
+                  <a:schemeClr val="tx1">
+                    <a:lumMod val="65000"/>
+                    <a:lumOff val="35000"/>
+                  </a:schemeClr>
+                </a:solidFill>
+              </a:rPr>
+              <a:t>JOB.START</a:t>
+            </a:r>
+            <a:endParaRPr lang="en-US" sz="1000" dirty="0">
+              <a:solidFill>
+                <a:schemeClr val="tx1">
+                  <a:lumMod val="65000"/>
+                  <a:lumOff val="35000"/>
+                </a:schemeClr>
+              </a:solidFill>
+            </a:endParaRPr>
+          </a:p>
+        </p:txBody>
+      </p:sp>
+      <p:cxnSp>
+        <p:nvCxnSpPr>
+          <p:cNvPr id="56" name="Straight Arrow Connector 55"/>
+          <p:cNvCxnSpPr>
+            <a:stCxn id="57" idx="3"/>
+            <a:endCxn id="6" idx="1"/>
+          </p:cNvCxnSpPr>
+          <p:nvPr/>
+        </p:nvCxnSpPr>
+        <p:spPr>
+          <a:xfrm>
+            <a:off x="1341777" y="4186222"/>
+            <a:ext cx="796457" cy="1915"/>
+          </a:xfrm>
+          <a:prstGeom prst="straightConnector1">
+            <a:avLst/>
+          </a:prstGeom>
+          <a:ln>
+            <a:solidFill>
+              <a:srgbClr val="7F7F7F"/>
+            </a:solidFill>
+            <a:prstDash val="dash"/>
+            <a:tailEnd type="arrow"/>
+          </a:ln>
+          <a:effectLst/>
+        </p:spPr>
+        <p:style>
+          <a:lnRef idx="2">
+            <a:schemeClr val="accent1"/>
+          </a:lnRef>
+          <a:fillRef idx="0">
+            <a:schemeClr val="accent1"/>
+          </a:fillRef>
+          <a:effectRef idx="1">
+            <a:schemeClr val="accent1"/>
+          </a:effectRef>
+          <a:fontRef idx="minor">
+            <a:schemeClr val="tx1"/>
+          </a:fontRef>
+        </p:style>
+      </p:cxnSp>
+      <p:sp>
+        <p:nvSpPr>
+          <p:cNvPr id="57" name="Rounded Rectangle 56"/>
+          <p:cNvSpPr/>
+          <p:nvPr/>
+        </p:nvSpPr>
+        <p:spPr>
+          <a:xfrm>
+            <a:off x="159574" y="3983635"/>
+            <a:ext cx="1182203" cy="405174"/>
+          </a:xfrm>
+          <a:prstGeom prst="roundRect">
+            <a:avLst/>
+          </a:prstGeom>
+          <a:solidFill>
+            <a:schemeClr val="bg1"/>
+          </a:solidFill>
+          <a:ln>
+            <a:solidFill>
+              <a:schemeClr val="tx1">
+                <a:lumMod val="50000"/>
+                <a:lumOff val="50000"/>
+              </a:schemeClr>
+            </a:solidFill>
+          </a:ln>
+          <a:effectLst/>
+        </p:spPr>
+        <p:style>
+          <a:lnRef idx="1">
+            <a:schemeClr val="accent1"/>
+          </a:lnRef>
+          <a:fillRef idx="3">
+            <a:schemeClr val="accent1"/>
+          </a:fillRef>
+          <a:effectRef idx="2">
+            <a:schemeClr val="accent1"/>
+          </a:effectRef>
+          <a:fontRef idx="minor">
+            <a:schemeClr val="lt1"/>
+          </a:fontRef>
+        </p:style>
+        <p:txBody>
+          <a:bodyPr rtlCol="0" anchor="ctr"/>
+          <a:lstStyle/>
+          <a:p>
+            <a:pPr algn="ctr"/>
+            <a:r>
+              <a:rPr lang="en-US" dirty="0" err="1" smtClean="0">
+                <a:solidFill>
+                  <a:schemeClr val="tx1">
+                    <a:lumMod val="65000"/>
+                    <a:lumOff val="35000"/>
+                  </a:schemeClr>
+                </a:solidFill>
+              </a:rPr>
+              <a:t>Kepler</a:t>
+            </a:r>
+            <a:r>
+              <a:rPr lang="en-US" dirty="0" smtClean="0">
+                <a:solidFill>
+                  <a:schemeClr val="tx1">
+                    <a:lumMod val="65000"/>
+                    <a:lumOff val="35000"/>
+                  </a:schemeClr>
+                </a:solidFill>
+              </a:rPr>
+              <a:t> UI</a:t>
+            </a:r>
+            <a:endParaRPr lang="en-US" dirty="0">
+              <a:solidFill>
+                <a:schemeClr val="tx1">
+                  <a:lumMod val="65000"/>
+                  <a:lumOff val="35000"/>
+                </a:schemeClr>
+              </a:solidFill>
+            </a:endParaRPr>
+          </a:p>
+        </p:txBody>
+      </p:sp>
+      <p:sp>
+        <p:nvSpPr>
+          <p:cNvPr id="60" name="TextBox 59"/>
+          <p:cNvSpPr txBox="1"/>
+          <p:nvPr/>
+        </p:nvSpPr>
+        <p:spPr>
+          <a:xfrm>
+            <a:off x="1341777" y="3940001"/>
+            <a:ext cx="630313" cy="246221"/>
+          </a:xfrm>
+          <a:prstGeom prst="rect">
+            <a:avLst/>
+          </a:prstGeom>
+          <a:noFill/>
+        </p:spPr>
+        <p:txBody>
+          <a:bodyPr wrap="none" rtlCol="0">
+            <a:spAutoFit/>
+          </a:bodyPr>
+          <a:lstStyle/>
+          <a:p>
+            <a:r>
+              <a:rPr lang="en-US" sz="1000" dirty="0" smtClean="0">
+                <a:solidFill>
+                  <a:schemeClr val="tx1">
+                    <a:lumMod val="65000"/>
+                    <a:lumOff val="35000"/>
+                  </a:schemeClr>
+                </a:solidFill>
+              </a:rPr>
+              <a:t>Start job</a:t>
+            </a:r>
+            <a:endParaRPr lang="en-US" sz="1000" dirty="0">
+              <a:solidFill>
+                <a:schemeClr val="tx1">
+                  <a:lumMod val="65000"/>
+                  <a:lumOff val="35000"/>
+                </a:schemeClr>
+              </a:solidFill>
+            </a:endParaRPr>
+          </a:p>
+        </p:txBody>
+      </p:sp>
+      <p:sp>
+        <p:nvSpPr>
+          <p:cNvPr id="63" name="Circular Arrow 62"/>
+          <p:cNvSpPr>
+            <a:spLocks noChangeAspect="1"/>
+          </p:cNvSpPr>
+          <p:nvPr/>
+        </p:nvSpPr>
+        <p:spPr>
+          <a:xfrm>
+            <a:off x="6021781" y="2328682"/>
+            <a:ext cx="272175" cy="272175"/>
+          </a:xfrm>
+          <a:prstGeom prst="circularArrow">
+            <a:avLst>
+              <a:gd name="adj1" fmla="val 10013"/>
+              <a:gd name="adj2" fmla="val 1142319"/>
+              <a:gd name="adj3" fmla="val 8396100"/>
+              <a:gd name="adj4" fmla="val 10800000"/>
+              <a:gd name="adj5" fmla="val 13727"/>
+            </a:avLst>
+          </a:prstGeom>
+          <a:solidFill>
+            <a:schemeClr val="bg1">
+              <a:lumMod val="75000"/>
+            </a:schemeClr>
+          </a:solidFill>
+          <a:ln>
+            <a:solidFill>
+              <a:srgbClr val="7F7F7F"/>
+            </a:solidFill>
+          </a:ln>
+          <a:effectLst/>
+        </p:spPr>
+        <p:style>
+          <a:lnRef idx="1">
+            <a:schemeClr val="accent1"/>
+          </a:lnRef>
+          <a:fillRef idx="3">
+            <a:schemeClr val="accent1"/>
+          </a:fillRef>
+          <a:effectRef idx="2">
+            <a:schemeClr val="accent1"/>
+          </a:effectRef>
+          <a:fontRef idx="minor">
+            <a:schemeClr val="lt1"/>
+          </a:fontRef>
+        </p:style>
+        <p:txBody>
+          <a:bodyPr rtlCol="0" anchor="ctr"/>
+          <a:lstStyle/>
+          <a:p>
+            <a:pPr algn="ctr"/>
+            <a:endParaRPr lang="en-US">
+              <a:solidFill>
+                <a:schemeClr val="tx1">
+                  <a:lumMod val="65000"/>
+                  <a:lumOff val="35000"/>
+                </a:schemeClr>
+              </a:solidFill>
+            </a:endParaRPr>
+          </a:p>
+        </p:txBody>
+      </p:sp>
+      <p:cxnSp>
+        <p:nvCxnSpPr>
+          <p:cNvPr id="64" name="Straight Arrow Connector 63"/>
+          <p:cNvCxnSpPr/>
+          <p:nvPr/>
+        </p:nvCxnSpPr>
+        <p:spPr>
+          <a:xfrm>
+            <a:off x="7216839" y="6225117"/>
+            <a:ext cx="407272" cy="1914"/>
+          </a:xfrm>
+          <a:prstGeom prst="straightConnector1">
+            <a:avLst/>
+          </a:prstGeom>
+          <a:ln>
+            <a:solidFill>
+              <a:srgbClr val="7F7F7F"/>
+            </a:solidFill>
+            <a:tailEnd type="arrow"/>
+          </a:ln>
+          <a:effectLst/>
+        </p:spPr>
+        <p:style>
+          <a:lnRef idx="2">
+            <a:schemeClr val="accent1"/>
+          </a:lnRef>
+          <a:fillRef idx="0">
+            <a:schemeClr val="accent1"/>
+          </a:fillRef>
+          <a:effectRef idx="1">
+            <a:schemeClr val="accent1"/>
+          </a:effectRef>
+          <a:fontRef idx="minor">
+            <a:schemeClr val="tx1"/>
+          </a:fontRef>
+        </p:style>
+      </p:cxnSp>
+      <p:sp>
+        <p:nvSpPr>
+          <p:cNvPr id="65" name="TextBox 64"/>
+          <p:cNvSpPr txBox="1"/>
+          <p:nvPr/>
+        </p:nvSpPr>
+        <p:spPr>
+          <a:xfrm>
+            <a:off x="7120347" y="5778223"/>
+            <a:ext cx="719155" cy="307777"/>
+          </a:xfrm>
+          <a:prstGeom prst="rect">
+            <a:avLst/>
+          </a:prstGeom>
+          <a:noFill/>
+        </p:spPr>
+        <p:txBody>
+          <a:bodyPr wrap="none" rtlCol="0">
+            <a:spAutoFit/>
+          </a:bodyPr>
+          <a:lstStyle/>
+          <a:p>
+            <a:r>
               <a:rPr lang="en-US" sz="1400" dirty="0" smtClean="0">
                 <a:solidFill>
-                  <a:srgbClr val="595959"/>
-                </a:solidFill>
-              </a:rPr>
-              <a:t>List CAMM components:</a:t>
+                  <a:schemeClr val="tx1">
+                    <a:lumMod val="65000"/>
+                    <a:lumOff val="35000"/>
+                  </a:schemeClr>
+                </a:solidFill>
+              </a:rPr>
+              <a:t>Legend</a:t>
             </a:r>
             <a:endParaRPr lang="en-US" sz="1400" dirty="0">
               <a:solidFill>
-                <a:srgbClr val="595959"/>
+                <a:schemeClr val="tx1">
+                  <a:lumMod val="65000"/>
+                  <a:lumOff val="35000"/>
+                </a:schemeClr>
               </a:solidFill>
             </a:endParaRPr>
           </a:p>
         </p:txBody>
       </p:sp>
-      <p:sp>
-        <p:nvSpPr>
-          <p:cNvPr id="9" name="TextBox 8"/>
+      <p:cxnSp>
+        <p:nvCxnSpPr>
+          <p:cNvPr id="67" name="Straight Arrow Connector 66"/>
+          <p:cNvCxnSpPr/>
+          <p:nvPr/>
+        </p:nvCxnSpPr>
+        <p:spPr>
+          <a:xfrm>
+            <a:off x="7216839" y="6442097"/>
+            <a:ext cx="407272" cy="1914"/>
+          </a:xfrm>
+          <a:prstGeom prst="straightConnector1">
+            <a:avLst/>
+          </a:prstGeom>
+          <a:ln>
+            <a:solidFill>
+              <a:srgbClr val="7F7F7F"/>
+            </a:solidFill>
+            <a:prstDash val="dash"/>
+            <a:tailEnd type="arrow"/>
+          </a:ln>
+          <a:effectLst/>
+        </p:spPr>
+        <p:style>
+          <a:lnRef idx="2">
+            <a:schemeClr val="accent1"/>
+          </a:lnRef>
+          <a:fillRef idx="0">
+            <a:schemeClr val="accent1"/>
+          </a:fillRef>
+          <a:effectRef idx="1">
+            <a:schemeClr val="accent1"/>
+          </a:effectRef>
+          <a:fontRef idx="minor">
+            <a:schemeClr val="tx1"/>
+          </a:fontRef>
+        </p:style>
+      </p:cxnSp>
+      <p:sp>
+        <p:nvSpPr>
+          <p:cNvPr id="69" name="TextBox 68"/>
           <p:cNvSpPr txBox="1"/>
           <p:nvPr/>
         </p:nvSpPr>
         <p:spPr>
           <a:xfrm>
-            <a:off x="1095774" y="3120206"/>
-            <a:ext cx="7246247" cy="2977738"/>
+            <a:off x="7588236" y="6080478"/>
+            <a:ext cx="1183349" cy="464230"/>
           </a:xfrm>
           <a:prstGeom prst="rect">
             <a:avLst/>
@@ -5430,40 +6927,10 @@
           <a:noFill/>
         </p:spPr>
         <p:txBody>
-          <a:bodyPr wrap="square" rtlCol="0">
+          <a:bodyPr wrap="none" rtlCol="0">
             <a:spAutoFit/>
           </a:bodyPr>
           <a:lstStyle/>
-          <a:p>
-            <a:pPr marL="171450" indent="-171450">
-              <a:spcAft>
-                <a:spcPts val="500"/>
-              </a:spcAft>
-              <a:buFont typeface="Lucida Grande"/>
-              <a:buChar char="➞"/>
-            </a:pPr>
-            <a:r>
-              <a:rPr lang="en-US" sz="1000" dirty="0" err="1" smtClean="0">
-                <a:solidFill>
-                  <a:srgbClr val="595959"/>
-                </a:solidFill>
-              </a:rPr>
-              <a:t>Kepler</a:t>
-            </a:r>
-            <a:r>
-              <a:rPr lang="en-US" sz="1000" dirty="0" smtClean="0">
-                <a:solidFill>
-                  <a:srgbClr val="595959"/>
-                </a:solidFill>
-              </a:rPr>
-              <a:t>: </a:t>
-            </a:r>
-            <a:endParaRPr lang="en-US" sz="1000" dirty="0">
-              <a:solidFill>
-                <a:srgbClr val="595959"/>
-              </a:solidFill>
-            </a:endParaRPr>
-          </a:p>
           <a:p>
             <a:pPr>
               <a:spcAft>
@@ -5471,211 +6938,27 @@
               </a:spcAft>
             </a:pPr>
             <a:r>
+              <a:rPr lang="en-US" sz="1000" dirty="0" err="1" smtClean="0">
+                <a:solidFill>
+                  <a:schemeClr val="tx1">
+                    <a:lumMod val="65000"/>
+                    <a:lumOff val="35000"/>
+                  </a:schemeClr>
+                </a:solidFill>
+              </a:rPr>
+              <a:t>ActiveMQ</a:t>
+            </a:r>
+            <a:r>
               <a:rPr lang="en-US" sz="1000" dirty="0" smtClean="0">
                 <a:solidFill>
-                  <a:srgbClr val="595959"/>
-                </a:solidFill>
-              </a:rPr>
-              <a:t>	Workflow </a:t>
-            </a:r>
-            <a:r>
-              <a:rPr lang="en-US" sz="1000" dirty="0" smtClean="0">
-                <a:solidFill>
-                  <a:srgbClr val="595959"/>
-                </a:solidFill>
-              </a:rPr>
-              <a:t>manager that oversees the execution of cost function evaluation. It submits cost function evaluation jobs to the </a:t>
-            </a:r>
-            <a:r>
-              <a:rPr lang="en-US" sz="1000" dirty="0" smtClean="0">
-                <a:solidFill>
-                  <a:srgbClr val="595959"/>
-                </a:solidFill>
-              </a:rPr>
-              <a:t>	cluster </a:t>
-            </a:r>
-            <a:r>
-              <a:rPr lang="en-US" sz="1000" dirty="0" smtClean="0">
-                <a:solidFill>
-                  <a:srgbClr val="595959"/>
-                </a:solidFill>
-              </a:rPr>
-              <a:t>through </a:t>
-            </a:r>
-            <a:r>
-              <a:rPr lang="en-US" sz="1000" dirty="0" err="1" smtClean="0">
-                <a:solidFill>
-                  <a:srgbClr val="595959"/>
-                </a:solidFill>
-              </a:rPr>
-              <a:t>ssh</a:t>
-            </a:r>
-            <a:r>
-              <a:rPr lang="en-US" sz="1000" dirty="0">
-                <a:solidFill>
-                  <a:srgbClr val="595959"/>
-                </a:solidFill>
-              </a:rPr>
-              <a:t> </a:t>
-            </a:r>
-            <a:r>
-              <a:rPr lang="en-US" sz="1000" dirty="0" smtClean="0">
-                <a:solidFill>
-                  <a:srgbClr val="595959"/>
-                </a:solidFill>
-              </a:rPr>
-              <a:t>and polls the cluster for job completion. Once a cost function evaluation job is completed, it notifies Dakota </a:t>
-            </a:r>
-            <a:r>
-              <a:rPr lang="en-US" sz="1000" dirty="0" smtClean="0">
-                <a:solidFill>
-                  <a:srgbClr val="595959"/>
-                </a:solidFill>
-              </a:rPr>
-              <a:t>	that </a:t>
-            </a:r>
-            <a:r>
-              <a:rPr lang="en-US" sz="1000" dirty="0" smtClean="0">
-                <a:solidFill>
-                  <a:srgbClr val="595959"/>
-                </a:solidFill>
-              </a:rPr>
-              <a:t>results are ready. Through the same notification process, the Cataloging Agent is notified that new simulation data is ready </a:t>
-            </a:r>
-            <a:r>
-              <a:rPr lang="en-US" sz="1000" dirty="0" smtClean="0">
-                <a:solidFill>
-                  <a:srgbClr val="595959"/>
-                </a:solidFill>
-              </a:rPr>
-              <a:t>	to </a:t>
-            </a:r>
-            <a:r>
-              <a:rPr lang="en-US" sz="1000" dirty="0" smtClean="0">
-                <a:solidFill>
-                  <a:srgbClr val="595959"/>
-                </a:solidFill>
-              </a:rPr>
-              <a:t>be cataloged in ICAT. Before sending a job to the cluster, </a:t>
-            </a:r>
-            <a:r>
-              <a:rPr lang="en-US" sz="1000" dirty="0" err="1" smtClean="0">
-                <a:solidFill>
-                  <a:srgbClr val="595959"/>
-                </a:solidFill>
-              </a:rPr>
-              <a:t>Kepler</a:t>
-            </a:r>
-            <a:r>
-              <a:rPr lang="en-US" sz="1000" dirty="0" smtClean="0">
-                <a:solidFill>
-                  <a:srgbClr val="595959"/>
-                </a:solidFill>
-              </a:rPr>
-              <a:t> will query the ICAT server through its web service to check </a:t>
-            </a:r>
-            <a:r>
-              <a:rPr lang="en-US" sz="1000" dirty="0" smtClean="0">
-                <a:solidFill>
-                  <a:srgbClr val="595959"/>
-                </a:solidFill>
-              </a:rPr>
-              <a:t>	whether </a:t>
-            </a:r>
-            <a:r>
-              <a:rPr lang="en-US" sz="1000" dirty="0" smtClean="0">
-                <a:solidFill>
-                  <a:srgbClr val="595959"/>
-                </a:solidFill>
-              </a:rPr>
-              <a:t>a similar simulation </a:t>
-            </a:r>
-            <a:r>
-              <a:rPr lang="en-US" sz="1000" dirty="0" smtClean="0">
-                <a:solidFill>
-                  <a:srgbClr val="595959"/>
-                </a:solidFill>
-              </a:rPr>
-              <a:t>exists. </a:t>
-            </a:r>
-            <a:r>
-              <a:rPr lang="en-US" sz="1000" dirty="0" smtClean="0">
-                <a:solidFill>
-                  <a:srgbClr val="595959"/>
-                </a:solidFill>
-              </a:rPr>
-              <a:t>If a similar simulation is available, the cost function evaluation job sent to the cluster will </a:t>
-            </a:r>
-            <a:r>
-              <a:rPr lang="en-US" sz="1000" dirty="0" smtClean="0">
-                <a:solidFill>
-                  <a:srgbClr val="595959"/>
-                </a:solidFill>
-              </a:rPr>
-              <a:t>	use </a:t>
-            </a:r>
-            <a:r>
-              <a:rPr lang="en-US" sz="1000" dirty="0" smtClean="0">
-                <a:solidFill>
-                  <a:srgbClr val="595959"/>
-                </a:solidFill>
-              </a:rPr>
-              <a:t>that simulation data rather than performing a new </a:t>
-            </a:r>
-            <a:r>
-              <a:rPr lang="en-US" sz="1000" dirty="0" smtClean="0">
-                <a:solidFill>
-                  <a:srgbClr val="595959"/>
-                </a:solidFill>
-              </a:rPr>
-              <a:t>one. </a:t>
-            </a:r>
-            <a:r>
-              <a:rPr lang="en-US" sz="1000" dirty="0" smtClean="0">
-                <a:solidFill>
-                  <a:srgbClr val="595959"/>
-                </a:solidFill>
-              </a:rPr>
-              <a:t>See </a:t>
-            </a:r>
-            <a:r>
-              <a:rPr lang="en-US" sz="1000" dirty="0" err="1" smtClean="0">
-                <a:solidFill>
-                  <a:srgbClr val="595959"/>
-                </a:solidFill>
-              </a:rPr>
-              <a:t>Kepler</a:t>
-            </a:r>
-            <a:r>
-              <a:rPr lang="en-US" sz="1000" dirty="0" smtClean="0">
-                <a:solidFill>
-                  <a:srgbClr val="595959"/>
-                </a:solidFill>
-              </a:rPr>
-              <a:t> workflow overview for detail.</a:t>
-            </a:r>
-          </a:p>
-          <a:p>
-            <a:pPr marL="171450" indent="-171450">
-              <a:spcAft>
-                <a:spcPts val="500"/>
-              </a:spcAft>
-              <a:buFont typeface="Lucida Grande"/>
-              <a:buChar char="➞"/>
-            </a:pPr>
-            <a:r>
-              <a:rPr lang="en-US" sz="1000" dirty="0" smtClean="0">
-                <a:solidFill>
-                  <a:srgbClr val="595959"/>
-                </a:solidFill>
-              </a:rPr>
-              <a:t>Dakota: </a:t>
-            </a:r>
-            <a:endParaRPr lang="en-US" sz="1000" dirty="0" smtClean="0">
-              <a:solidFill>
-                <a:srgbClr val="595959"/>
-              </a:solidFill>
-            </a:endParaRPr>
+                  <a:schemeClr val="tx1">
+                    <a:lumMod val="65000"/>
+                    <a:lumOff val="35000"/>
+                  </a:schemeClr>
+                </a:solidFill>
+              </a:rPr>
+              <a:t> message</a:t>
+            </a:r>
           </a:p>
           <a:p>
             <a:pPr>
@@ -5684,235 +6967,321 @@
               </a:spcAft>
             </a:pPr>
             <a:r>
-              <a:rPr lang="en-US" sz="1000" dirty="0">
-                <a:solidFill>
-                  <a:srgbClr val="595959"/>
-                </a:solidFill>
-              </a:rPr>
-              <a:t>	</a:t>
-            </a:r>
-            <a:r>
               <a:rPr lang="en-US" sz="1000" dirty="0" smtClean="0">
                 <a:solidFill>
-                  <a:srgbClr val="595959"/>
-                </a:solidFill>
-              </a:rPr>
-              <a:t>Performs </a:t>
-            </a:r>
-            <a:r>
-              <a:rPr lang="en-US" sz="1000" dirty="0" smtClean="0">
-                <a:solidFill>
-                  <a:srgbClr val="595959"/>
-                </a:solidFill>
-              </a:rPr>
-              <a:t>minimization. </a:t>
-            </a:r>
-            <a:r>
-              <a:rPr lang="en-US" sz="1000" dirty="0">
-                <a:solidFill>
-                  <a:srgbClr val="595959"/>
-                </a:solidFill>
-              </a:rPr>
-              <a:t>G</a:t>
-            </a:r>
-            <a:r>
-              <a:rPr lang="en-US" sz="1000" dirty="0" smtClean="0">
-                <a:solidFill>
-                  <a:srgbClr val="595959"/>
-                </a:solidFill>
-              </a:rPr>
-              <a:t>ets </a:t>
-            </a:r>
-            <a:r>
-              <a:rPr lang="en-US" sz="1000" dirty="0" smtClean="0">
-                <a:solidFill>
-                  <a:srgbClr val="595959"/>
-                </a:solidFill>
-              </a:rPr>
-              <a:t>the results of cost function evaluation through the </a:t>
-            </a:r>
-            <a:r>
-              <a:rPr lang="en-US" sz="1000" dirty="0" err="1" smtClean="0">
-                <a:solidFill>
-                  <a:srgbClr val="595959"/>
-                </a:solidFill>
-              </a:rPr>
-              <a:t>Kepler</a:t>
-            </a:r>
-            <a:r>
-              <a:rPr lang="en-US" sz="1000" dirty="0" smtClean="0">
-                <a:solidFill>
-                  <a:srgbClr val="595959"/>
-                </a:solidFill>
-              </a:rPr>
-              <a:t> workflow.</a:t>
-            </a:r>
-          </a:p>
-          <a:p>
-            <a:pPr marL="171450" indent="-171450">
-              <a:spcAft>
-                <a:spcPts val="500"/>
-              </a:spcAft>
-              <a:buFont typeface="Lucida Grande"/>
-              <a:buChar char="➞"/>
-            </a:pPr>
-            <a:r>
-              <a:rPr lang="en-US" sz="1000" dirty="0" smtClean="0">
-                <a:solidFill>
-                  <a:srgbClr val="595959"/>
-                </a:solidFill>
-              </a:rPr>
-              <a:t>Cataloging Agent: </a:t>
-            </a:r>
-            <a:endParaRPr lang="en-US" sz="1000" dirty="0" smtClean="0">
+                  <a:schemeClr val="tx1">
+                    <a:lumMod val="65000"/>
+                    <a:lumOff val="35000"/>
+                  </a:schemeClr>
+                </a:solidFill>
+              </a:rPr>
+              <a:t>Other protocol</a:t>
+            </a:r>
+            <a:endParaRPr lang="en-US" sz="1000" dirty="0">
               <a:solidFill>
-                <a:srgbClr val="595959"/>
+                <a:schemeClr val="tx1">
+                  <a:lumMod val="65000"/>
+                  <a:lumOff val="35000"/>
+                </a:schemeClr>
               </a:solidFill>
             </a:endParaRPr>
           </a:p>
-          <a:p>
-            <a:pPr>
-              <a:spcAft>
-                <a:spcPts val="500"/>
-              </a:spcAft>
-            </a:pPr>
-            <a:r>
-              <a:rPr lang="en-US" sz="1000" dirty="0">
-                <a:solidFill>
-                  <a:srgbClr val="595959"/>
-                </a:solidFill>
-              </a:rPr>
-              <a:t>	</a:t>
-            </a:r>
+        </p:txBody>
+      </p:sp>
+      <p:cxnSp>
+        <p:nvCxnSpPr>
+          <p:cNvPr id="41" name="Straight Arrow Connector 40"/>
+          <p:cNvCxnSpPr/>
+          <p:nvPr/>
+        </p:nvCxnSpPr>
+        <p:spPr>
+          <a:xfrm flipV="1">
+            <a:off x="4044050" y="2665443"/>
+            <a:ext cx="2" cy="1146802"/>
+          </a:xfrm>
+          <a:prstGeom prst="straightConnector1">
+            <a:avLst/>
+          </a:prstGeom>
+          <a:ln>
+            <a:solidFill>
+              <a:srgbClr val="7F7F7F"/>
+            </a:solidFill>
+            <a:tailEnd type="arrow"/>
+          </a:ln>
+          <a:effectLst/>
+        </p:spPr>
+        <p:style>
+          <a:lnRef idx="2">
+            <a:schemeClr val="accent1"/>
+          </a:lnRef>
+          <a:fillRef idx="0">
+            <a:schemeClr val="accent1"/>
+          </a:fillRef>
+          <a:effectRef idx="1">
+            <a:schemeClr val="accent1"/>
+          </a:effectRef>
+          <a:fontRef idx="minor">
+            <a:schemeClr val="tx1"/>
+          </a:fontRef>
+        </p:style>
+      </p:cxnSp>
+      <p:cxnSp>
+        <p:nvCxnSpPr>
+          <p:cNvPr id="42" name="Straight Arrow Connector 41"/>
+          <p:cNvCxnSpPr/>
+          <p:nvPr/>
+        </p:nvCxnSpPr>
+        <p:spPr>
+          <a:xfrm flipV="1">
+            <a:off x="4044052" y="960393"/>
+            <a:ext cx="0" cy="1293309"/>
+          </a:xfrm>
+          <a:prstGeom prst="straightConnector1">
+            <a:avLst/>
+          </a:prstGeom>
+          <a:ln>
+            <a:solidFill>
+              <a:srgbClr val="7F7F7F"/>
+            </a:solidFill>
+            <a:tailEnd type="arrow"/>
+          </a:ln>
+          <a:effectLst/>
+        </p:spPr>
+        <p:style>
+          <a:lnRef idx="2">
+            <a:schemeClr val="accent1"/>
+          </a:lnRef>
+          <a:fillRef idx="0">
+            <a:schemeClr val="accent1"/>
+          </a:fillRef>
+          <a:effectRef idx="1">
+            <a:schemeClr val="accent1"/>
+          </a:effectRef>
+          <a:fontRef idx="minor">
+            <a:schemeClr val="tx1"/>
+          </a:fontRef>
+        </p:style>
+      </p:cxnSp>
+      <p:sp>
+        <p:nvSpPr>
+          <p:cNvPr id="43" name="TextBox 42"/>
+          <p:cNvSpPr txBox="1"/>
+          <p:nvPr/>
+        </p:nvSpPr>
+        <p:spPr>
+          <a:xfrm rot="16200000">
+            <a:off x="3556575" y="1501565"/>
+            <a:ext cx="740332" cy="246221"/>
+          </a:xfrm>
+          <a:prstGeom prst="rect">
+            <a:avLst/>
+          </a:prstGeom>
+          <a:noFill/>
+        </p:spPr>
+        <p:txBody>
+          <a:bodyPr wrap="none" rtlCol="0">
+            <a:spAutoFit/>
+          </a:bodyPr>
+          <a:lstStyle/>
+          <a:p>
             <a:r>
               <a:rPr lang="en-US" sz="1000" dirty="0" smtClean="0">
                 <a:solidFill>
-                  <a:srgbClr val="595959"/>
-                </a:solidFill>
-              </a:rPr>
-              <a:t>Catalogs </a:t>
-            </a:r>
-            <a:r>
-              <a:rPr lang="en-US" sz="1000" dirty="0" smtClean="0">
-                <a:solidFill>
-                  <a:srgbClr val="595959"/>
-                </a:solidFill>
-              </a:rPr>
-              <a:t>new simulation output into ICAT.</a:t>
-            </a:r>
-          </a:p>
-          <a:p>
-            <a:pPr marL="171450" indent="-171450">
-              <a:spcAft>
-                <a:spcPts val="500"/>
-              </a:spcAft>
-              <a:buFont typeface="Lucida Grande"/>
-              <a:buChar char="➞"/>
-            </a:pPr>
-            <a:r>
-              <a:rPr lang="en-US" sz="1000" dirty="0" smtClean="0">
-                <a:solidFill>
-                  <a:srgbClr val="595959"/>
-                </a:solidFill>
-              </a:rPr>
-              <a:t>ICAT server: </a:t>
-            </a:r>
-            <a:endParaRPr lang="en-US" sz="1000" dirty="0" smtClean="0">
+                  <a:schemeClr val="tx1">
+                    <a:lumMod val="65000"/>
+                    <a:lumOff val="35000"/>
+                  </a:schemeClr>
+                </a:solidFill>
+              </a:rPr>
+              <a:t>JOB.START</a:t>
+            </a:r>
+            <a:endParaRPr lang="en-US" sz="1000" dirty="0">
               <a:solidFill>
-                <a:srgbClr val="595959"/>
+                <a:schemeClr val="tx1">
+                  <a:lumMod val="65000"/>
+                  <a:lumOff val="35000"/>
+                </a:schemeClr>
               </a:solidFill>
             </a:endParaRPr>
           </a:p>
-          <a:p>
-            <a:pPr>
-              <a:spcAft>
-                <a:spcPts val="500"/>
-              </a:spcAft>
-            </a:pPr>
-            <a:r>
-              <a:rPr lang="en-US" sz="1000" dirty="0">
-                <a:solidFill>
-                  <a:srgbClr val="595959"/>
-                </a:solidFill>
-              </a:rPr>
-              <a:t>	</a:t>
-            </a:r>
-            <a:r>
-              <a:rPr lang="en-US" sz="1000" dirty="0" smtClean="0">
-                <a:solidFill>
-                  <a:srgbClr val="595959"/>
-                </a:solidFill>
-              </a:rPr>
-              <a:t>Provides </a:t>
-            </a:r>
-            <a:r>
-              <a:rPr lang="en-US" sz="1000" dirty="0" smtClean="0">
-                <a:solidFill>
-                  <a:srgbClr val="595959"/>
-                </a:solidFill>
-              </a:rPr>
-              <a:t>a web service to query a database of experimental and simulation data.</a:t>
-            </a:r>
-          </a:p>
-          <a:p>
-            <a:pPr marL="171450" indent="-171450">
-              <a:spcAft>
-                <a:spcPts val="500"/>
-              </a:spcAft>
-              <a:buFont typeface="Lucida Grande"/>
-              <a:buChar char="➞"/>
-            </a:pPr>
-            <a:r>
-              <a:rPr lang="en-US" sz="1000" dirty="0" err="1" smtClean="0">
-                <a:solidFill>
-                  <a:srgbClr val="595959"/>
-                </a:solidFill>
-              </a:rPr>
-              <a:t>ActiveMQ</a:t>
-            </a:r>
-            <a:r>
-              <a:rPr lang="en-US" sz="1000" dirty="0" smtClean="0">
-                <a:solidFill>
-                  <a:srgbClr val="595959"/>
-                </a:solidFill>
-              </a:rPr>
-              <a:t>: </a:t>
-            </a:r>
-            <a:endParaRPr lang="en-US" sz="1000" dirty="0" smtClean="0">
+        </p:txBody>
+      </p:sp>
+      <p:sp>
+        <p:nvSpPr>
+          <p:cNvPr id="45" name="Circular Arrow 44"/>
+          <p:cNvSpPr>
+            <a:spLocks noChangeAspect="1"/>
+          </p:cNvSpPr>
+          <p:nvPr/>
+        </p:nvSpPr>
+        <p:spPr>
+          <a:xfrm>
+            <a:off x="3938689" y="699922"/>
+            <a:ext cx="584736" cy="272175"/>
+          </a:xfrm>
+          <a:prstGeom prst="circularArrow">
+            <a:avLst>
+              <a:gd name="adj1" fmla="val 10013"/>
+              <a:gd name="adj2" fmla="val 1142319"/>
+              <a:gd name="adj3" fmla="val 8396100"/>
+              <a:gd name="adj4" fmla="val 10800000"/>
+              <a:gd name="adj5" fmla="val 24641"/>
+            </a:avLst>
+          </a:prstGeom>
+          <a:solidFill>
+            <a:schemeClr val="bg1">
+              <a:lumMod val="75000"/>
+            </a:schemeClr>
+          </a:solidFill>
+          <a:ln>
+            <a:solidFill>
+              <a:srgbClr val="7F7F7F"/>
+            </a:solidFill>
+          </a:ln>
+          <a:effectLst/>
+        </p:spPr>
+        <p:style>
+          <a:lnRef idx="1">
+            <a:schemeClr val="accent1"/>
+          </a:lnRef>
+          <a:fillRef idx="3">
+            <a:schemeClr val="accent1"/>
+          </a:fillRef>
+          <a:effectRef idx="2">
+            <a:schemeClr val="accent1"/>
+          </a:effectRef>
+          <a:fontRef idx="minor">
+            <a:schemeClr val="lt1"/>
+          </a:fontRef>
+        </p:style>
+        <p:txBody>
+          <a:bodyPr rtlCol="0" anchor="ctr"/>
+          <a:lstStyle/>
+          <a:p>
+            <a:pPr algn="ctr"/>
+            <a:endParaRPr lang="en-US">
               <a:solidFill>
-                <a:srgbClr val="595959"/>
+                <a:schemeClr val="tx1">
+                  <a:lumMod val="65000"/>
+                  <a:lumOff val="35000"/>
+                </a:schemeClr>
               </a:solidFill>
             </a:endParaRPr>
           </a:p>
-          <a:p>
-            <a:pPr lvl="1">
-              <a:spcAft>
-                <a:spcPts val="500"/>
-              </a:spcAft>
-            </a:pPr>
-            <a:r>
-              <a:rPr lang="en-US" sz="1000" dirty="0" smtClean="0">
-                <a:solidFill>
-                  <a:srgbClr val="595959"/>
-                </a:solidFill>
-              </a:rPr>
-              <a:t>Provides </a:t>
-            </a:r>
-            <a:r>
-              <a:rPr lang="en-US" sz="1000" dirty="0" smtClean="0">
-                <a:solidFill>
-                  <a:srgbClr val="595959"/>
-                </a:solidFill>
-              </a:rPr>
-              <a:t>a messaging system between components.</a:t>
-            </a:r>
+        </p:txBody>
+      </p:sp>
+      <p:sp>
+        <p:nvSpPr>
+          <p:cNvPr id="44" name="Circular Arrow 43"/>
+          <p:cNvSpPr>
+            <a:spLocks noChangeAspect="1"/>
+          </p:cNvSpPr>
+          <p:nvPr/>
+        </p:nvSpPr>
+        <p:spPr>
+          <a:xfrm>
+            <a:off x="2325034" y="3812245"/>
+            <a:ext cx="272175" cy="272175"/>
+          </a:xfrm>
+          <a:prstGeom prst="circularArrow">
+            <a:avLst>
+              <a:gd name="adj1" fmla="val 10013"/>
+              <a:gd name="adj2" fmla="val 1142319"/>
+              <a:gd name="adj3" fmla="val 8396100"/>
+              <a:gd name="adj4" fmla="val 10800000"/>
+              <a:gd name="adj5" fmla="val 13727"/>
+            </a:avLst>
+          </a:prstGeom>
+          <a:solidFill>
+            <a:schemeClr val="bg1">
+              <a:lumMod val="75000"/>
+            </a:schemeClr>
+          </a:solidFill>
+          <a:ln>
+            <a:solidFill>
+              <a:srgbClr val="7F7F7F"/>
+            </a:solidFill>
+          </a:ln>
+          <a:effectLst/>
+        </p:spPr>
+        <p:style>
+          <a:lnRef idx="1">
+            <a:schemeClr val="accent1"/>
+          </a:lnRef>
+          <a:fillRef idx="3">
+            <a:schemeClr val="accent1"/>
+          </a:fillRef>
+          <a:effectRef idx="2">
+            <a:schemeClr val="accent1"/>
+          </a:effectRef>
+          <a:fontRef idx="minor">
+            <a:schemeClr val="lt1"/>
+          </a:fontRef>
+        </p:style>
+        <p:txBody>
+          <a:bodyPr rtlCol="0" anchor="ctr"/>
+          <a:lstStyle/>
+          <a:p>
+            <a:pPr algn="ctr"/>
+            <a:endParaRPr lang="en-US">
+              <a:solidFill>
+                <a:schemeClr val="tx1">
+                  <a:lumMod val="65000"/>
+                  <a:lumOff val="35000"/>
+                </a:schemeClr>
+              </a:solidFill>
+            </a:endParaRPr>
+          </a:p>
+        </p:txBody>
+      </p:sp>
+      <p:sp>
+        <p:nvSpPr>
+          <p:cNvPr id="2" name="TextBox 1"/>
+          <p:cNvSpPr txBox="1"/>
+          <p:nvPr/>
+        </p:nvSpPr>
+        <p:spPr>
+          <a:xfrm>
+            <a:off x="159574" y="107633"/>
+            <a:ext cx="1954732" cy="400110"/>
+          </a:xfrm>
+          <a:prstGeom prst="rect">
+            <a:avLst/>
+          </a:prstGeom>
+          <a:noFill/>
+        </p:spPr>
+        <p:txBody>
+          <a:bodyPr wrap="none" rtlCol="0">
+            <a:spAutoFit/>
+          </a:bodyPr>
+          <a:lstStyle/>
+          <a:p>
+            <a:r>
+              <a:rPr lang="en-US" sz="2000" dirty="0" smtClean="0">
+                <a:solidFill>
+                  <a:schemeClr val="tx1">
+                    <a:lumMod val="65000"/>
+                    <a:lumOff val="35000"/>
+                  </a:schemeClr>
+                </a:solidFill>
+              </a:rPr>
+              <a:t>CAMM Overview</a:t>
+            </a:r>
+            <a:endParaRPr lang="en-US" sz="2000" dirty="0">
+              <a:solidFill>
+                <a:schemeClr val="tx1">
+                  <a:lumMod val="65000"/>
+                  <a:lumOff val="35000"/>
+                </a:schemeClr>
+              </a:solidFill>
+            </a:endParaRPr>
           </a:p>
         </p:txBody>
       </p:sp>
     </p:spTree>
     <p:extLst>
       <p:ext uri="{BB962C8B-B14F-4D97-AF65-F5344CB8AC3E}">
-        <p14:creationId xmlns:p14="http://schemas.microsoft.com/office/powerpoint/2010/main" val="3715388961"/>
+        <p14:creationId xmlns:p14="http://schemas.microsoft.com/office/powerpoint/2010/main" val="1011226216"/>
       </p:ext>
     </p:extLst>
   </p:cSld>
@@ -5941,6 +7310,610 @@
       </p:grpSpPr>
       <p:sp>
         <p:nvSpPr>
+          <p:cNvPr id="5" name="TextBox 4"/>
+          <p:cNvSpPr txBox="1"/>
+          <p:nvPr/>
+        </p:nvSpPr>
+        <p:spPr>
+          <a:xfrm>
+            <a:off x="598016" y="346357"/>
+            <a:ext cx="2178764" cy="307777"/>
+          </a:xfrm>
+          <a:prstGeom prst="rect">
+            <a:avLst/>
+          </a:prstGeom>
+          <a:noFill/>
+        </p:spPr>
+        <p:txBody>
+          <a:bodyPr wrap="none" rtlCol="0">
+            <a:spAutoFit/>
+          </a:bodyPr>
+          <a:lstStyle/>
+          <a:p>
+            <a:r>
+              <a:rPr lang="en-US" sz="1400" dirty="0" smtClean="0">
+                <a:solidFill>
+                  <a:srgbClr val="595959"/>
+                </a:solidFill>
+              </a:rPr>
+              <a:t>List of </a:t>
+            </a:r>
+            <a:r>
+              <a:rPr lang="en-US" sz="1400" dirty="0" err="1" smtClean="0">
+                <a:solidFill>
+                  <a:srgbClr val="595959"/>
+                </a:solidFill>
+              </a:rPr>
+              <a:t>ActiveMQ</a:t>
+            </a:r>
+            <a:r>
+              <a:rPr lang="en-US" sz="1400" dirty="0" smtClean="0">
+                <a:solidFill>
+                  <a:srgbClr val="595959"/>
+                </a:solidFill>
+              </a:rPr>
+              <a:t> messages:</a:t>
+            </a:r>
+            <a:endParaRPr lang="en-US" sz="1400" dirty="0">
+              <a:solidFill>
+                <a:srgbClr val="595959"/>
+              </a:solidFill>
+            </a:endParaRPr>
+          </a:p>
+        </p:txBody>
+      </p:sp>
+      <p:sp>
+        <p:nvSpPr>
+          <p:cNvPr id="7" name="TextBox 6"/>
+          <p:cNvSpPr txBox="1"/>
+          <p:nvPr/>
+        </p:nvSpPr>
+        <p:spPr>
+          <a:xfrm>
+            <a:off x="943374" y="800800"/>
+            <a:ext cx="7246247" cy="1426031"/>
+          </a:xfrm>
+          <a:prstGeom prst="rect">
+            <a:avLst/>
+          </a:prstGeom>
+          <a:noFill/>
+        </p:spPr>
+        <p:txBody>
+          <a:bodyPr wrap="square" rtlCol="0">
+            <a:spAutoFit/>
+          </a:bodyPr>
+          <a:lstStyle/>
+          <a:p>
+            <a:pPr marL="171450" indent="-171450">
+              <a:spcAft>
+                <a:spcPts val="500"/>
+              </a:spcAft>
+              <a:buFont typeface="Lucida Grande"/>
+              <a:buChar char="➞"/>
+            </a:pPr>
+            <a:r>
+              <a:rPr lang="en-US" sz="1000" dirty="0">
+                <a:solidFill>
+                  <a:srgbClr val="595959"/>
+                </a:solidFill>
+              </a:rPr>
+              <a:t>JOB.START: </a:t>
+            </a:r>
+            <a:r>
+              <a:rPr lang="en-US" sz="1000" dirty="0" err="1">
+                <a:solidFill>
+                  <a:srgbClr val="595959"/>
+                </a:solidFill>
+              </a:rPr>
+              <a:t>Kepler</a:t>
+            </a:r>
+            <a:r>
+              <a:rPr lang="en-US" sz="1000" dirty="0">
+                <a:solidFill>
+                  <a:srgbClr val="595959"/>
+                </a:solidFill>
+              </a:rPr>
+              <a:t> sends this message to tell Dakota to start a new minimization process.</a:t>
+            </a:r>
+          </a:p>
+          <a:p>
+            <a:pPr marL="171450" indent="-171450">
+              <a:spcAft>
+                <a:spcPts val="500"/>
+              </a:spcAft>
+              <a:buFont typeface="Lucida Grande"/>
+              <a:buChar char="➞"/>
+            </a:pPr>
+            <a:endParaRPr lang="en-US" sz="1000" dirty="0" smtClean="0">
+              <a:solidFill>
+                <a:srgbClr val="595959"/>
+              </a:solidFill>
+            </a:endParaRPr>
+          </a:p>
+          <a:p>
+            <a:pPr marL="171450" indent="-171450">
+              <a:spcAft>
+                <a:spcPts val="500"/>
+              </a:spcAft>
+              <a:buFont typeface="Lucida Grande"/>
+              <a:buChar char="➞"/>
+            </a:pPr>
+            <a:r>
+              <a:rPr lang="en-US" sz="1000" dirty="0" smtClean="0">
+                <a:solidFill>
+                  <a:srgbClr val="595959"/>
+                </a:solidFill>
+              </a:rPr>
+              <a:t>PARAMS.READY: Dakota sends this message to tell </a:t>
+            </a:r>
+            <a:r>
+              <a:rPr lang="en-US" sz="1000" dirty="0" err="1" smtClean="0">
+                <a:solidFill>
+                  <a:srgbClr val="595959"/>
+                </a:solidFill>
+              </a:rPr>
+              <a:t>Kepler</a:t>
+            </a:r>
+            <a:r>
+              <a:rPr lang="en-US" sz="1000" dirty="0" smtClean="0">
+                <a:solidFill>
+                  <a:srgbClr val="595959"/>
+                </a:solidFill>
+              </a:rPr>
+              <a:t> that new simulation parameters are ready. </a:t>
+            </a:r>
+            <a:r>
+              <a:rPr lang="en-US" sz="1000" dirty="0" err="1" smtClean="0">
+                <a:solidFill>
+                  <a:srgbClr val="595959"/>
+                </a:solidFill>
+              </a:rPr>
+              <a:t>Kepler</a:t>
+            </a:r>
+            <a:r>
+              <a:rPr lang="en-US" sz="1000" dirty="0" smtClean="0">
+                <a:solidFill>
+                  <a:srgbClr val="595959"/>
+                </a:solidFill>
+              </a:rPr>
+              <a:t> will use those parameters to submit a new simulation job to the cluster.</a:t>
+            </a:r>
+          </a:p>
+          <a:p>
+            <a:pPr marL="171450" indent="-171450">
+              <a:spcAft>
+                <a:spcPts val="500"/>
+              </a:spcAft>
+              <a:buFont typeface="Lucida Grande"/>
+              <a:buChar char="➞"/>
+            </a:pPr>
+            <a:endParaRPr lang="en-US" sz="1000" dirty="0" smtClean="0">
+              <a:solidFill>
+                <a:srgbClr val="595959"/>
+              </a:solidFill>
+            </a:endParaRPr>
+          </a:p>
+          <a:p>
+            <a:pPr marL="171450" indent="-171450">
+              <a:spcAft>
+                <a:spcPts val="500"/>
+              </a:spcAft>
+              <a:buFont typeface="Lucida Grande"/>
+              <a:buChar char="➞"/>
+            </a:pPr>
+            <a:r>
+              <a:rPr lang="en-US" sz="1000" dirty="0" smtClean="0">
+                <a:solidFill>
+                  <a:srgbClr val="595959"/>
+                </a:solidFill>
+              </a:rPr>
+              <a:t>RESULTS.READY: </a:t>
+            </a:r>
+            <a:r>
+              <a:rPr lang="en-US" sz="1000" dirty="0" err="1" smtClean="0">
+                <a:solidFill>
+                  <a:srgbClr val="595959"/>
+                </a:solidFill>
+              </a:rPr>
+              <a:t>Kepler</a:t>
+            </a:r>
+            <a:r>
+              <a:rPr lang="en-US" sz="1000" dirty="0" smtClean="0">
+                <a:solidFill>
+                  <a:srgbClr val="595959"/>
+                </a:solidFill>
+              </a:rPr>
+              <a:t> sends this message when a simulation job has completed and simulation data is available. This message is consumed by Dakota (which will then start a new iteration of its minimization process) and the cataloging agent.</a:t>
+            </a:r>
+          </a:p>
+        </p:txBody>
+      </p:sp>
+      <p:sp>
+        <p:nvSpPr>
+          <p:cNvPr id="8" name="TextBox 7"/>
+          <p:cNvSpPr txBox="1"/>
+          <p:nvPr/>
+        </p:nvSpPr>
+        <p:spPr>
+          <a:xfrm>
+            <a:off x="753828" y="2723167"/>
+            <a:ext cx="1978890" cy="307777"/>
+          </a:xfrm>
+          <a:prstGeom prst="rect">
+            <a:avLst/>
+          </a:prstGeom>
+          <a:noFill/>
+        </p:spPr>
+        <p:txBody>
+          <a:bodyPr wrap="none" rtlCol="0">
+            <a:spAutoFit/>
+          </a:bodyPr>
+          <a:lstStyle/>
+          <a:p>
+            <a:r>
+              <a:rPr lang="en-US" sz="1400" dirty="0" smtClean="0">
+                <a:solidFill>
+                  <a:srgbClr val="595959"/>
+                </a:solidFill>
+              </a:rPr>
+              <a:t>List CAMM components:</a:t>
+            </a:r>
+            <a:endParaRPr lang="en-US" sz="1400" dirty="0">
+              <a:solidFill>
+                <a:srgbClr val="595959"/>
+              </a:solidFill>
+            </a:endParaRPr>
+          </a:p>
+        </p:txBody>
+      </p:sp>
+      <p:sp>
+        <p:nvSpPr>
+          <p:cNvPr id="9" name="TextBox 8"/>
+          <p:cNvSpPr txBox="1"/>
+          <p:nvPr/>
+        </p:nvSpPr>
+        <p:spPr>
+          <a:xfrm>
+            <a:off x="1095774" y="3120206"/>
+            <a:ext cx="7246247" cy="2977738"/>
+          </a:xfrm>
+          <a:prstGeom prst="rect">
+            <a:avLst/>
+          </a:prstGeom>
+          <a:noFill/>
+        </p:spPr>
+        <p:txBody>
+          <a:bodyPr wrap="square" rtlCol="0">
+            <a:spAutoFit/>
+          </a:bodyPr>
+          <a:lstStyle/>
+          <a:p>
+            <a:pPr marL="171450" indent="-171450">
+              <a:spcAft>
+                <a:spcPts val="500"/>
+              </a:spcAft>
+              <a:buFont typeface="Lucida Grande"/>
+              <a:buChar char="➞"/>
+            </a:pPr>
+            <a:r>
+              <a:rPr lang="en-US" sz="1000" dirty="0" err="1" smtClean="0">
+                <a:solidFill>
+                  <a:srgbClr val="595959"/>
+                </a:solidFill>
+              </a:rPr>
+              <a:t>Kepler</a:t>
+            </a:r>
+            <a:r>
+              <a:rPr lang="en-US" sz="1000" dirty="0" smtClean="0">
+                <a:solidFill>
+                  <a:srgbClr val="595959"/>
+                </a:solidFill>
+              </a:rPr>
+              <a:t>: </a:t>
+            </a:r>
+            <a:endParaRPr lang="en-US" sz="1000" dirty="0">
+              <a:solidFill>
+                <a:srgbClr val="595959"/>
+              </a:solidFill>
+            </a:endParaRPr>
+          </a:p>
+          <a:p>
+            <a:pPr>
+              <a:spcAft>
+                <a:spcPts val="500"/>
+              </a:spcAft>
+            </a:pPr>
+            <a:r>
+              <a:rPr lang="en-US" sz="1000" dirty="0" smtClean="0">
+                <a:solidFill>
+                  <a:srgbClr val="595959"/>
+                </a:solidFill>
+              </a:rPr>
+              <a:t>	Workflow manager that oversees the execution of cost function evaluation. It submits cost function evaluation jobs to the 	cluster through </a:t>
+            </a:r>
+            <a:r>
+              <a:rPr lang="en-US" sz="1000" dirty="0" err="1" smtClean="0">
+                <a:solidFill>
+                  <a:srgbClr val="595959"/>
+                </a:solidFill>
+              </a:rPr>
+              <a:t>ssh</a:t>
+            </a:r>
+            <a:r>
+              <a:rPr lang="en-US" sz="1000" dirty="0">
+                <a:solidFill>
+                  <a:srgbClr val="595959"/>
+                </a:solidFill>
+              </a:rPr>
+              <a:t> </a:t>
+            </a:r>
+            <a:r>
+              <a:rPr lang="en-US" sz="1000" dirty="0" smtClean="0">
+                <a:solidFill>
+                  <a:srgbClr val="595959"/>
+                </a:solidFill>
+              </a:rPr>
+              <a:t>and polls the cluster for job completion. Once a cost function evaluation job is completed, it notifies Dakota 	that results are ready. Through the same notification process, the Cataloging Agent is notified that new simulation data is ready 	to be cataloged in ICAT. Before sending a job to the cluster, </a:t>
+            </a:r>
+            <a:r>
+              <a:rPr lang="en-US" sz="1000" dirty="0" err="1" smtClean="0">
+                <a:solidFill>
+                  <a:srgbClr val="595959"/>
+                </a:solidFill>
+              </a:rPr>
+              <a:t>Kepler</a:t>
+            </a:r>
+            <a:r>
+              <a:rPr lang="en-US" sz="1000" dirty="0" smtClean="0">
+                <a:solidFill>
+                  <a:srgbClr val="595959"/>
+                </a:solidFill>
+              </a:rPr>
+              <a:t> will query the ICAT server through its web service to check 	whether a similar simulation exists. If a similar simulation is available, the cost function evaluation job sent to the cluster will 	use that simulation data rather than performing a new one. See </a:t>
+            </a:r>
+            <a:r>
+              <a:rPr lang="en-US" sz="1000" dirty="0" err="1" smtClean="0">
+                <a:solidFill>
+                  <a:srgbClr val="595959"/>
+                </a:solidFill>
+              </a:rPr>
+              <a:t>Kepler</a:t>
+            </a:r>
+            <a:r>
+              <a:rPr lang="en-US" sz="1000" dirty="0" smtClean="0">
+                <a:solidFill>
+                  <a:srgbClr val="595959"/>
+                </a:solidFill>
+              </a:rPr>
+              <a:t> workflow overview for detail.</a:t>
+            </a:r>
+          </a:p>
+          <a:p>
+            <a:pPr marL="171450" indent="-171450">
+              <a:spcAft>
+                <a:spcPts val="500"/>
+              </a:spcAft>
+              <a:buFont typeface="Lucida Grande"/>
+              <a:buChar char="➞"/>
+            </a:pPr>
+            <a:r>
+              <a:rPr lang="en-US" sz="1000" dirty="0" smtClean="0">
+                <a:solidFill>
+                  <a:srgbClr val="595959"/>
+                </a:solidFill>
+              </a:rPr>
+              <a:t>Dakota: </a:t>
+            </a:r>
+          </a:p>
+          <a:p>
+            <a:pPr>
+              <a:spcAft>
+                <a:spcPts val="500"/>
+              </a:spcAft>
+            </a:pPr>
+            <a:r>
+              <a:rPr lang="en-US" sz="1000" dirty="0">
+                <a:solidFill>
+                  <a:srgbClr val="595959"/>
+                </a:solidFill>
+              </a:rPr>
+              <a:t>	</a:t>
+            </a:r>
+            <a:r>
+              <a:rPr lang="en-US" sz="1000" dirty="0" smtClean="0">
+                <a:solidFill>
+                  <a:srgbClr val="595959"/>
+                </a:solidFill>
+              </a:rPr>
+              <a:t>Performs minimization. </a:t>
+            </a:r>
+            <a:r>
+              <a:rPr lang="en-US" sz="1000" dirty="0">
+                <a:solidFill>
+                  <a:srgbClr val="595959"/>
+                </a:solidFill>
+              </a:rPr>
+              <a:t>G</a:t>
+            </a:r>
+            <a:r>
+              <a:rPr lang="en-US" sz="1000" dirty="0" smtClean="0">
+                <a:solidFill>
+                  <a:srgbClr val="595959"/>
+                </a:solidFill>
+              </a:rPr>
+              <a:t>ets the results of cost function evaluation through the </a:t>
+            </a:r>
+            <a:r>
+              <a:rPr lang="en-US" sz="1000" dirty="0" err="1" smtClean="0">
+                <a:solidFill>
+                  <a:srgbClr val="595959"/>
+                </a:solidFill>
+              </a:rPr>
+              <a:t>Kepler</a:t>
+            </a:r>
+            <a:r>
+              <a:rPr lang="en-US" sz="1000" dirty="0" smtClean="0">
+                <a:solidFill>
+                  <a:srgbClr val="595959"/>
+                </a:solidFill>
+              </a:rPr>
+              <a:t> workflow.</a:t>
+            </a:r>
+          </a:p>
+          <a:p>
+            <a:pPr marL="171450" indent="-171450">
+              <a:spcAft>
+                <a:spcPts val="500"/>
+              </a:spcAft>
+              <a:buFont typeface="Lucida Grande"/>
+              <a:buChar char="➞"/>
+            </a:pPr>
+            <a:r>
+              <a:rPr lang="en-US" sz="1000" dirty="0" smtClean="0">
+                <a:solidFill>
+                  <a:srgbClr val="595959"/>
+                </a:solidFill>
+              </a:rPr>
+              <a:t>Cataloging Agent: </a:t>
+            </a:r>
+          </a:p>
+          <a:p>
+            <a:pPr>
+              <a:spcAft>
+                <a:spcPts val="500"/>
+              </a:spcAft>
+            </a:pPr>
+            <a:r>
+              <a:rPr lang="en-US" sz="1000" dirty="0">
+                <a:solidFill>
+                  <a:srgbClr val="595959"/>
+                </a:solidFill>
+              </a:rPr>
+              <a:t>	</a:t>
+            </a:r>
+            <a:r>
+              <a:rPr lang="en-US" sz="1000" dirty="0" smtClean="0">
+                <a:solidFill>
+                  <a:srgbClr val="595959"/>
+                </a:solidFill>
+              </a:rPr>
+              <a:t>Catalogs new simulation output into ICAT.</a:t>
+            </a:r>
+          </a:p>
+          <a:p>
+            <a:pPr marL="171450" indent="-171450">
+              <a:spcAft>
+                <a:spcPts val="500"/>
+              </a:spcAft>
+              <a:buFont typeface="Lucida Grande"/>
+              <a:buChar char="➞"/>
+            </a:pPr>
+            <a:r>
+              <a:rPr lang="en-US" sz="1000" dirty="0" smtClean="0">
+                <a:solidFill>
+                  <a:srgbClr val="595959"/>
+                </a:solidFill>
+              </a:rPr>
+              <a:t>ICAT server: </a:t>
+            </a:r>
+          </a:p>
+          <a:p>
+            <a:pPr>
+              <a:spcAft>
+                <a:spcPts val="500"/>
+              </a:spcAft>
+            </a:pPr>
+            <a:r>
+              <a:rPr lang="en-US" sz="1000" dirty="0">
+                <a:solidFill>
+                  <a:srgbClr val="595959"/>
+                </a:solidFill>
+              </a:rPr>
+              <a:t>	</a:t>
+            </a:r>
+            <a:r>
+              <a:rPr lang="en-US" sz="1000" dirty="0" smtClean="0">
+                <a:solidFill>
+                  <a:srgbClr val="595959"/>
+                </a:solidFill>
+              </a:rPr>
+              <a:t>Provides a web service to query a database of experimental and simulation data.</a:t>
+            </a:r>
+          </a:p>
+          <a:p>
+            <a:pPr marL="171450" indent="-171450">
+              <a:spcAft>
+                <a:spcPts val="500"/>
+              </a:spcAft>
+              <a:buFont typeface="Lucida Grande"/>
+              <a:buChar char="➞"/>
+            </a:pPr>
+            <a:r>
+              <a:rPr lang="en-US" sz="1000" dirty="0" err="1" smtClean="0">
+                <a:solidFill>
+                  <a:srgbClr val="595959"/>
+                </a:solidFill>
+              </a:rPr>
+              <a:t>ActiveMQ</a:t>
+            </a:r>
+            <a:r>
+              <a:rPr lang="en-US" sz="1000" dirty="0" smtClean="0">
+                <a:solidFill>
+                  <a:srgbClr val="595959"/>
+                </a:solidFill>
+              </a:rPr>
+              <a:t>: </a:t>
+            </a:r>
+          </a:p>
+          <a:p>
+            <a:pPr lvl="1">
+              <a:spcAft>
+                <a:spcPts val="500"/>
+              </a:spcAft>
+            </a:pPr>
+            <a:r>
+              <a:rPr lang="en-US" sz="1000" dirty="0" smtClean="0">
+                <a:solidFill>
+                  <a:srgbClr val="595959"/>
+                </a:solidFill>
+              </a:rPr>
+              <a:t>Provides a messaging system between components.</a:t>
+            </a:r>
+          </a:p>
+        </p:txBody>
+      </p:sp>
+    </p:spTree>
+    <p:extLst>
+      <p:ext uri="{BB962C8B-B14F-4D97-AF65-F5344CB8AC3E}">
+        <p14:creationId xmlns:p14="http://schemas.microsoft.com/office/powerpoint/2010/main" val="3715388961"/>
+      </p:ext>
+    </p:extLst>
+  </p:cSld>
+  <p:clrMapOvr>
+    <a:masterClrMapping/>
+  </p:clrMapOvr>
+</p:sld>
+</file>
+
+<file path=ppt/slides/slide4.xml><?xml version="1.0" encoding="utf-8"?>
+<p:sld xmlns:a="http://schemas.openxmlformats.org/drawingml/2006/main" xmlns:r="http://schemas.openxmlformats.org/officeDocument/2006/relationships" xmlns:p="http://schemas.openxmlformats.org/presentationml/2006/main">
+  <p:cSld>
+    <p:spTree>
+      <p:nvGrpSpPr>
+        <p:cNvPr id="1" name=""/>
+        <p:cNvGrpSpPr/>
+        <p:nvPr/>
+      </p:nvGrpSpPr>
+      <p:grpSpPr>
+        <a:xfrm>
+          <a:off x="0" y="0"/>
+          <a:ext cx="0" cy="0"/>
+          <a:chOff x="0" y="0"/>
+          <a:chExt cx="0" cy="0"/>
+        </a:xfrm>
+      </p:grpSpPr>
+      <p:sp>
+        <p:nvSpPr>
           <p:cNvPr id="49" name="TextBox 48"/>
           <p:cNvSpPr txBox="1"/>
           <p:nvPr/>
@@ -7497,6 +9470,2398 @@
     <p:extLst>
       <p:ext uri="{BB962C8B-B14F-4D97-AF65-F5344CB8AC3E}">
         <p14:creationId xmlns:p14="http://schemas.microsoft.com/office/powerpoint/2010/main" val="558581394"/>
+      </p:ext>
+    </p:extLst>
+  </p:cSld>
+  <p:clrMapOvr>
+    <a:masterClrMapping/>
+  </p:clrMapOvr>
+</p:sld>
+</file>
+
+<file path=ppt/slides/slide5.xml><?xml version="1.0" encoding="utf-8"?>
+<p:sld xmlns:a="http://schemas.openxmlformats.org/drawingml/2006/main" xmlns:r="http://schemas.openxmlformats.org/officeDocument/2006/relationships" xmlns:p="http://schemas.openxmlformats.org/presentationml/2006/main">
+  <p:cSld>
+    <p:spTree>
+      <p:nvGrpSpPr>
+        <p:cNvPr id="1" name=""/>
+        <p:cNvGrpSpPr/>
+        <p:nvPr/>
+      </p:nvGrpSpPr>
+      <p:grpSpPr>
+        <a:xfrm>
+          <a:off x="0" y="0"/>
+          <a:ext cx="0" cy="0"/>
+          <a:chOff x="0" y="0"/>
+          <a:chExt cx="0" cy="0"/>
+        </a:xfrm>
+      </p:grpSpPr>
+      <p:sp>
+        <p:nvSpPr>
+          <p:cNvPr id="49" name="TextBox 48"/>
+          <p:cNvSpPr txBox="1"/>
+          <p:nvPr/>
+        </p:nvSpPr>
+        <p:spPr>
+          <a:xfrm>
+            <a:off x="159574" y="107633"/>
+            <a:ext cx="2243773" cy="400110"/>
+          </a:xfrm>
+          <a:prstGeom prst="rect">
+            <a:avLst/>
+          </a:prstGeom>
+          <a:noFill/>
+        </p:spPr>
+        <p:txBody>
+          <a:bodyPr wrap="none" rtlCol="0">
+            <a:spAutoFit/>
+          </a:bodyPr>
+          <a:lstStyle/>
+          <a:p>
+            <a:r>
+              <a:rPr lang="en-US" sz="2000" dirty="0" smtClean="0">
+                <a:solidFill>
+                  <a:srgbClr val="595959"/>
+                </a:solidFill>
+              </a:rPr>
+              <a:t>Remote Submission</a:t>
+            </a:r>
+            <a:endParaRPr lang="en-US" sz="2000" dirty="0">
+              <a:solidFill>
+                <a:srgbClr val="595959"/>
+              </a:solidFill>
+            </a:endParaRPr>
+          </a:p>
+        </p:txBody>
+      </p:sp>
+      <p:cxnSp>
+        <p:nvCxnSpPr>
+          <p:cNvPr id="55" name="Straight Arrow Connector 54"/>
+          <p:cNvCxnSpPr/>
+          <p:nvPr/>
+        </p:nvCxnSpPr>
+        <p:spPr>
+          <a:xfrm>
+            <a:off x="1888239" y="2223283"/>
+            <a:ext cx="1323" cy="1019251"/>
+          </a:xfrm>
+          <a:prstGeom prst="straightConnector1">
+            <a:avLst/>
+          </a:prstGeom>
+          <a:ln>
+            <a:solidFill>
+              <a:srgbClr val="7F7F7F"/>
+            </a:solidFill>
+            <a:tailEnd type="arrow"/>
+          </a:ln>
+          <a:effectLst/>
+        </p:spPr>
+        <p:style>
+          <a:lnRef idx="2">
+            <a:schemeClr val="accent1"/>
+          </a:lnRef>
+          <a:fillRef idx="0">
+            <a:schemeClr val="accent1"/>
+          </a:fillRef>
+          <a:effectRef idx="1">
+            <a:schemeClr val="accent1"/>
+          </a:effectRef>
+          <a:fontRef idx="minor">
+            <a:schemeClr val="tx1"/>
+          </a:fontRef>
+        </p:style>
+      </p:cxnSp>
+      <p:sp>
+        <p:nvSpPr>
+          <p:cNvPr id="117" name="TextBox 116"/>
+          <p:cNvSpPr txBox="1"/>
+          <p:nvPr/>
+        </p:nvSpPr>
+        <p:spPr>
+          <a:xfrm>
+            <a:off x="4878021" y="2994066"/>
+            <a:ext cx="1287532" cy="246221"/>
+          </a:xfrm>
+          <a:prstGeom prst="rect">
+            <a:avLst/>
+          </a:prstGeom>
+          <a:noFill/>
+        </p:spPr>
+        <p:txBody>
+          <a:bodyPr wrap="none" rtlCol="0">
+            <a:spAutoFit/>
+          </a:bodyPr>
+          <a:lstStyle/>
+          <a:p>
+            <a:pPr algn="r"/>
+            <a:r>
+              <a:rPr lang="en-US" sz="1000" dirty="0" smtClean="0">
+                <a:solidFill>
+                  <a:schemeClr val="accent1"/>
+                </a:solidFill>
+              </a:rPr>
+              <a:t>Analysis service layer</a:t>
+            </a:r>
+            <a:endParaRPr lang="en-US" sz="1000" dirty="0">
+              <a:solidFill>
+                <a:schemeClr val="accent1"/>
+              </a:solidFill>
+            </a:endParaRPr>
+          </a:p>
+        </p:txBody>
+      </p:sp>
+      <p:sp>
+        <p:nvSpPr>
+          <p:cNvPr id="118" name="Rounded Rectangle 117"/>
+          <p:cNvSpPr/>
+          <p:nvPr/>
+        </p:nvSpPr>
+        <p:spPr>
+          <a:xfrm>
+            <a:off x="3798838" y="868871"/>
+            <a:ext cx="1189093" cy="409004"/>
+          </a:xfrm>
+          <a:prstGeom prst="roundRect">
+            <a:avLst/>
+          </a:prstGeom>
+          <a:solidFill>
+            <a:schemeClr val="bg1"/>
+          </a:solidFill>
+          <a:ln>
+            <a:solidFill>
+              <a:schemeClr val="tx1">
+                <a:lumMod val="50000"/>
+                <a:lumOff val="50000"/>
+              </a:schemeClr>
+            </a:solidFill>
+          </a:ln>
+          <a:effectLst/>
+        </p:spPr>
+        <p:style>
+          <a:lnRef idx="1">
+            <a:schemeClr val="accent1"/>
+          </a:lnRef>
+          <a:fillRef idx="3">
+            <a:schemeClr val="accent1"/>
+          </a:fillRef>
+          <a:effectRef idx="2">
+            <a:schemeClr val="accent1"/>
+          </a:effectRef>
+          <a:fontRef idx="minor">
+            <a:schemeClr val="lt1"/>
+          </a:fontRef>
+        </p:style>
+        <p:txBody>
+          <a:bodyPr rtlCol="0" anchor="ctr"/>
+          <a:lstStyle/>
+          <a:p>
+            <a:pPr algn="ctr"/>
+            <a:r>
+              <a:rPr lang="en-US" sz="1100" dirty="0" smtClean="0">
+                <a:solidFill>
+                  <a:schemeClr val="tx1">
+                    <a:lumMod val="65000"/>
+                    <a:lumOff val="35000"/>
+                  </a:schemeClr>
+                </a:solidFill>
+              </a:rPr>
+              <a:t>Remote client</a:t>
+            </a:r>
+            <a:endParaRPr lang="en-US" sz="1100" dirty="0">
+              <a:solidFill>
+                <a:schemeClr val="tx1">
+                  <a:lumMod val="65000"/>
+                  <a:lumOff val="35000"/>
+                </a:schemeClr>
+              </a:solidFill>
+            </a:endParaRPr>
+          </a:p>
+        </p:txBody>
+      </p:sp>
+      <p:sp>
+        <p:nvSpPr>
+          <p:cNvPr id="35" name="Rounded Rectangle 34"/>
+          <p:cNvSpPr/>
+          <p:nvPr/>
+        </p:nvSpPr>
+        <p:spPr>
+          <a:xfrm>
+            <a:off x="1724544" y="1814279"/>
+            <a:ext cx="3263386" cy="409004"/>
+          </a:xfrm>
+          <a:prstGeom prst="roundRect">
+            <a:avLst/>
+          </a:prstGeom>
+          <a:solidFill>
+            <a:schemeClr val="bg1"/>
+          </a:solidFill>
+          <a:ln>
+            <a:solidFill>
+              <a:schemeClr val="tx1">
+                <a:lumMod val="50000"/>
+                <a:lumOff val="50000"/>
+              </a:schemeClr>
+            </a:solidFill>
+          </a:ln>
+          <a:effectLst/>
+        </p:spPr>
+        <p:style>
+          <a:lnRef idx="1">
+            <a:schemeClr val="accent1"/>
+          </a:lnRef>
+          <a:fillRef idx="3">
+            <a:schemeClr val="accent1"/>
+          </a:fillRef>
+          <a:effectRef idx="2">
+            <a:schemeClr val="accent1"/>
+          </a:effectRef>
+          <a:fontRef idx="minor">
+            <a:schemeClr val="lt1"/>
+          </a:fontRef>
+        </p:style>
+        <p:txBody>
+          <a:bodyPr rtlCol="0" anchor="ctr"/>
+          <a:lstStyle/>
+          <a:p>
+            <a:pPr algn="ctr"/>
+            <a:r>
+              <a:rPr lang="en-US" sz="1100" dirty="0" smtClean="0">
+                <a:solidFill>
+                  <a:schemeClr val="tx1">
+                    <a:lumMod val="65000"/>
+                    <a:lumOff val="35000"/>
+                  </a:schemeClr>
+                </a:solidFill>
+              </a:rPr>
+              <a:t>Submission service</a:t>
+            </a:r>
+            <a:endParaRPr lang="en-US" sz="1100" dirty="0">
+              <a:solidFill>
+                <a:schemeClr val="tx1">
+                  <a:lumMod val="65000"/>
+                  <a:lumOff val="35000"/>
+                </a:schemeClr>
+              </a:solidFill>
+            </a:endParaRPr>
+          </a:p>
+        </p:txBody>
+      </p:sp>
+      <p:sp>
+        <p:nvSpPr>
+          <p:cNvPr id="36" name="Rounded Rectangle 35"/>
+          <p:cNvSpPr/>
+          <p:nvPr/>
+        </p:nvSpPr>
+        <p:spPr>
+          <a:xfrm>
+            <a:off x="1762337" y="873862"/>
+            <a:ext cx="1189093" cy="409004"/>
+          </a:xfrm>
+          <a:prstGeom prst="roundRect">
+            <a:avLst/>
+          </a:prstGeom>
+          <a:solidFill>
+            <a:schemeClr val="bg1"/>
+          </a:solidFill>
+          <a:ln>
+            <a:solidFill>
+              <a:schemeClr val="tx1">
+                <a:lumMod val="50000"/>
+                <a:lumOff val="50000"/>
+              </a:schemeClr>
+            </a:solidFill>
+          </a:ln>
+          <a:effectLst/>
+        </p:spPr>
+        <p:style>
+          <a:lnRef idx="1">
+            <a:schemeClr val="accent1"/>
+          </a:lnRef>
+          <a:fillRef idx="3">
+            <a:schemeClr val="accent1"/>
+          </a:fillRef>
+          <a:effectRef idx="2">
+            <a:schemeClr val="accent1"/>
+          </a:effectRef>
+          <a:fontRef idx="minor">
+            <a:schemeClr val="lt1"/>
+          </a:fontRef>
+        </p:style>
+        <p:txBody>
+          <a:bodyPr rtlCol="0" anchor="ctr"/>
+          <a:lstStyle/>
+          <a:p>
+            <a:pPr algn="ctr"/>
+            <a:r>
+              <a:rPr lang="en-US" sz="1100" dirty="0" smtClean="0">
+                <a:solidFill>
+                  <a:schemeClr val="tx1">
+                    <a:lumMod val="65000"/>
+                    <a:lumOff val="35000"/>
+                  </a:schemeClr>
+                </a:solidFill>
+              </a:rPr>
+              <a:t>Local client</a:t>
+            </a:r>
+            <a:endParaRPr lang="en-US" sz="1100" dirty="0">
+              <a:solidFill>
+                <a:schemeClr val="tx1">
+                  <a:lumMod val="65000"/>
+                  <a:lumOff val="35000"/>
+                </a:schemeClr>
+              </a:solidFill>
+            </a:endParaRPr>
+          </a:p>
+        </p:txBody>
+      </p:sp>
+      <p:sp>
+        <p:nvSpPr>
+          <p:cNvPr id="41" name="Rounded Rectangle 40"/>
+          <p:cNvSpPr/>
+          <p:nvPr/>
+        </p:nvSpPr>
+        <p:spPr>
+          <a:xfrm>
+            <a:off x="1109460" y="3349871"/>
+            <a:ext cx="1189093" cy="409004"/>
+          </a:xfrm>
+          <a:prstGeom prst="roundRect">
+            <a:avLst/>
+          </a:prstGeom>
+          <a:solidFill>
+            <a:schemeClr val="bg1"/>
+          </a:solidFill>
+          <a:ln>
+            <a:solidFill>
+              <a:schemeClr val="tx1">
+                <a:lumMod val="50000"/>
+                <a:lumOff val="50000"/>
+              </a:schemeClr>
+            </a:solidFill>
+          </a:ln>
+          <a:effectLst/>
+        </p:spPr>
+        <p:style>
+          <a:lnRef idx="1">
+            <a:schemeClr val="accent1"/>
+          </a:lnRef>
+          <a:fillRef idx="3">
+            <a:schemeClr val="accent1"/>
+          </a:fillRef>
+          <a:effectRef idx="2">
+            <a:schemeClr val="accent1"/>
+          </a:effectRef>
+          <a:fontRef idx="minor">
+            <a:schemeClr val="lt1"/>
+          </a:fontRef>
+        </p:style>
+        <p:txBody>
+          <a:bodyPr rtlCol="0" anchor="ctr"/>
+          <a:lstStyle/>
+          <a:p>
+            <a:pPr algn="ctr"/>
+            <a:r>
+              <a:rPr lang="en-US" sz="1100" dirty="0" smtClean="0">
+                <a:solidFill>
+                  <a:schemeClr val="tx1">
+                    <a:lumMod val="65000"/>
+                    <a:lumOff val="35000"/>
+                  </a:schemeClr>
+                </a:solidFill>
+              </a:rPr>
+              <a:t>Dakota</a:t>
+            </a:r>
+          </a:p>
+          <a:p>
+            <a:pPr algn="ctr"/>
+            <a:r>
+              <a:rPr lang="en-US" sz="1100" dirty="0" smtClean="0">
+                <a:solidFill>
+                  <a:schemeClr val="tx1">
+                    <a:lumMod val="65000"/>
+                    <a:lumOff val="35000"/>
+                  </a:schemeClr>
+                </a:solidFill>
+              </a:rPr>
+              <a:t>agent</a:t>
+            </a:r>
+            <a:endParaRPr lang="en-US" sz="1100" dirty="0">
+              <a:solidFill>
+                <a:schemeClr val="tx1">
+                  <a:lumMod val="65000"/>
+                  <a:lumOff val="35000"/>
+                </a:schemeClr>
+              </a:solidFill>
+            </a:endParaRPr>
+          </a:p>
+        </p:txBody>
+      </p:sp>
+      <p:sp>
+        <p:nvSpPr>
+          <p:cNvPr id="42" name="Rounded Rectangle 41"/>
+          <p:cNvSpPr/>
+          <p:nvPr/>
+        </p:nvSpPr>
+        <p:spPr>
+          <a:xfrm>
+            <a:off x="2913638" y="3357784"/>
+            <a:ext cx="1189093" cy="409004"/>
+          </a:xfrm>
+          <a:prstGeom prst="roundRect">
+            <a:avLst/>
+          </a:prstGeom>
+          <a:solidFill>
+            <a:schemeClr val="bg1"/>
+          </a:solidFill>
+          <a:ln>
+            <a:solidFill>
+              <a:schemeClr val="tx1">
+                <a:lumMod val="50000"/>
+                <a:lumOff val="50000"/>
+              </a:schemeClr>
+            </a:solidFill>
+          </a:ln>
+          <a:effectLst/>
+        </p:spPr>
+        <p:style>
+          <a:lnRef idx="1">
+            <a:schemeClr val="accent1"/>
+          </a:lnRef>
+          <a:fillRef idx="3">
+            <a:schemeClr val="accent1"/>
+          </a:fillRef>
+          <a:effectRef idx="2">
+            <a:schemeClr val="accent1"/>
+          </a:effectRef>
+          <a:fontRef idx="minor">
+            <a:schemeClr val="lt1"/>
+          </a:fontRef>
+        </p:style>
+        <p:txBody>
+          <a:bodyPr rtlCol="0" anchor="ctr"/>
+          <a:lstStyle/>
+          <a:p>
+            <a:pPr algn="ctr"/>
+            <a:r>
+              <a:rPr lang="en-US" sz="1100" dirty="0" smtClean="0">
+                <a:solidFill>
+                  <a:schemeClr val="tx1">
+                    <a:lumMod val="65000"/>
+                    <a:lumOff val="35000"/>
+                  </a:schemeClr>
+                </a:solidFill>
+              </a:rPr>
+              <a:t>SANS fitting</a:t>
+            </a:r>
+          </a:p>
+          <a:p>
+            <a:pPr algn="ctr"/>
+            <a:r>
+              <a:rPr lang="en-US" sz="1100" dirty="0" smtClean="0">
+                <a:solidFill>
+                  <a:schemeClr val="tx1">
+                    <a:lumMod val="65000"/>
+                    <a:lumOff val="35000"/>
+                  </a:schemeClr>
+                </a:solidFill>
+              </a:rPr>
+              <a:t>agent</a:t>
+            </a:r>
+            <a:endParaRPr lang="en-US" sz="1100" dirty="0">
+              <a:solidFill>
+                <a:schemeClr val="tx1">
+                  <a:lumMod val="65000"/>
+                  <a:lumOff val="35000"/>
+                </a:schemeClr>
+              </a:solidFill>
+            </a:endParaRPr>
+          </a:p>
+        </p:txBody>
+      </p:sp>
+      <p:cxnSp>
+        <p:nvCxnSpPr>
+          <p:cNvPr id="43" name="Straight Arrow Connector 42"/>
+          <p:cNvCxnSpPr>
+            <a:stCxn id="118" idx="2"/>
+          </p:cNvCxnSpPr>
+          <p:nvPr/>
+        </p:nvCxnSpPr>
+        <p:spPr>
+          <a:xfrm>
+            <a:off x="4393385" y="1277875"/>
+            <a:ext cx="0" cy="558989"/>
+          </a:xfrm>
+          <a:prstGeom prst="straightConnector1">
+            <a:avLst/>
+          </a:prstGeom>
+          <a:ln>
+            <a:solidFill>
+              <a:srgbClr val="7F7F7F"/>
+            </a:solidFill>
+            <a:prstDash val="dash"/>
+            <a:headEnd type="arrow"/>
+            <a:tailEnd type="arrow"/>
+          </a:ln>
+          <a:effectLst/>
+        </p:spPr>
+        <p:style>
+          <a:lnRef idx="2">
+            <a:schemeClr val="accent1"/>
+          </a:lnRef>
+          <a:fillRef idx="0">
+            <a:schemeClr val="accent1"/>
+          </a:fillRef>
+          <a:effectRef idx="1">
+            <a:schemeClr val="accent1"/>
+          </a:effectRef>
+          <a:fontRef idx="minor">
+            <a:schemeClr val="tx1"/>
+          </a:fontRef>
+        </p:style>
+      </p:cxnSp>
+      <p:sp>
+        <p:nvSpPr>
+          <p:cNvPr id="51" name="Rounded Rectangle 50"/>
+          <p:cNvSpPr/>
+          <p:nvPr/>
+        </p:nvSpPr>
+        <p:spPr>
+          <a:xfrm>
+            <a:off x="2913638" y="4658410"/>
+            <a:ext cx="1189093" cy="409004"/>
+          </a:xfrm>
+          <a:prstGeom prst="roundRect">
+            <a:avLst/>
+          </a:prstGeom>
+          <a:solidFill>
+            <a:schemeClr val="bg1"/>
+          </a:solidFill>
+          <a:ln>
+            <a:solidFill>
+              <a:schemeClr val="tx1">
+                <a:lumMod val="50000"/>
+                <a:lumOff val="50000"/>
+              </a:schemeClr>
+            </a:solidFill>
+          </a:ln>
+          <a:effectLst/>
+        </p:spPr>
+        <p:style>
+          <a:lnRef idx="1">
+            <a:schemeClr val="accent1"/>
+          </a:lnRef>
+          <a:fillRef idx="3">
+            <a:schemeClr val="accent1"/>
+          </a:fillRef>
+          <a:effectRef idx="2">
+            <a:schemeClr val="accent1"/>
+          </a:effectRef>
+          <a:fontRef idx="minor">
+            <a:schemeClr val="lt1"/>
+          </a:fontRef>
+        </p:style>
+        <p:txBody>
+          <a:bodyPr rtlCol="0" anchor="ctr"/>
+          <a:lstStyle/>
+          <a:p>
+            <a:pPr algn="ctr"/>
+            <a:r>
+              <a:rPr lang="en-US" sz="1100" dirty="0" smtClean="0">
+                <a:solidFill>
+                  <a:schemeClr val="tx1">
+                    <a:lumMod val="65000"/>
+                    <a:lumOff val="35000"/>
+                  </a:schemeClr>
+                </a:solidFill>
+              </a:rPr>
+              <a:t>SANS fitting workflow</a:t>
+            </a:r>
+            <a:endParaRPr lang="en-US" sz="1100" dirty="0">
+              <a:solidFill>
+                <a:schemeClr val="tx1">
+                  <a:lumMod val="65000"/>
+                  <a:lumOff val="35000"/>
+                </a:schemeClr>
+              </a:solidFill>
+            </a:endParaRPr>
+          </a:p>
+        </p:txBody>
+      </p:sp>
+      <p:sp>
+        <p:nvSpPr>
+          <p:cNvPr id="52" name="Rounded Rectangle 51"/>
+          <p:cNvSpPr/>
+          <p:nvPr/>
+        </p:nvSpPr>
+        <p:spPr>
+          <a:xfrm>
+            <a:off x="4717816" y="3364664"/>
+            <a:ext cx="1189093" cy="409004"/>
+          </a:xfrm>
+          <a:prstGeom prst="roundRect">
+            <a:avLst/>
+          </a:prstGeom>
+          <a:solidFill>
+            <a:schemeClr val="bg1"/>
+          </a:solidFill>
+          <a:ln>
+            <a:solidFill>
+              <a:schemeClr val="tx1">
+                <a:lumMod val="50000"/>
+                <a:lumOff val="50000"/>
+              </a:schemeClr>
+            </a:solidFill>
+          </a:ln>
+          <a:effectLst/>
+        </p:spPr>
+        <p:style>
+          <a:lnRef idx="1">
+            <a:schemeClr val="accent1"/>
+          </a:lnRef>
+          <a:fillRef idx="3">
+            <a:schemeClr val="accent1"/>
+          </a:fillRef>
+          <a:effectRef idx="2">
+            <a:schemeClr val="accent1"/>
+          </a:effectRef>
+          <a:fontRef idx="minor">
+            <a:schemeClr val="lt1"/>
+          </a:fontRef>
+        </p:style>
+        <p:txBody>
+          <a:bodyPr rtlCol="0" anchor="ctr"/>
+          <a:lstStyle/>
+          <a:p>
+            <a:pPr algn="ctr"/>
+            <a:r>
+              <a:rPr lang="en-US" sz="1100" dirty="0" smtClean="0">
+                <a:solidFill>
+                  <a:schemeClr val="tx1">
+                    <a:lumMod val="65000"/>
+                    <a:lumOff val="35000"/>
+                  </a:schemeClr>
+                </a:solidFill>
+              </a:rPr>
+              <a:t>Other analysis</a:t>
+            </a:r>
+          </a:p>
+          <a:p>
+            <a:pPr algn="ctr"/>
+            <a:r>
+              <a:rPr lang="en-US" sz="1100" dirty="0" smtClean="0">
+                <a:solidFill>
+                  <a:schemeClr val="tx1">
+                    <a:lumMod val="65000"/>
+                    <a:lumOff val="35000"/>
+                  </a:schemeClr>
+                </a:solidFill>
+              </a:rPr>
+              <a:t>agent</a:t>
+            </a:r>
+            <a:endParaRPr lang="en-US" sz="1100" dirty="0">
+              <a:solidFill>
+                <a:schemeClr val="tx1">
+                  <a:lumMod val="65000"/>
+                  <a:lumOff val="35000"/>
+                </a:schemeClr>
+              </a:solidFill>
+            </a:endParaRPr>
+          </a:p>
+        </p:txBody>
+      </p:sp>
+      <p:sp>
+        <p:nvSpPr>
+          <p:cNvPr id="56" name="Rounded Rectangle 55"/>
+          <p:cNvSpPr/>
+          <p:nvPr/>
+        </p:nvSpPr>
+        <p:spPr>
+          <a:xfrm>
+            <a:off x="842164" y="3242534"/>
+            <a:ext cx="5323389" cy="631445"/>
+          </a:xfrm>
+          <a:prstGeom prst="roundRect">
+            <a:avLst>
+              <a:gd name="adj" fmla="val 7671"/>
+            </a:avLst>
+          </a:prstGeom>
+          <a:noFill/>
+          <a:ln>
+            <a:solidFill>
+              <a:schemeClr val="accent1"/>
+            </a:solidFill>
+            <a:prstDash val="sysDash"/>
+          </a:ln>
+          <a:effectLst/>
+        </p:spPr>
+        <p:style>
+          <a:lnRef idx="1">
+            <a:schemeClr val="accent1"/>
+          </a:lnRef>
+          <a:fillRef idx="3">
+            <a:schemeClr val="accent1"/>
+          </a:fillRef>
+          <a:effectRef idx="2">
+            <a:schemeClr val="accent1"/>
+          </a:effectRef>
+          <a:fontRef idx="minor">
+            <a:schemeClr val="lt1"/>
+          </a:fontRef>
+        </p:style>
+        <p:txBody>
+          <a:bodyPr rtlCol="0" anchor="ctr"/>
+          <a:lstStyle/>
+          <a:p>
+            <a:pPr algn="ctr"/>
+            <a:endParaRPr lang="en-US" sz="1100" dirty="0">
+              <a:solidFill>
+                <a:schemeClr val="tx1">
+                  <a:lumMod val="65000"/>
+                  <a:lumOff val="35000"/>
+                </a:schemeClr>
+              </a:solidFill>
+            </a:endParaRPr>
+          </a:p>
+        </p:txBody>
+      </p:sp>
+      <p:sp>
+        <p:nvSpPr>
+          <p:cNvPr id="62" name="Rounded Rectangle 61"/>
+          <p:cNvSpPr/>
+          <p:nvPr/>
+        </p:nvSpPr>
+        <p:spPr>
+          <a:xfrm>
+            <a:off x="1109460" y="4658410"/>
+            <a:ext cx="1189093" cy="409004"/>
+          </a:xfrm>
+          <a:prstGeom prst="roundRect">
+            <a:avLst/>
+          </a:prstGeom>
+          <a:solidFill>
+            <a:schemeClr val="bg1"/>
+          </a:solidFill>
+          <a:ln>
+            <a:solidFill>
+              <a:schemeClr val="tx1">
+                <a:lumMod val="50000"/>
+                <a:lumOff val="50000"/>
+              </a:schemeClr>
+            </a:solidFill>
+          </a:ln>
+          <a:effectLst/>
+        </p:spPr>
+        <p:style>
+          <a:lnRef idx="1">
+            <a:schemeClr val="accent1"/>
+          </a:lnRef>
+          <a:fillRef idx="3">
+            <a:schemeClr val="accent1"/>
+          </a:fillRef>
+          <a:effectRef idx="2">
+            <a:schemeClr val="accent1"/>
+          </a:effectRef>
+          <a:fontRef idx="minor">
+            <a:schemeClr val="lt1"/>
+          </a:fontRef>
+        </p:style>
+        <p:txBody>
+          <a:bodyPr rtlCol="0" anchor="ctr"/>
+          <a:lstStyle/>
+          <a:p>
+            <a:pPr algn="ctr"/>
+            <a:r>
+              <a:rPr lang="en-US" sz="1100" dirty="0" smtClean="0">
+                <a:solidFill>
+                  <a:schemeClr val="tx1">
+                    <a:lumMod val="65000"/>
+                    <a:lumOff val="35000"/>
+                  </a:schemeClr>
+                </a:solidFill>
+              </a:rPr>
+              <a:t>Dakota workflow</a:t>
+            </a:r>
+            <a:endParaRPr lang="en-US" sz="1100" dirty="0">
+              <a:solidFill>
+                <a:schemeClr val="tx1">
+                  <a:lumMod val="65000"/>
+                  <a:lumOff val="35000"/>
+                </a:schemeClr>
+              </a:solidFill>
+            </a:endParaRPr>
+          </a:p>
+        </p:txBody>
+      </p:sp>
+      <p:sp>
+        <p:nvSpPr>
+          <p:cNvPr id="63" name="Rounded Rectangle 62"/>
+          <p:cNvSpPr/>
+          <p:nvPr/>
+        </p:nvSpPr>
+        <p:spPr>
+          <a:xfrm>
+            <a:off x="4717816" y="4658410"/>
+            <a:ext cx="1189093" cy="409004"/>
+          </a:xfrm>
+          <a:prstGeom prst="roundRect">
+            <a:avLst/>
+          </a:prstGeom>
+          <a:solidFill>
+            <a:schemeClr val="bg1"/>
+          </a:solidFill>
+          <a:ln>
+            <a:solidFill>
+              <a:schemeClr val="tx1">
+                <a:lumMod val="50000"/>
+                <a:lumOff val="50000"/>
+              </a:schemeClr>
+            </a:solidFill>
+          </a:ln>
+          <a:effectLst/>
+        </p:spPr>
+        <p:style>
+          <a:lnRef idx="1">
+            <a:schemeClr val="accent1"/>
+          </a:lnRef>
+          <a:fillRef idx="3">
+            <a:schemeClr val="accent1"/>
+          </a:fillRef>
+          <a:effectRef idx="2">
+            <a:schemeClr val="accent1"/>
+          </a:effectRef>
+          <a:fontRef idx="minor">
+            <a:schemeClr val="lt1"/>
+          </a:fontRef>
+        </p:style>
+        <p:txBody>
+          <a:bodyPr rtlCol="0" anchor="ctr"/>
+          <a:lstStyle/>
+          <a:p>
+            <a:pPr algn="ctr"/>
+            <a:r>
+              <a:rPr lang="en-US" sz="1100" dirty="0" smtClean="0">
+                <a:solidFill>
+                  <a:schemeClr val="tx1">
+                    <a:lumMod val="65000"/>
+                    <a:lumOff val="35000"/>
+                  </a:schemeClr>
+                </a:solidFill>
+              </a:rPr>
+              <a:t>Other analysis workflow</a:t>
+            </a:r>
+            <a:endParaRPr lang="en-US" sz="1100" dirty="0">
+              <a:solidFill>
+                <a:schemeClr val="tx1">
+                  <a:lumMod val="65000"/>
+                  <a:lumOff val="35000"/>
+                </a:schemeClr>
+              </a:solidFill>
+            </a:endParaRPr>
+          </a:p>
+        </p:txBody>
+      </p:sp>
+      <p:sp>
+        <p:nvSpPr>
+          <p:cNvPr id="65" name="Rounded Rectangle 64"/>
+          <p:cNvSpPr/>
+          <p:nvPr/>
+        </p:nvSpPr>
+        <p:spPr>
+          <a:xfrm>
+            <a:off x="842164" y="4543036"/>
+            <a:ext cx="5323389" cy="636887"/>
+          </a:xfrm>
+          <a:prstGeom prst="roundRect">
+            <a:avLst>
+              <a:gd name="adj" fmla="val 7671"/>
+            </a:avLst>
+          </a:prstGeom>
+          <a:noFill/>
+          <a:ln>
+            <a:solidFill>
+              <a:schemeClr val="accent1"/>
+            </a:solidFill>
+            <a:prstDash val="sysDash"/>
+          </a:ln>
+          <a:effectLst/>
+        </p:spPr>
+        <p:style>
+          <a:lnRef idx="1">
+            <a:schemeClr val="accent1"/>
+          </a:lnRef>
+          <a:fillRef idx="3">
+            <a:schemeClr val="accent1"/>
+          </a:fillRef>
+          <a:effectRef idx="2">
+            <a:schemeClr val="accent1"/>
+          </a:effectRef>
+          <a:fontRef idx="minor">
+            <a:schemeClr val="lt1"/>
+          </a:fontRef>
+        </p:style>
+        <p:txBody>
+          <a:bodyPr rtlCol="0" anchor="ctr"/>
+          <a:lstStyle/>
+          <a:p>
+            <a:pPr algn="ctr"/>
+            <a:endParaRPr lang="en-US" sz="1100" dirty="0">
+              <a:solidFill>
+                <a:schemeClr val="tx1">
+                  <a:lumMod val="65000"/>
+                  <a:lumOff val="35000"/>
+                </a:schemeClr>
+              </a:solidFill>
+            </a:endParaRPr>
+          </a:p>
+        </p:txBody>
+      </p:sp>
+      <p:sp>
+        <p:nvSpPr>
+          <p:cNvPr id="67" name="TextBox 66"/>
+          <p:cNvSpPr txBox="1"/>
+          <p:nvPr/>
+        </p:nvSpPr>
+        <p:spPr>
+          <a:xfrm>
+            <a:off x="4839549" y="5206110"/>
+            <a:ext cx="1326004" cy="246221"/>
+          </a:xfrm>
+          <a:prstGeom prst="rect">
+            <a:avLst/>
+          </a:prstGeom>
+          <a:noFill/>
+        </p:spPr>
+        <p:txBody>
+          <a:bodyPr wrap="none" rtlCol="0">
+            <a:spAutoFit/>
+          </a:bodyPr>
+          <a:lstStyle/>
+          <a:p>
+            <a:pPr algn="r"/>
+            <a:r>
+              <a:rPr lang="en-US" sz="1000" dirty="0" err="1" smtClean="0">
+                <a:solidFill>
+                  <a:schemeClr val="accent1"/>
+                </a:solidFill>
+              </a:rPr>
+              <a:t>Kepler</a:t>
+            </a:r>
+            <a:r>
+              <a:rPr lang="en-US" sz="1000" dirty="0" smtClean="0">
+                <a:solidFill>
+                  <a:schemeClr val="accent1"/>
+                </a:solidFill>
+              </a:rPr>
+              <a:t> workflow layer</a:t>
+            </a:r>
+            <a:endParaRPr lang="en-US" sz="1000" dirty="0">
+              <a:solidFill>
+                <a:schemeClr val="accent1"/>
+              </a:solidFill>
+            </a:endParaRPr>
+          </a:p>
+        </p:txBody>
+      </p:sp>
+      <p:grpSp>
+        <p:nvGrpSpPr>
+          <p:cNvPr id="37" name="Group 36"/>
+          <p:cNvGrpSpPr/>
+          <p:nvPr/>
+        </p:nvGrpSpPr>
+        <p:grpSpPr>
+          <a:xfrm>
+            <a:off x="1188962" y="3758875"/>
+            <a:ext cx="184666" cy="899535"/>
+            <a:chOff x="1893946" y="3221511"/>
+            <a:chExt cx="184666" cy="899535"/>
+          </a:xfrm>
+        </p:grpSpPr>
+        <p:cxnSp>
+          <p:nvCxnSpPr>
+            <p:cNvPr id="60" name="Straight Arrow Connector 59"/>
+            <p:cNvCxnSpPr/>
+            <p:nvPr/>
+          </p:nvCxnSpPr>
+          <p:spPr>
+            <a:xfrm>
+              <a:off x="2078611" y="3221511"/>
+              <a:ext cx="0" cy="899535"/>
+            </a:xfrm>
+            <a:prstGeom prst="straightConnector1">
+              <a:avLst/>
+            </a:prstGeom>
+            <a:ln>
+              <a:solidFill>
+                <a:srgbClr val="7F7F7F"/>
+              </a:solidFill>
+              <a:tailEnd type="arrow"/>
+            </a:ln>
+            <a:effectLst/>
+          </p:spPr>
+          <p:style>
+            <a:lnRef idx="2">
+              <a:schemeClr val="accent1"/>
+            </a:lnRef>
+            <a:fillRef idx="0">
+              <a:schemeClr val="accent1"/>
+            </a:fillRef>
+            <a:effectRef idx="1">
+              <a:schemeClr val="accent1"/>
+            </a:effectRef>
+            <a:fontRef idx="minor">
+              <a:schemeClr val="tx1"/>
+            </a:fontRef>
+          </p:style>
+        </p:cxnSp>
+        <p:sp>
+          <p:nvSpPr>
+            <p:cNvPr id="69" name="TextBox 68"/>
+            <p:cNvSpPr txBox="1"/>
+            <p:nvPr/>
+          </p:nvSpPr>
+          <p:spPr>
+            <a:xfrm rot="16200000">
+              <a:off x="1643877" y="3586683"/>
+              <a:ext cx="684803" cy="184666"/>
+            </a:xfrm>
+            <a:prstGeom prst="rect">
+              <a:avLst/>
+            </a:prstGeom>
+            <a:noFill/>
+          </p:spPr>
+          <p:txBody>
+            <a:bodyPr wrap="none" rtlCol="0">
+              <a:spAutoFit/>
+            </a:bodyPr>
+            <a:lstStyle/>
+            <a:p>
+              <a:r>
+                <a:rPr lang="en-US" sz="600" dirty="0" smtClean="0">
+                  <a:solidFill>
+                    <a:schemeClr val="tx1">
+                      <a:lumMod val="65000"/>
+                      <a:lumOff val="35000"/>
+                    </a:schemeClr>
+                  </a:solidFill>
+                </a:rPr>
+                <a:t>PARAMS.READY</a:t>
+              </a:r>
+              <a:endParaRPr lang="en-US" sz="600" dirty="0">
+                <a:solidFill>
+                  <a:schemeClr val="tx1">
+                    <a:lumMod val="65000"/>
+                    <a:lumOff val="35000"/>
+                  </a:schemeClr>
+                </a:solidFill>
+              </a:endParaRPr>
+            </a:p>
+          </p:txBody>
+        </p:sp>
+      </p:grpSp>
+      <p:sp>
+        <p:nvSpPr>
+          <p:cNvPr id="82" name="TextBox 81"/>
+          <p:cNvSpPr txBox="1"/>
+          <p:nvPr/>
+        </p:nvSpPr>
+        <p:spPr>
+          <a:xfrm rot="16200000">
+            <a:off x="1536860" y="2544127"/>
+            <a:ext cx="518091" cy="184666"/>
+          </a:xfrm>
+          <a:prstGeom prst="rect">
+            <a:avLst/>
+          </a:prstGeom>
+          <a:noFill/>
+        </p:spPr>
+        <p:txBody>
+          <a:bodyPr wrap="none" rtlCol="0">
+            <a:spAutoFit/>
+          </a:bodyPr>
+          <a:lstStyle/>
+          <a:p>
+            <a:r>
+              <a:rPr lang="en-US" sz="600" dirty="0" smtClean="0">
+                <a:solidFill>
+                  <a:schemeClr val="tx1">
+                    <a:lumMod val="65000"/>
+                    <a:lumOff val="35000"/>
+                  </a:schemeClr>
+                </a:solidFill>
+              </a:rPr>
+              <a:t>JOB.START</a:t>
+            </a:r>
+            <a:endParaRPr lang="en-US" sz="600" dirty="0">
+              <a:solidFill>
+                <a:schemeClr val="tx1">
+                  <a:lumMod val="65000"/>
+                  <a:lumOff val="35000"/>
+                </a:schemeClr>
+              </a:solidFill>
+            </a:endParaRPr>
+          </a:p>
+        </p:txBody>
+      </p:sp>
+      <p:cxnSp>
+        <p:nvCxnSpPr>
+          <p:cNvPr id="84" name="Straight Arrow Connector 83"/>
+          <p:cNvCxnSpPr/>
+          <p:nvPr/>
+        </p:nvCxnSpPr>
+        <p:spPr>
+          <a:xfrm flipV="1">
+            <a:off x="2322428" y="2223283"/>
+            <a:ext cx="1" cy="1019251"/>
+          </a:xfrm>
+          <a:prstGeom prst="straightConnector1">
+            <a:avLst/>
+          </a:prstGeom>
+          <a:ln>
+            <a:solidFill>
+              <a:srgbClr val="7F7F7F"/>
+            </a:solidFill>
+            <a:tailEnd type="arrow"/>
+          </a:ln>
+          <a:effectLst/>
+        </p:spPr>
+        <p:style>
+          <a:lnRef idx="2">
+            <a:schemeClr val="accent1"/>
+          </a:lnRef>
+          <a:fillRef idx="0">
+            <a:schemeClr val="accent1"/>
+          </a:fillRef>
+          <a:effectRef idx="1">
+            <a:schemeClr val="accent1"/>
+          </a:effectRef>
+          <a:fontRef idx="minor">
+            <a:schemeClr val="tx1"/>
+          </a:fontRef>
+        </p:style>
+      </p:cxnSp>
+      <p:sp>
+        <p:nvSpPr>
+          <p:cNvPr id="83" name="TextBox 82"/>
+          <p:cNvSpPr txBox="1"/>
+          <p:nvPr/>
+        </p:nvSpPr>
+        <p:spPr>
+          <a:xfrm rot="16200000">
+            <a:off x="1919754" y="2635491"/>
+            <a:ext cx="620683" cy="184666"/>
+          </a:xfrm>
+          <a:prstGeom prst="rect">
+            <a:avLst/>
+          </a:prstGeom>
+          <a:noFill/>
+        </p:spPr>
+        <p:txBody>
+          <a:bodyPr wrap="none" rtlCol="0">
+            <a:spAutoFit/>
+          </a:bodyPr>
+          <a:lstStyle/>
+          <a:p>
+            <a:r>
+              <a:rPr lang="en-US" sz="600" dirty="0" smtClean="0">
+                <a:solidFill>
+                  <a:schemeClr val="tx1">
+                    <a:lumMod val="65000"/>
+                    <a:lumOff val="35000"/>
+                  </a:schemeClr>
+                </a:solidFill>
+              </a:rPr>
+              <a:t>JOB.FINISHED</a:t>
+            </a:r>
+            <a:endParaRPr lang="en-US" sz="600" dirty="0">
+              <a:solidFill>
+                <a:schemeClr val="tx1">
+                  <a:lumMod val="65000"/>
+                  <a:lumOff val="35000"/>
+                </a:schemeClr>
+              </a:solidFill>
+            </a:endParaRPr>
+          </a:p>
+        </p:txBody>
+      </p:sp>
+      <p:grpSp>
+        <p:nvGrpSpPr>
+          <p:cNvPr id="91" name="Group 90"/>
+          <p:cNvGrpSpPr/>
+          <p:nvPr/>
+        </p:nvGrpSpPr>
+        <p:grpSpPr>
+          <a:xfrm>
+            <a:off x="5453996" y="3766789"/>
+            <a:ext cx="184666" cy="891622"/>
+            <a:chOff x="1965331" y="3222250"/>
+            <a:chExt cx="184666" cy="891622"/>
+          </a:xfrm>
+        </p:grpSpPr>
+        <p:cxnSp>
+          <p:nvCxnSpPr>
+            <p:cNvPr id="92" name="Straight Arrow Connector 91"/>
+            <p:cNvCxnSpPr/>
+            <p:nvPr/>
+          </p:nvCxnSpPr>
+          <p:spPr>
+            <a:xfrm flipH="1" flipV="1">
+              <a:off x="2149995" y="3222250"/>
+              <a:ext cx="1" cy="891622"/>
+            </a:xfrm>
+            <a:prstGeom prst="straightConnector1">
+              <a:avLst/>
+            </a:prstGeom>
+            <a:ln>
+              <a:solidFill>
+                <a:srgbClr val="7F7F7F"/>
+              </a:solidFill>
+              <a:tailEnd type="arrow"/>
+            </a:ln>
+            <a:effectLst/>
+          </p:spPr>
+          <p:style>
+            <a:lnRef idx="2">
+              <a:schemeClr val="accent1"/>
+            </a:lnRef>
+            <a:fillRef idx="0">
+              <a:schemeClr val="accent1"/>
+            </a:fillRef>
+            <a:effectRef idx="1">
+              <a:schemeClr val="accent1"/>
+            </a:effectRef>
+            <a:fontRef idx="minor">
+              <a:schemeClr val="tx1"/>
+            </a:fontRef>
+          </p:style>
+        </p:cxnSp>
+        <p:sp>
+          <p:nvSpPr>
+            <p:cNvPr id="93" name="TextBox 92"/>
+            <p:cNvSpPr txBox="1"/>
+            <p:nvPr/>
+          </p:nvSpPr>
+          <p:spPr>
+            <a:xfrm rot="16200000">
+              <a:off x="1715262" y="3579504"/>
+              <a:ext cx="684803" cy="184666"/>
+            </a:xfrm>
+            <a:prstGeom prst="rect">
+              <a:avLst/>
+            </a:prstGeom>
+            <a:noFill/>
+          </p:spPr>
+          <p:txBody>
+            <a:bodyPr wrap="none" rtlCol="0">
+              <a:spAutoFit/>
+            </a:bodyPr>
+            <a:lstStyle/>
+            <a:p>
+              <a:r>
+                <a:rPr lang="en-US" sz="600" dirty="0" smtClean="0">
+                  <a:solidFill>
+                    <a:schemeClr val="tx1">
+                      <a:lumMod val="65000"/>
+                      <a:lumOff val="35000"/>
+                    </a:schemeClr>
+                  </a:solidFill>
+                </a:rPr>
+                <a:t>RESULTS.READY</a:t>
+              </a:r>
+              <a:endParaRPr lang="en-US" sz="600" dirty="0">
+                <a:solidFill>
+                  <a:schemeClr val="tx1">
+                    <a:lumMod val="65000"/>
+                    <a:lumOff val="35000"/>
+                  </a:schemeClr>
+                </a:solidFill>
+              </a:endParaRPr>
+            </a:p>
+          </p:txBody>
+        </p:sp>
+      </p:grpSp>
+      <p:grpSp>
+        <p:nvGrpSpPr>
+          <p:cNvPr id="94" name="Group 93"/>
+          <p:cNvGrpSpPr/>
+          <p:nvPr/>
+        </p:nvGrpSpPr>
+        <p:grpSpPr>
+          <a:xfrm>
+            <a:off x="4803265" y="3773668"/>
+            <a:ext cx="184666" cy="884742"/>
+            <a:chOff x="1893946" y="3236303"/>
+            <a:chExt cx="184666" cy="884742"/>
+          </a:xfrm>
+        </p:grpSpPr>
+        <p:cxnSp>
+          <p:nvCxnSpPr>
+            <p:cNvPr id="95" name="Straight Arrow Connector 94"/>
+            <p:cNvCxnSpPr/>
+            <p:nvPr/>
+          </p:nvCxnSpPr>
+          <p:spPr>
+            <a:xfrm>
+              <a:off x="2078611" y="3236303"/>
+              <a:ext cx="0" cy="884742"/>
+            </a:xfrm>
+            <a:prstGeom prst="straightConnector1">
+              <a:avLst/>
+            </a:prstGeom>
+            <a:ln>
+              <a:solidFill>
+                <a:srgbClr val="7F7F7F"/>
+              </a:solidFill>
+              <a:tailEnd type="arrow"/>
+            </a:ln>
+            <a:effectLst/>
+          </p:spPr>
+          <p:style>
+            <a:lnRef idx="2">
+              <a:schemeClr val="accent1"/>
+            </a:lnRef>
+            <a:fillRef idx="0">
+              <a:schemeClr val="accent1"/>
+            </a:fillRef>
+            <a:effectRef idx="1">
+              <a:schemeClr val="accent1"/>
+            </a:effectRef>
+            <a:fontRef idx="minor">
+              <a:schemeClr val="tx1"/>
+            </a:fontRef>
+          </p:style>
+        </p:cxnSp>
+        <p:sp>
+          <p:nvSpPr>
+            <p:cNvPr id="96" name="TextBox 95"/>
+            <p:cNvSpPr txBox="1"/>
+            <p:nvPr/>
+          </p:nvSpPr>
+          <p:spPr>
+            <a:xfrm rot="16200000">
+              <a:off x="1643877" y="3586679"/>
+              <a:ext cx="684803" cy="184666"/>
+            </a:xfrm>
+            <a:prstGeom prst="rect">
+              <a:avLst/>
+            </a:prstGeom>
+            <a:noFill/>
+          </p:spPr>
+          <p:txBody>
+            <a:bodyPr wrap="none" rtlCol="0">
+              <a:spAutoFit/>
+            </a:bodyPr>
+            <a:lstStyle/>
+            <a:p>
+              <a:r>
+                <a:rPr lang="en-US" sz="600" dirty="0" smtClean="0">
+                  <a:solidFill>
+                    <a:schemeClr val="tx1">
+                      <a:lumMod val="65000"/>
+                      <a:lumOff val="35000"/>
+                    </a:schemeClr>
+                  </a:solidFill>
+                </a:rPr>
+                <a:t>PARAMS.READY</a:t>
+              </a:r>
+              <a:endParaRPr lang="en-US" sz="600" dirty="0">
+                <a:solidFill>
+                  <a:schemeClr val="tx1">
+                    <a:lumMod val="65000"/>
+                    <a:lumOff val="35000"/>
+                  </a:schemeClr>
+                </a:solidFill>
+              </a:endParaRPr>
+            </a:p>
+          </p:txBody>
+        </p:sp>
+      </p:grpSp>
+      <p:grpSp>
+        <p:nvGrpSpPr>
+          <p:cNvPr id="97" name="Group 96"/>
+          <p:cNvGrpSpPr/>
+          <p:nvPr/>
+        </p:nvGrpSpPr>
+        <p:grpSpPr>
+          <a:xfrm>
+            <a:off x="2992689" y="3766788"/>
+            <a:ext cx="184666" cy="891622"/>
+            <a:chOff x="1893946" y="3229424"/>
+            <a:chExt cx="184666" cy="891622"/>
+          </a:xfrm>
+        </p:grpSpPr>
+        <p:cxnSp>
+          <p:nvCxnSpPr>
+            <p:cNvPr id="98" name="Straight Arrow Connector 97"/>
+            <p:cNvCxnSpPr/>
+            <p:nvPr/>
+          </p:nvCxnSpPr>
+          <p:spPr>
+            <a:xfrm>
+              <a:off x="2078611" y="3229424"/>
+              <a:ext cx="0" cy="891622"/>
+            </a:xfrm>
+            <a:prstGeom prst="straightConnector1">
+              <a:avLst/>
+            </a:prstGeom>
+            <a:ln>
+              <a:solidFill>
+                <a:srgbClr val="7F7F7F"/>
+              </a:solidFill>
+              <a:tailEnd type="arrow"/>
+            </a:ln>
+            <a:effectLst/>
+          </p:spPr>
+          <p:style>
+            <a:lnRef idx="2">
+              <a:schemeClr val="accent1"/>
+            </a:lnRef>
+            <a:fillRef idx="0">
+              <a:schemeClr val="accent1"/>
+            </a:fillRef>
+            <a:effectRef idx="1">
+              <a:schemeClr val="accent1"/>
+            </a:effectRef>
+            <a:fontRef idx="minor">
+              <a:schemeClr val="tx1"/>
+            </a:fontRef>
+          </p:style>
+        </p:cxnSp>
+        <p:sp>
+          <p:nvSpPr>
+            <p:cNvPr id="99" name="TextBox 98"/>
+            <p:cNvSpPr txBox="1"/>
+            <p:nvPr/>
+          </p:nvSpPr>
+          <p:spPr>
+            <a:xfrm rot="16200000">
+              <a:off x="1643877" y="3586682"/>
+              <a:ext cx="684803" cy="184666"/>
+            </a:xfrm>
+            <a:prstGeom prst="rect">
+              <a:avLst/>
+            </a:prstGeom>
+            <a:noFill/>
+          </p:spPr>
+          <p:txBody>
+            <a:bodyPr wrap="none" rtlCol="0">
+              <a:spAutoFit/>
+            </a:bodyPr>
+            <a:lstStyle/>
+            <a:p>
+              <a:r>
+                <a:rPr lang="en-US" sz="600" dirty="0" smtClean="0">
+                  <a:solidFill>
+                    <a:schemeClr val="tx1">
+                      <a:lumMod val="65000"/>
+                      <a:lumOff val="35000"/>
+                    </a:schemeClr>
+                  </a:solidFill>
+                </a:rPr>
+                <a:t>PARAMS.READY</a:t>
+              </a:r>
+              <a:endParaRPr lang="en-US" sz="600" dirty="0">
+                <a:solidFill>
+                  <a:schemeClr val="tx1">
+                    <a:lumMod val="65000"/>
+                    <a:lumOff val="35000"/>
+                  </a:schemeClr>
+                </a:solidFill>
+              </a:endParaRPr>
+            </a:p>
+          </p:txBody>
+        </p:sp>
+      </p:grpSp>
+      <p:grpSp>
+        <p:nvGrpSpPr>
+          <p:cNvPr id="107" name="Group 106"/>
+          <p:cNvGrpSpPr/>
+          <p:nvPr/>
+        </p:nvGrpSpPr>
+        <p:grpSpPr>
+          <a:xfrm>
+            <a:off x="3643237" y="3766788"/>
+            <a:ext cx="184666" cy="891623"/>
+            <a:chOff x="1965330" y="3222247"/>
+            <a:chExt cx="184666" cy="891623"/>
+          </a:xfrm>
+        </p:grpSpPr>
+        <p:cxnSp>
+          <p:nvCxnSpPr>
+            <p:cNvPr id="108" name="Straight Arrow Connector 107"/>
+            <p:cNvCxnSpPr/>
+            <p:nvPr/>
+          </p:nvCxnSpPr>
+          <p:spPr>
+            <a:xfrm flipH="1" flipV="1">
+              <a:off x="2149995" y="3222247"/>
+              <a:ext cx="1" cy="891623"/>
+            </a:xfrm>
+            <a:prstGeom prst="straightConnector1">
+              <a:avLst/>
+            </a:prstGeom>
+            <a:ln>
+              <a:solidFill>
+                <a:srgbClr val="7F7F7F"/>
+              </a:solidFill>
+              <a:tailEnd type="arrow"/>
+            </a:ln>
+            <a:effectLst/>
+          </p:spPr>
+          <p:style>
+            <a:lnRef idx="2">
+              <a:schemeClr val="accent1"/>
+            </a:lnRef>
+            <a:fillRef idx="0">
+              <a:schemeClr val="accent1"/>
+            </a:fillRef>
+            <a:effectRef idx="1">
+              <a:schemeClr val="accent1"/>
+            </a:effectRef>
+            <a:fontRef idx="minor">
+              <a:schemeClr val="tx1"/>
+            </a:fontRef>
+          </p:style>
+        </p:cxnSp>
+        <p:sp>
+          <p:nvSpPr>
+            <p:cNvPr id="109" name="TextBox 108"/>
+            <p:cNvSpPr txBox="1"/>
+            <p:nvPr/>
+          </p:nvSpPr>
+          <p:spPr>
+            <a:xfrm rot="16200000">
+              <a:off x="1715261" y="3579504"/>
+              <a:ext cx="684803" cy="184666"/>
+            </a:xfrm>
+            <a:prstGeom prst="rect">
+              <a:avLst/>
+            </a:prstGeom>
+            <a:noFill/>
+          </p:spPr>
+          <p:txBody>
+            <a:bodyPr wrap="none" rtlCol="0">
+              <a:spAutoFit/>
+            </a:bodyPr>
+            <a:lstStyle/>
+            <a:p>
+              <a:r>
+                <a:rPr lang="en-US" sz="600" dirty="0" smtClean="0">
+                  <a:solidFill>
+                    <a:schemeClr val="tx1">
+                      <a:lumMod val="65000"/>
+                      <a:lumOff val="35000"/>
+                    </a:schemeClr>
+                  </a:solidFill>
+                </a:rPr>
+                <a:t>RESULTS.READY</a:t>
+              </a:r>
+              <a:endParaRPr lang="en-US" sz="600" dirty="0">
+                <a:solidFill>
+                  <a:schemeClr val="tx1">
+                    <a:lumMod val="65000"/>
+                    <a:lumOff val="35000"/>
+                  </a:schemeClr>
+                </a:solidFill>
+              </a:endParaRPr>
+            </a:p>
+          </p:txBody>
+        </p:sp>
+      </p:grpSp>
+      <p:grpSp>
+        <p:nvGrpSpPr>
+          <p:cNvPr id="110" name="Group 109"/>
+          <p:cNvGrpSpPr/>
+          <p:nvPr/>
+        </p:nvGrpSpPr>
+        <p:grpSpPr>
+          <a:xfrm>
+            <a:off x="1831249" y="3758876"/>
+            <a:ext cx="184666" cy="899534"/>
+            <a:chOff x="1955807" y="3214336"/>
+            <a:chExt cx="184666" cy="899534"/>
+          </a:xfrm>
+        </p:grpSpPr>
+        <p:cxnSp>
+          <p:nvCxnSpPr>
+            <p:cNvPr id="111" name="Straight Arrow Connector 110"/>
+            <p:cNvCxnSpPr/>
+            <p:nvPr/>
+          </p:nvCxnSpPr>
+          <p:spPr>
+            <a:xfrm flipV="1">
+              <a:off x="2140472" y="3214336"/>
+              <a:ext cx="0" cy="899534"/>
+            </a:xfrm>
+            <a:prstGeom prst="straightConnector1">
+              <a:avLst/>
+            </a:prstGeom>
+            <a:ln>
+              <a:solidFill>
+                <a:srgbClr val="7F7F7F"/>
+              </a:solidFill>
+              <a:tailEnd type="arrow"/>
+            </a:ln>
+            <a:effectLst/>
+          </p:spPr>
+          <p:style>
+            <a:lnRef idx="2">
+              <a:schemeClr val="accent1"/>
+            </a:lnRef>
+            <a:fillRef idx="0">
+              <a:schemeClr val="accent1"/>
+            </a:fillRef>
+            <a:effectRef idx="1">
+              <a:schemeClr val="accent1"/>
+            </a:effectRef>
+            <a:fontRef idx="minor">
+              <a:schemeClr val="tx1"/>
+            </a:fontRef>
+          </p:style>
+        </p:cxnSp>
+        <p:sp>
+          <p:nvSpPr>
+            <p:cNvPr id="112" name="TextBox 111"/>
+            <p:cNvSpPr txBox="1"/>
+            <p:nvPr/>
+          </p:nvSpPr>
+          <p:spPr>
+            <a:xfrm rot="16200000">
+              <a:off x="1705738" y="3579507"/>
+              <a:ext cx="684803" cy="184666"/>
+            </a:xfrm>
+            <a:prstGeom prst="rect">
+              <a:avLst/>
+            </a:prstGeom>
+            <a:noFill/>
+          </p:spPr>
+          <p:txBody>
+            <a:bodyPr wrap="none" rtlCol="0">
+              <a:spAutoFit/>
+            </a:bodyPr>
+            <a:lstStyle/>
+            <a:p>
+              <a:r>
+                <a:rPr lang="en-US" sz="600" dirty="0" smtClean="0">
+                  <a:solidFill>
+                    <a:schemeClr val="tx1">
+                      <a:lumMod val="65000"/>
+                      <a:lumOff val="35000"/>
+                    </a:schemeClr>
+                  </a:solidFill>
+                </a:rPr>
+                <a:t>RESULTS.READY</a:t>
+              </a:r>
+              <a:endParaRPr lang="en-US" sz="600" dirty="0">
+                <a:solidFill>
+                  <a:schemeClr val="tx1">
+                    <a:lumMod val="65000"/>
+                    <a:lumOff val="35000"/>
+                  </a:schemeClr>
+                </a:solidFill>
+              </a:endParaRPr>
+            </a:p>
+          </p:txBody>
+        </p:sp>
+      </p:grpSp>
+      <p:sp>
+        <p:nvSpPr>
+          <p:cNvPr id="133" name="Rounded Rectangle 132"/>
+          <p:cNvSpPr/>
+          <p:nvPr/>
+        </p:nvSpPr>
+        <p:spPr>
+          <a:xfrm>
+            <a:off x="1109460" y="6002230"/>
+            <a:ext cx="1189093" cy="409004"/>
+          </a:xfrm>
+          <a:prstGeom prst="roundRect">
+            <a:avLst/>
+          </a:prstGeom>
+          <a:solidFill>
+            <a:schemeClr val="bg1"/>
+          </a:solidFill>
+          <a:ln>
+            <a:solidFill>
+              <a:schemeClr val="tx1">
+                <a:lumMod val="50000"/>
+                <a:lumOff val="50000"/>
+              </a:schemeClr>
+            </a:solidFill>
+          </a:ln>
+          <a:effectLst/>
+        </p:spPr>
+        <p:style>
+          <a:lnRef idx="1">
+            <a:schemeClr val="accent1"/>
+          </a:lnRef>
+          <a:fillRef idx="3">
+            <a:schemeClr val="accent1"/>
+          </a:fillRef>
+          <a:effectRef idx="2">
+            <a:schemeClr val="accent1"/>
+          </a:effectRef>
+          <a:fontRef idx="minor">
+            <a:schemeClr val="lt1"/>
+          </a:fontRef>
+        </p:style>
+        <p:txBody>
+          <a:bodyPr rtlCol="0" anchor="ctr"/>
+          <a:lstStyle/>
+          <a:p>
+            <a:pPr algn="ctr"/>
+            <a:r>
+              <a:rPr lang="en-US" sz="1100" dirty="0" smtClean="0">
+                <a:solidFill>
+                  <a:schemeClr val="tx1">
+                    <a:lumMod val="65000"/>
+                    <a:lumOff val="35000"/>
+                  </a:schemeClr>
+                </a:solidFill>
+              </a:rPr>
+              <a:t>Cluster</a:t>
+            </a:r>
+            <a:endParaRPr lang="en-US" sz="1100" dirty="0">
+              <a:solidFill>
+                <a:schemeClr val="tx1">
+                  <a:lumMod val="65000"/>
+                  <a:lumOff val="35000"/>
+                </a:schemeClr>
+              </a:solidFill>
+            </a:endParaRPr>
+          </a:p>
+        </p:txBody>
+      </p:sp>
+      <p:cxnSp>
+        <p:nvCxnSpPr>
+          <p:cNvPr id="135" name="Straight Arrow Connector 134"/>
+          <p:cNvCxnSpPr>
+            <a:endCxn id="133" idx="0"/>
+          </p:cNvCxnSpPr>
+          <p:nvPr/>
+        </p:nvCxnSpPr>
+        <p:spPr>
+          <a:xfrm>
+            <a:off x="1704006" y="5179923"/>
+            <a:ext cx="1" cy="822307"/>
+          </a:xfrm>
+          <a:prstGeom prst="straightConnector1">
+            <a:avLst/>
+          </a:prstGeom>
+          <a:ln>
+            <a:solidFill>
+              <a:srgbClr val="7F7F7F"/>
+            </a:solidFill>
+            <a:prstDash val="dash"/>
+            <a:headEnd type="arrow"/>
+            <a:tailEnd type="arrow"/>
+          </a:ln>
+          <a:effectLst/>
+        </p:spPr>
+        <p:style>
+          <a:lnRef idx="2">
+            <a:schemeClr val="accent1"/>
+          </a:lnRef>
+          <a:fillRef idx="0">
+            <a:schemeClr val="accent1"/>
+          </a:fillRef>
+          <a:effectRef idx="1">
+            <a:schemeClr val="accent1"/>
+          </a:effectRef>
+          <a:fontRef idx="minor">
+            <a:schemeClr val="tx1"/>
+          </a:fontRef>
+        </p:style>
+      </p:cxnSp>
+      <p:sp>
+        <p:nvSpPr>
+          <p:cNvPr id="138" name="Rounded Rectangle 137"/>
+          <p:cNvSpPr/>
+          <p:nvPr/>
+        </p:nvSpPr>
+        <p:spPr>
+          <a:xfrm>
+            <a:off x="7582210" y="1814279"/>
+            <a:ext cx="691129" cy="409004"/>
+          </a:xfrm>
+          <a:prstGeom prst="roundRect">
+            <a:avLst/>
+          </a:prstGeom>
+          <a:solidFill>
+            <a:schemeClr val="bg1"/>
+          </a:solidFill>
+          <a:ln>
+            <a:solidFill>
+              <a:schemeClr val="tx1">
+                <a:lumMod val="50000"/>
+                <a:lumOff val="50000"/>
+              </a:schemeClr>
+            </a:solidFill>
+          </a:ln>
+          <a:effectLst/>
+        </p:spPr>
+        <p:style>
+          <a:lnRef idx="1">
+            <a:schemeClr val="accent1"/>
+          </a:lnRef>
+          <a:fillRef idx="3">
+            <a:schemeClr val="accent1"/>
+          </a:fillRef>
+          <a:effectRef idx="2">
+            <a:schemeClr val="accent1"/>
+          </a:effectRef>
+          <a:fontRef idx="minor">
+            <a:schemeClr val="lt1"/>
+          </a:fontRef>
+        </p:style>
+        <p:txBody>
+          <a:bodyPr rtlCol="0" anchor="ctr"/>
+          <a:lstStyle/>
+          <a:p>
+            <a:pPr algn="ctr"/>
+            <a:r>
+              <a:rPr lang="en-US" sz="1100" dirty="0" smtClean="0">
+                <a:solidFill>
+                  <a:schemeClr val="tx1">
+                    <a:lumMod val="65000"/>
+                    <a:lumOff val="35000"/>
+                  </a:schemeClr>
+                </a:solidFill>
+              </a:rPr>
+              <a:t>ICAT Server</a:t>
+            </a:r>
+            <a:endParaRPr lang="en-US" sz="1100" dirty="0">
+              <a:solidFill>
+                <a:schemeClr val="tx1">
+                  <a:lumMod val="65000"/>
+                  <a:lumOff val="35000"/>
+                </a:schemeClr>
+              </a:solidFill>
+            </a:endParaRPr>
+          </a:p>
+        </p:txBody>
+      </p:sp>
+      <p:sp>
+        <p:nvSpPr>
+          <p:cNvPr id="139" name="TextBox 138"/>
+          <p:cNvSpPr txBox="1"/>
+          <p:nvPr/>
+        </p:nvSpPr>
+        <p:spPr>
+          <a:xfrm>
+            <a:off x="5183934" y="1555564"/>
+            <a:ext cx="2224719" cy="461665"/>
+          </a:xfrm>
+          <a:prstGeom prst="rect">
+            <a:avLst/>
+          </a:prstGeom>
+          <a:noFill/>
+        </p:spPr>
+        <p:txBody>
+          <a:bodyPr wrap="square" rtlCol="0">
+            <a:spAutoFit/>
+          </a:bodyPr>
+          <a:lstStyle/>
+          <a:p>
+            <a:r>
+              <a:rPr lang="en-US" sz="800" dirty="0" smtClean="0">
+                <a:solidFill>
+                  <a:schemeClr val="accent2"/>
+                </a:solidFill>
+              </a:rPr>
+              <a:t>How do we know a job is finished?</a:t>
+            </a:r>
+          </a:p>
+          <a:p>
+            <a:r>
+              <a:rPr lang="en-US" sz="800" dirty="0" smtClean="0">
+                <a:solidFill>
+                  <a:schemeClr val="accent2"/>
+                </a:solidFill>
+              </a:rPr>
+              <a:t>Should the service keep track of jobs by entering each submission into ICAT?</a:t>
+            </a:r>
+            <a:endParaRPr lang="en-US" sz="800" dirty="0">
+              <a:solidFill>
+                <a:schemeClr val="accent2"/>
+              </a:solidFill>
+            </a:endParaRPr>
+          </a:p>
+        </p:txBody>
+      </p:sp>
+      <p:sp>
+        <p:nvSpPr>
+          <p:cNvPr id="144" name="Rounded Rectangle 143"/>
+          <p:cNvSpPr/>
+          <p:nvPr/>
+        </p:nvSpPr>
+        <p:spPr>
+          <a:xfrm>
+            <a:off x="7333228" y="3349871"/>
+            <a:ext cx="1189093" cy="409004"/>
+          </a:xfrm>
+          <a:prstGeom prst="roundRect">
+            <a:avLst/>
+          </a:prstGeom>
+          <a:solidFill>
+            <a:schemeClr val="bg1"/>
+          </a:solidFill>
+          <a:ln>
+            <a:solidFill>
+              <a:schemeClr val="tx1">
+                <a:lumMod val="50000"/>
+                <a:lumOff val="50000"/>
+              </a:schemeClr>
+            </a:solidFill>
+          </a:ln>
+          <a:effectLst/>
+        </p:spPr>
+        <p:style>
+          <a:lnRef idx="1">
+            <a:schemeClr val="accent1"/>
+          </a:lnRef>
+          <a:fillRef idx="3">
+            <a:schemeClr val="accent1"/>
+          </a:fillRef>
+          <a:effectRef idx="2">
+            <a:schemeClr val="accent1"/>
+          </a:effectRef>
+          <a:fontRef idx="minor">
+            <a:schemeClr val="lt1"/>
+          </a:fontRef>
+        </p:style>
+        <p:txBody>
+          <a:bodyPr rtlCol="0" anchor="ctr"/>
+          <a:lstStyle/>
+          <a:p>
+            <a:pPr algn="ctr"/>
+            <a:r>
+              <a:rPr lang="en-US" sz="1100" dirty="0" smtClean="0">
+                <a:solidFill>
+                  <a:schemeClr val="tx1">
+                    <a:lumMod val="65000"/>
+                    <a:lumOff val="35000"/>
+                  </a:schemeClr>
+                </a:solidFill>
+              </a:rPr>
+              <a:t>Cataloging agent</a:t>
+            </a:r>
+            <a:endParaRPr lang="en-US" sz="1100" dirty="0">
+              <a:solidFill>
+                <a:schemeClr val="tx1">
+                  <a:lumMod val="65000"/>
+                  <a:lumOff val="35000"/>
+                </a:schemeClr>
+              </a:solidFill>
+            </a:endParaRPr>
+          </a:p>
+        </p:txBody>
+      </p:sp>
+      <p:sp>
+        <p:nvSpPr>
+          <p:cNvPr id="147" name="TextBox 146"/>
+          <p:cNvSpPr txBox="1"/>
+          <p:nvPr/>
+        </p:nvSpPr>
+        <p:spPr>
+          <a:xfrm>
+            <a:off x="6500373" y="3661064"/>
+            <a:ext cx="620683" cy="184666"/>
+          </a:xfrm>
+          <a:prstGeom prst="rect">
+            <a:avLst/>
+          </a:prstGeom>
+          <a:noFill/>
+        </p:spPr>
+        <p:txBody>
+          <a:bodyPr wrap="none" rtlCol="0">
+            <a:spAutoFit/>
+          </a:bodyPr>
+          <a:lstStyle/>
+          <a:p>
+            <a:r>
+              <a:rPr lang="en-US" sz="600" dirty="0" smtClean="0">
+                <a:solidFill>
+                  <a:schemeClr val="tx1">
+                    <a:lumMod val="65000"/>
+                    <a:lumOff val="35000"/>
+                  </a:schemeClr>
+                </a:solidFill>
+              </a:rPr>
+              <a:t>JOB.FINISHED</a:t>
+            </a:r>
+            <a:endParaRPr lang="en-US" sz="600" dirty="0">
+              <a:solidFill>
+                <a:schemeClr val="tx1">
+                  <a:lumMod val="65000"/>
+                  <a:lumOff val="35000"/>
+                </a:schemeClr>
+              </a:solidFill>
+            </a:endParaRPr>
+          </a:p>
+        </p:txBody>
+      </p:sp>
+      <p:sp>
+        <p:nvSpPr>
+          <p:cNvPr id="148" name="TextBox 147"/>
+          <p:cNvSpPr txBox="1"/>
+          <p:nvPr/>
+        </p:nvSpPr>
+        <p:spPr>
+          <a:xfrm>
+            <a:off x="6500373" y="3254801"/>
+            <a:ext cx="518091" cy="184666"/>
+          </a:xfrm>
+          <a:prstGeom prst="rect">
+            <a:avLst/>
+          </a:prstGeom>
+          <a:noFill/>
+        </p:spPr>
+        <p:txBody>
+          <a:bodyPr wrap="none" rtlCol="0">
+            <a:spAutoFit/>
+          </a:bodyPr>
+          <a:lstStyle/>
+          <a:p>
+            <a:r>
+              <a:rPr lang="en-US" sz="600" dirty="0" smtClean="0">
+                <a:solidFill>
+                  <a:schemeClr val="tx1">
+                    <a:lumMod val="65000"/>
+                    <a:lumOff val="35000"/>
+                  </a:schemeClr>
+                </a:solidFill>
+              </a:rPr>
+              <a:t>JOB.START</a:t>
+            </a:r>
+            <a:endParaRPr lang="en-US" sz="600" dirty="0">
+              <a:solidFill>
+                <a:schemeClr val="tx1">
+                  <a:lumMod val="65000"/>
+                  <a:lumOff val="35000"/>
+                </a:schemeClr>
+              </a:solidFill>
+            </a:endParaRPr>
+          </a:p>
+        </p:txBody>
+      </p:sp>
+      <p:cxnSp>
+        <p:nvCxnSpPr>
+          <p:cNvPr id="149" name="Straight Arrow Connector 148"/>
+          <p:cNvCxnSpPr/>
+          <p:nvPr/>
+        </p:nvCxnSpPr>
+        <p:spPr>
+          <a:xfrm>
+            <a:off x="6165553" y="3447480"/>
+            <a:ext cx="1167675" cy="1"/>
+          </a:xfrm>
+          <a:prstGeom prst="straightConnector1">
+            <a:avLst/>
+          </a:prstGeom>
+          <a:ln>
+            <a:solidFill>
+              <a:srgbClr val="7F7F7F"/>
+            </a:solidFill>
+            <a:tailEnd type="arrow"/>
+          </a:ln>
+          <a:effectLst/>
+        </p:spPr>
+        <p:style>
+          <a:lnRef idx="2">
+            <a:schemeClr val="accent1"/>
+          </a:lnRef>
+          <a:fillRef idx="0">
+            <a:schemeClr val="accent1"/>
+          </a:fillRef>
+          <a:effectRef idx="1">
+            <a:schemeClr val="accent1"/>
+          </a:effectRef>
+          <a:fontRef idx="minor">
+            <a:schemeClr val="tx1"/>
+          </a:fontRef>
+        </p:style>
+      </p:cxnSp>
+      <p:cxnSp>
+        <p:nvCxnSpPr>
+          <p:cNvPr id="150" name="Straight Arrow Connector 149"/>
+          <p:cNvCxnSpPr>
+            <a:stCxn id="144" idx="0"/>
+            <a:endCxn id="138" idx="2"/>
+          </p:cNvCxnSpPr>
+          <p:nvPr/>
+        </p:nvCxnSpPr>
+        <p:spPr>
+          <a:xfrm flipV="1">
+            <a:off x="7927775" y="2223283"/>
+            <a:ext cx="0" cy="1126588"/>
+          </a:xfrm>
+          <a:prstGeom prst="straightConnector1">
+            <a:avLst/>
+          </a:prstGeom>
+          <a:ln>
+            <a:solidFill>
+              <a:srgbClr val="7F7F7F"/>
+            </a:solidFill>
+            <a:prstDash val="dash"/>
+            <a:headEnd type="arrow"/>
+            <a:tailEnd type="arrow"/>
+          </a:ln>
+          <a:effectLst/>
+        </p:spPr>
+        <p:style>
+          <a:lnRef idx="2">
+            <a:schemeClr val="accent1"/>
+          </a:lnRef>
+          <a:fillRef idx="0">
+            <a:schemeClr val="accent1"/>
+          </a:fillRef>
+          <a:effectRef idx="1">
+            <a:schemeClr val="accent1"/>
+          </a:effectRef>
+          <a:fontRef idx="minor">
+            <a:schemeClr val="tx1"/>
+          </a:fontRef>
+        </p:style>
+      </p:cxnSp>
+      <p:cxnSp>
+        <p:nvCxnSpPr>
+          <p:cNvPr id="157" name="Straight Arrow Connector 156"/>
+          <p:cNvCxnSpPr/>
+          <p:nvPr/>
+        </p:nvCxnSpPr>
+        <p:spPr>
+          <a:xfrm>
+            <a:off x="6165553" y="3650681"/>
+            <a:ext cx="1167675" cy="1"/>
+          </a:xfrm>
+          <a:prstGeom prst="straightConnector1">
+            <a:avLst/>
+          </a:prstGeom>
+          <a:ln>
+            <a:solidFill>
+              <a:srgbClr val="7F7F7F"/>
+            </a:solidFill>
+            <a:headEnd type="none"/>
+            <a:tailEnd type="arrow"/>
+          </a:ln>
+          <a:effectLst/>
+        </p:spPr>
+        <p:style>
+          <a:lnRef idx="2">
+            <a:schemeClr val="accent1"/>
+          </a:lnRef>
+          <a:fillRef idx="0">
+            <a:schemeClr val="accent1"/>
+          </a:fillRef>
+          <a:effectRef idx="1">
+            <a:schemeClr val="accent1"/>
+          </a:effectRef>
+          <a:fontRef idx="minor">
+            <a:schemeClr val="tx1"/>
+          </a:fontRef>
+        </p:style>
+      </p:cxnSp>
+      <p:cxnSp>
+        <p:nvCxnSpPr>
+          <p:cNvPr id="163" name="Straight Arrow Connector 162"/>
+          <p:cNvCxnSpPr>
+            <a:stCxn id="35" idx="3"/>
+            <a:endCxn id="138" idx="1"/>
+          </p:cNvCxnSpPr>
+          <p:nvPr/>
+        </p:nvCxnSpPr>
+        <p:spPr>
+          <a:xfrm>
+            <a:off x="4987930" y="2018781"/>
+            <a:ext cx="2594280" cy="0"/>
+          </a:xfrm>
+          <a:prstGeom prst="straightConnector1">
+            <a:avLst/>
+          </a:prstGeom>
+          <a:ln>
+            <a:solidFill>
+              <a:srgbClr val="7F7F7F"/>
+            </a:solidFill>
+            <a:prstDash val="dash"/>
+            <a:headEnd type="arrow"/>
+            <a:tailEnd type="arrow"/>
+          </a:ln>
+          <a:effectLst/>
+        </p:spPr>
+        <p:style>
+          <a:lnRef idx="2">
+            <a:schemeClr val="accent1"/>
+          </a:lnRef>
+          <a:fillRef idx="0">
+            <a:schemeClr val="accent1"/>
+          </a:fillRef>
+          <a:effectRef idx="1">
+            <a:schemeClr val="accent1"/>
+          </a:effectRef>
+          <a:fontRef idx="minor">
+            <a:schemeClr val="tx1"/>
+          </a:fontRef>
+        </p:style>
+      </p:cxnSp>
+      <p:cxnSp>
+        <p:nvCxnSpPr>
+          <p:cNvPr id="175" name="Straight Arrow Connector 174"/>
+          <p:cNvCxnSpPr>
+            <a:stCxn id="36" idx="2"/>
+          </p:cNvCxnSpPr>
+          <p:nvPr/>
+        </p:nvCxnSpPr>
+        <p:spPr>
+          <a:xfrm>
+            <a:off x="2356884" y="1282866"/>
+            <a:ext cx="0" cy="558989"/>
+          </a:xfrm>
+          <a:prstGeom prst="straightConnector1">
+            <a:avLst/>
+          </a:prstGeom>
+          <a:ln>
+            <a:solidFill>
+              <a:srgbClr val="7F7F7F"/>
+            </a:solidFill>
+            <a:prstDash val="dash"/>
+            <a:headEnd type="arrow"/>
+            <a:tailEnd type="arrow"/>
+          </a:ln>
+          <a:effectLst/>
+        </p:spPr>
+        <p:style>
+          <a:lnRef idx="2">
+            <a:schemeClr val="accent1"/>
+          </a:lnRef>
+          <a:fillRef idx="0">
+            <a:schemeClr val="accent1"/>
+          </a:fillRef>
+          <a:effectRef idx="1">
+            <a:schemeClr val="accent1"/>
+          </a:effectRef>
+          <a:fontRef idx="minor">
+            <a:schemeClr val="tx1"/>
+          </a:fontRef>
+        </p:style>
+      </p:cxnSp>
+      <p:sp>
+        <p:nvSpPr>
+          <p:cNvPr id="186" name="TextBox 185"/>
+          <p:cNvSpPr txBox="1"/>
+          <p:nvPr/>
+        </p:nvSpPr>
+        <p:spPr>
+          <a:xfrm>
+            <a:off x="2530876" y="2223283"/>
+            <a:ext cx="3015617" cy="215444"/>
+          </a:xfrm>
+          <a:prstGeom prst="rect">
+            <a:avLst/>
+          </a:prstGeom>
+          <a:noFill/>
+        </p:spPr>
+        <p:txBody>
+          <a:bodyPr wrap="square" rtlCol="0">
+            <a:spAutoFit/>
+          </a:bodyPr>
+          <a:lstStyle/>
+          <a:p>
+            <a:r>
+              <a:rPr lang="en-US" sz="800" dirty="0" smtClean="0">
+                <a:solidFill>
+                  <a:schemeClr val="accent2"/>
+                </a:solidFill>
+              </a:rPr>
+              <a:t>Does submission service generate unique ID for job?</a:t>
+            </a:r>
+            <a:endParaRPr lang="en-US" sz="800" dirty="0">
+              <a:solidFill>
+                <a:schemeClr val="accent2"/>
+              </a:solidFill>
+            </a:endParaRPr>
+          </a:p>
+        </p:txBody>
+      </p:sp>
+      <p:sp>
+        <p:nvSpPr>
+          <p:cNvPr id="187" name="TextBox 186"/>
+          <p:cNvSpPr txBox="1"/>
+          <p:nvPr/>
+        </p:nvSpPr>
+        <p:spPr>
+          <a:xfrm>
+            <a:off x="2530876" y="2998017"/>
+            <a:ext cx="3015617" cy="215444"/>
+          </a:xfrm>
+          <a:prstGeom prst="rect">
+            <a:avLst/>
+          </a:prstGeom>
+          <a:noFill/>
+        </p:spPr>
+        <p:txBody>
+          <a:bodyPr wrap="square" rtlCol="0">
+            <a:spAutoFit/>
+          </a:bodyPr>
+          <a:lstStyle/>
+          <a:p>
+            <a:r>
+              <a:rPr lang="en-US" sz="800" dirty="0" smtClean="0">
+                <a:solidFill>
+                  <a:schemeClr val="accent2"/>
+                </a:solidFill>
+              </a:rPr>
+              <a:t>Job agents can be distributed on different nodes</a:t>
+            </a:r>
+            <a:endParaRPr lang="en-US" sz="800" dirty="0">
+              <a:solidFill>
+                <a:schemeClr val="accent2"/>
+              </a:solidFill>
+            </a:endParaRPr>
+          </a:p>
+        </p:txBody>
+      </p:sp>
+      <p:sp>
+        <p:nvSpPr>
+          <p:cNvPr id="188" name="TextBox 187"/>
+          <p:cNvSpPr txBox="1"/>
+          <p:nvPr/>
+        </p:nvSpPr>
+        <p:spPr>
+          <a:xfrm rot="19609231">
+            <a:off x="254529" y="1621420"/>
+            <a:ext cx="1576720" cy="338554"/>
+          </a:xfrm>
+          <a:prstGeom prst="rect">
+            <a:avLst/>
+          </a:prstGeom>
+          <a:noFill/>
+        </p:spPr>
+        <p:txBody>
+          <a:bodyPr wrap="square" rtlCol="0">
+            <a:spAutoFit/>
+          </a:bodyPr>
+          <a:lstStyle/>
+          <a:p>
+            <a:r>
+              <a:rPr lang="en-US" sz="800" dirty="0" smtClean="0">
+                <a:solidFill>
+                  <a:schemeClr val="accent2"/>
+                </a:solidFill>
+              </a:rPr>
+              <a:t>Having a submission service gives us a single entry point</a:t>
+            </a:r>
+            <a:endParaRPr lang="en-US" sz="800" dirty="0">
+              <a:solidFill>
+                <a:schemeClr val="accent2"/>
+              </a:solidFill>
+            </a:endParaRPr>
+          </a:p>
+        </p:txBody>
+      </p:sp>
+    </p:spTree>
+    <p:extLst>
+      <p:ext uri="{BB962C8B-B14F-4D97-AF65-F5344CB8AC3E}">
+        <p14:creationId xmlns:p14="http://schemas.microsoft.com/office/powerpoint/2010/main" val="2151285669"/>
       </p:ext>
     </p:extLst>
   </p:cSld>
